--- a/powerpoint/Session2.pptx
+++ b/powerpoint/Session2.pptx
@@ -140,7 +140,7 @@
 <file path=ppt/revisionInfo.xml><?xml version="1.0" encoding="utf-8"?>
 <p1510:revInfo xmlns:a="http://schemas.openxmlformats.org/drawingml/2006/main" xmlns:r="http://schemas.openxmlformats.org/officeDocument/2006/relationships" xmlns:p1510="http://schemas.microsoft.com/office/powerpoint/2015/10/main">
   <p1510:revLst>
-    <p1510:client id="{CF7D4108-D40D-A74D-804B-296130AF4168}" v="1" dt="2023-10-10T07:57:21.659"/>
+    <p1510:client id="{385DF428-08F5-EA40-8E12-3B8141233526}" v="67" dt="2024-01-22T20:30:20.636"/>
   </p1510:revLst>
 </p1510:revInfo>
 </file>
@@ -219,6 +219,617 @@
             <pc:docMk/>
             <pc:sldMk cId="0" sldId="276"/>
             <ac:spMk id="228" creationId="{00000000-0000-0000-0000-000000000000}"/>
+          </ac:spMkLst>
+        </pc:spChg>
+      </pc:sldChg>
+    </pc:docChg>
+  </pc:docChgLst>
+  <pc:docChgLst>
+    <pc:chgData name="Srinivasa Rao" userId="a6b54366-f13d-4292-8bb4-f06c50909b1e" providerId="ADAL" clId="{385DF428-08F5-EA40-8E12-3B8141233526}"/>
+    <pc:docChg chg="custSel modSld">
+      <pc:chgData name="Srinivasa Rao" userId="a6b54366-f13d-4292-8bb4-f06c50909b1e" providerId="ADAL" clId="{385DF428-08F5-EA40-8E12-3B8141233526}" dt="2024-01-22T20:30:41.648" v="473" actId="478"/>
+      <pc:docMkLst>
+        <pc:docMk/>
+      </pc:docMkLst>
+      <pc:sldChg chg="addSp delSp modSp mod modAnim">
+        <pc:chgData name="Srinivasa Rao" userId="a6b54366-f13d-4292-8bb4-f06c50909b1e" providerId="ADAL" clId="{385DF428-08F5-EA40-8E12-3B8141233526}" dt="2024-01-22T20:04:00.522" v="98"/>
+        <pc:sldMkLst>
+          <pc:docMk/>
+          <pc:sldMk cId="0" sldId="259"/>
+        </pc:sldMkLst>
+        <pc:spChg chg="add mod">
+          <ac:chgData name="Srinivasa Rao" userId="a6b54366-f13d-4292-8bb4-f06c50909b1e" providerId="ADAL" clId="{385DF428-08F5-EA40-8E12-3B8141233526}" dt="2024-01-22T20:03:11.096" v="88" actId="1037"/>
+          <ac:spMkLst>
+            <pc:docMk/>
+            <pc:sldMk cId="0" sldId="259"/>
+            <ac:spMk id="2" creationId="{4AEDAC86-9CF1-9124-0E11-A8229DFE9BBF}"/>
+          </ac:spMkLst>
+        </pc:spChg>
+        <pc:spChg chg="add mod">
+          <ac:chgData name="Srinivasa Rao" userId="a6b54366-f13d-4292-8bb4-f06c50909b1e" providerId="ADAL" clId="{385DF428-08F5-EA40-8E12-3B8141233526}" dt="2024-01-22T20:03:11.096" v="88" actId="1037"/>
+          <ac:spMkLst>
+            <pc:docMk/>
+            <pc:sldMk cId="0" sldId="259"/>
+            <ac:spMk id="3" creationId="{71C6A929-9A26-B46B-9A09-A39B6B4EAB19}"/>
+          </ac:spMkLst>
+        </pc:spChg>
+        <pc:spChg chg="add mod">
+          <ac:chgData name="Srinivasa Rao" userId="a6b54366-f13d-4292-8bb4-f06c50909b1e" providerId="ADAL" clId="{385DF428-08F5-EA40-8E12-3B8141233526}" dt="2024-01-22T20:03:11.096" v="88" actId="1037"/>
+          <ac:spMkLst>
+            <pc:docMk/>
+            <pc:sldMk cId="0" sldId="259"/>
+            <ac:spMk id="9" creationId="{8CB16B1E-82A3-2FEE-BFCE-AC5FE4B281B3}"/>
+          </ac:spMkLst>
+        </pc:spChg>
+        <pc:spChg chg="add mod">
+          <ac:chgData name="Srinivasa Rao" userId="a6b54366-f13d-4292-8bb4-f06c50909b1e" providerId="ADAL" clId="{385DF428-08F5-EA40-8E12-3B8141233526}" dt="2024-01-22T20:03:53.907" v="97" actId="14100"/>
+          <ac:spMkLst>
+            <pc:docMk/>
+            <pc:sldMk cId="0" sldId="259"/>
+            <ac:spMk id="22" creationId="{48A18897-1BC6-78F3-6C02-0C186E9273C9}"/>
+          </ac:spMkLst>
+        </pc:spChg>
+        <pc:picChg chg="del mod">
+          <ac:chgData name="Srinivasa Rao" userId="a6b54366-f13d-4292-8bb4-f06c50909b1e" providerId="ADAL" clId="{385DF428-08F5-EA40-8E12-3B8141233526}" dt="2024-01-22T20:02:23.191" v="52" actId="478"/>
+          <ac:picMkLst>
+            <pc:docMk/>
+            <pc:sldMk cId="0" sldId="259"/>
+            <ac:picMk id="236" creationId="{00000000-0000-0000-0000-000000000000}"/>
+          </ac:picMkLst>
+        </pc:picChg>
+        <pc:cxnChg chg="add mod">
+          <ac:chgData name="Srinivasa Rao" userId="a6b54366-f13d-4292-8bb4-f06c50909b1e" providerId="ADAL" clId="{385DF428-08F5-EA40-8E12-3B8141233526}" dt="2024-01-22T20:03:11.096" v="88" actId="1037"/>
+          <ac:cxnSpMkLst>
+            <pc:docMk/>
+            <pc:sldMk cId="0" sldId="259"/>
+            <ac:cxnSpMk id="5" creationId="{E93AC290-10D5-DD5B-FDB9-34E2FCCD7D9E}"/>
+          </ac:cxnSpMkLst>
+        </pc:cxnChg>
+        <pc:cxnChg chg="add mod">
+          <ac:chgData name="Srinivasa Rao" userId="a6b54366-f13d-4292-8bb4-f06c50909b1e" providerId="ADAL" clId="{385DF428-08F5-EA40-8E12-3B8141233526}" dt="2024-01-22T20:03:11.096" v="88" actId="1037"/>
+          <ac:cxnSpMkLst>
+            <pc:docMk/>
+            <pc:sldMk cId="0" sldId="259"/>
+            <ac:cxnSpMk id="7" creationId="{3B41C19F-11DE-2D4C-831B-0848F8C63999}"/>
+          </ac:cxnSpMkLst>
+        </pc:cxnChg>
+        <pc:cxnChg chg="add mod">
+          <ac:chgData name="Srinivasa Rao" userId="a6b54366-f13d-4292-8bb4-f06c50909b1e" providerId="ADAL" clId="{385DF428-08F5-EA40-8E12-3B8141233526}" dt="2024-01-22T20:03:11.096" v="88" actId="1037"/>
+          <ac:cxnSpMkLst>
+            <pc:docMk/>
+            <pc:sldMk cId="0" sldId="259"/>
+            <ac:cxnSpMk id="10" creationId="{C28287E6-DF3C-8ABB-EC22-97879B7DE677}"/>
+          </ac:cxnSpMkLst>
+        </pc:cxnChg>
+        <pc:cxnChg chg="add mod">
+          <ac:chgData name="Srinivasa Rao" userId="a6b54366-f13d-4292-8bb4-f06c50909b1e" providerId="ADAL" clId="{385DF428-08F5-EA40-8E12-3B8141233526}" dt="2024-01-22T20:03:11.096" v="88" actId="1037"/>
+          <ac:cxnSpMkLst>
+            <pc:docMk/>
+            <pc:sldMk cId="0" sldId="259"/>
+            <ac:cxnSpMk id="13" creationId="{55F776A6-B600-5EA0-8499-850C0E374D69}"/>
+          </ac:cxnSpMkLst>
+        </pc:cxnChg>
+        <pc:cxnChg chg="add mod">
+          <ac:chgData name="Srinivasa Rao" userId="a6b54366-f13d-4292-8bb4-f06c50909b1e" providerId="ADAL" clId="{385DF428-08F5-EA40-8E12-3B8141233526}" dt="2024-01-22T20:03:11.096" v="88" actId="1037"/>
+          <ac:cxnSpMkLst>
+            <pc:docMk/>
+            <pc:sldMk cId="0" sldId="259"/>
+            <ac:cxnSpMk id="19" creationId="{0206CDD4-CB51-F4F6-B6BB-6912D9347270}"/>
+          </ac:cxnSpMkLst>
+        </pc:cxnChg>
+      </pc:sldChg>
+      <pc:sldChg chg="addSp delSp modSp mod delAnim modAnim">
+        <pc:chgData name="Srinivasa Rao" userId="a6b54366-f13d-4292-8bb4-f06c50909b1e" providerId="ADAL" clId="{385DF428-08F5-EA40-8E12-3B8141233526}" dt="2024-01-22T20:28:23.497" v="462" actId="20577"/>
+        <pc:sldMkLst>
+          <pc:docMk/>
+          <pc:sldMk cId="0" sldId="260"/>
+        </pc:sldMkLst>
+        <pc:spChg chg="add mod topLvl">
+          <ac:chgData name="Srinivasa Rao" userId="a6b54366-f13d-4292-8bb4-f06c50909b1e" providerId="ADAL" clId="{385DF428-08F5-EA40-8E12-3B8141233526}" dt="2024-01-22T20:10:10.232" v="164" actId="1038"/>
+          <ac:spMkLst>
+            <pc:docMk/>
+            <pc:sldMk cId="0" sldId="260"/>
+            <ac:spMk id="2" creationId="{F7638E05-D6C2-ED93-6ED8-39D99866195F}"/>
+          </ac:spMkLst>
+        </pc:spChg>
+        <pc:spChg chg="add mod topLvl">
+          <ac:chgData name="Srinivasa Rao" userId="a6b54366-f13d-4292-8bb4-f06c50909b1e" providerId="ADAL" clId="{385DF428-08F5-EA40-8E12-3B8141233526}" dt="2024-01-22T20:28:20.789" v="460" actId="20577"/>
+          <ac:spMkLst>
+            <pc:docMk/>
+            <pc:sldMk cId="0" sldId="260"/>
+            <ac:spMk id="3" creationId="{2E49A6AB-3B8C-7884-D42F-D99D6565ECFB}"/>
+          </ac:spMkLst>
+        </pc:spChg>
+        <pc:spChg chg="add mod topLvl">
+          <ac:chgData name="Srinivasa Rao" userId="a6b54366-f13d-4292-8bb4-f06c50909b1e" providerId="ADAL" clId="{385DF428-08F5-EA40-8E12-3B8141233526}" dt="2024-01-22T20:10:10.232" v="164" actId="1038"/>
+          <ac:spMkLst>
+            <pc:docMk/>
+            <pc:sldMk cId="0" sldId="260"/>
+            <ac:spMk id="6" creationId="{791F515A-91E7-93F7-B72E-010D909B377C}"/>
+          </ac:spMkLst>
+        </pc:spChg>
+        <pc:spChg chg="add mod topLvl">
+          <ac:chgData name="Srinivasa Rao" userId="a6b54366-f13d-4292-8bb4-f06c50909b1e" providerId="ADAL" clId="{385DF428-08F5-EA40-8E12-3B8141233526}" dt="2024-01-22T20:10:10.232" v="164" actId="1038"/>
+          <ac:spMkLst>
+            <pc:docMk/>
+            <pc:sldMk cId="0" sldId="260"/>
+            <ac:spMk id="10" creationId="{43926CDF-0776-B87F-3816-1701A6108A9D}"/>
+          </ac:spMkLst>
+        </pc:spChg>
+        <pc:spChg chg="add mod topLvl">
+          <ac:chgData name="Srinivasa Rao" userId="a6b54366-f13d-4292-8bb4-f06c50909b1e" providerId="ADAL" clId="{385DF428-08F5-EA40-8E12-3B8141233526}" dt="2024-01-22T20:28:23.497" v="462" actId="20577"/>
+          <ac:spMkLst>
+            <pc:docMk/>
+            <pc:sldMk cId="0" sldId="260"/>
+            <ac:spMk id="11" creationId="{B2FB4E21-BE4D-9F5B-7699-88EE36BBFAFE}"/>
+          </ac:spMkLst>
+        </pc:spChg>
+        <pc:spChg chg="mod topLvl">
+          <ac:chgData name="Srinivasa Rao" userId="a6b54366-f13d-4292-8bb4-f06c50909b1e" providerId="ADAL" clId="{385DF428-08F5-EA40-8E12-3B8141233526}" dt="2024-01-22T20:10:10.232" v="164" actId="1038"/>
+          <ac:spMkLst>
+            <pc:docMk/>
+            <pc:sldMk cId="0" sldId="260"/>
+            <ac:spMk id="242" creationId="{00000000-0000-0000-0000-000000000000}"/>
+          </ac:spMkLst>
+        </pc:spChg>
+        <pc:spChg chg="mod topLvl">
+          <ac:chgData name="Srinivasa Rao" userId="a6b54366-f13d-4292-8bb4-f06c50909b1e" providerId="ADAL" clId="{385DF428-08F5-EA40-8E12-3B8141233526}" dt="2024-01-22T20:10:10.232" v="164" actId="1038"/>
+          <ac:spMkLst>
+            <pc:docMk/>
+            <pc:sldMk cId="0" sldId="260"/>
+            <ac:spMk id="243" creationId="{00000000-0000-0000-0000-000000000000}"/>
+          </ac:spMkLst>
+        </pc:spChg>
+        <pc:grpChg chg="add del mod">
+          <ac:chgData name="Srinivasa Rao" userId="a6b54366-f13d-4292-8bb4-f06c50909b1e" providerId="ADAL" clId="{385DF428-08F5-EA40-8E12-3B8141233526}" dt="2024-01-22T20:09:26.483" v="152" actId="165"/>
+          <ac:grpSpMkLst>
+            <pc:docMk/>
+            <pc:sldMk cId="0" sldId="260"/>
+            <ac:grpSpMk id="16" creationId="{7CAF9601-123B-A2F7-9D2F-38C0FB4A5C10}"/>
+          </ac:grpSpMkLst>
+        </pc:grpChg>
+        <pc:picChg chg="del mod">
+          <ac:chgData name="Srinivasa Rao" userId="a6b54366-f13d-4292-8bb4-f06c50909b1e" providerId="ADAL" clId="{385DF428-08F5-EA40-8E12-3B8141233526}" dt="2024-01-22T20:10:02.713" v="155" actId="478"/>
+          <ac:picMkLst>
+            <pc:docMk/>
+            <pc:sldMk cId="0" sldId="260"/>
+            <ac:picMk id="241" creationId="{00000000-0000-0000-0000-000000000000}"/>
+          </ac:picMkLst>
+        </pc:picChg>
+        <pc:cxnChg chg="add mod topLvl">
+          <ac:chgData name="Srinivasa Rao" userId="a6b54366-f13d-4292-8bb4-f06c50909b1e" providerId="ADAL" clId="{385DF428-08F5-EA40-8E12-3B8141233526}" dt="2024-01-22T20:10:10.232" v="164" actId="1038"/>
+          <ac:cxnSpMkLst>
+            <pc:docMk/>
+            <pc:sldMk cId="0" sldId="260"/>
+            <ac:cxnSpMk id="4" creationId="{4E5C2CFE-134D-B33B-ED88-77DAB66A1E50}"/>
+          </ac:cxnSpMkLst>
+        </pc:cxnChg>
+        <pc:cxnChg chg="add mod topLvl">
+          <ac:chgData name="Srinivasa Rao" userId="a6b54366-f13d-4292-8bb4-f06c50909b1e" providerId="ADAL" clId="{385DF428-08F5-EA40-8E12-3B8141233526}" dt="2024-01-22T20:10:10.232" v="164" actId="1038"/>
+          <ac:cxnSpMkLst>
+            <pc:docMk/>
+            <pc:sldMk cId="0" sldId="260"/>
+            <ac:cxnSpMk id="5" creationId="{2DD3B217-B132-12C0-B5C1-CB918C748CD3}"/>
+          </ac:cxnSpMkLst>
+        </pc:cxnChg>
+        <pc:cxnChg chg="add del mod">
+          <ac:chgData name="Srinivasa Rao" userId="a6b54366-f13d-4292-8bb4-f06c50909b1e" providerId="ADAL" clId="{385DF428-08F5-EA40-8E12-3B8141233526}" dt="2024-01-22T20:06:37.047" v="107" actId="478"/>
+          <ac:cxnSpMkLst>
+            <pc:docMk/>
+            <pc:sldMk cId="0" sldId="260"/>
+            <ac:cxnSpMk id="7" creationId="{B6E1AA71-1033-34A9-5218-27115A6607FF}"/>
+          </ac:cxnSpMkLst>
+        </pc:cxnChg>
+        <pc:cxnChg chg="add mod topLvl">
+          <ac:chgData name="Srinivasa Rao" userId="a6b54366-f13d-4292-8bb4-f06c50909b1e" providerId="ADAL" clId="{385DF428-08F5-EA40-8E12-3B8141233526}" dt="2024-01-22T20:10:10.232" v="164" actId="1038"/>
+          <ac:cxnSpMkLst>
+            <pc:docMk/>
+            <pc:sldMk cId="0" sldId="260"/>
+            <ac:cxnSpMk id="8" creationId="{E3D05710-AA27-EDBE-D6B8-71F7F220BBDD}"/>
+          </ac:cxnSpMkLst>
+        </pc:cxnChg>
+        <pc:cxnChg chg="add mod topLvl">
+          <ac:chgData name="Srinivasa Rao" userId="a6b54366-f13d-4292-8bb4-f06c50909b1e" providerId="ADAL" clId="{385DF428-08F5-EA40-8E12-3B8141233526}" dt="2024-01-22T20:10:10.232" v="164" actId="1038"/>
+          <ac:cxnSpMkLst>
+            <pc:docMk/>
+            <pc:sldMk cId="0" sldId="260"/>
+            <ac:cxnSpMk id="9" creationId="{C2957F95-E39D-5B8A-9F18-3D3D24CD72AD}"/>
+          </ac:cxnSpMkLst>
+        </pc:cxnChg>
+        <pc:cxnChg chg="add mod topLvl">
+          <ac:chgData name="Srinivasa Rao" userId="a6b54366-f13d-4292-8bb4-f06c50909b1e" providerId="ADAL" clId="{385DF428-08F5-EA40-8E12-3B8141233526}" dt="2024-01-22T20:10:10.232" v="164" actId="1038"/>
+          <ac:cxnSpMkLst>
+            <pc:docMk/>
+            <pc:sldMk cId="0" sldId="260"/>
+            <ac:cxnSpMk id="12" creationId="{46BEE80B-A1E3-3078-7B51-6B8B638ED510}"/>
+          </ac:cxnSpMkLst>
+        </pc:cxnChg>
+        <pc:cxnChg chg="add mod topLvl">
+          <ac:chgData name="Srinivasa Rao" userId="a6b54366-f13d-4292-8bb4-f06c50909b1e" providerId="ADAL" clId="{385DF428-08F5-EA40-8E12-3B8141233526}" dt="2024-01-22T20:10:10.232" v="164" actId="1038"/>
+          <ac:cxnSpMkLst>
+            <pc:docMk/>
+            <pc:sldMk cId="0" sldId="260"/>
+            <ac:cxnSpMk id="13" creationId="{E5D58D1D-90A0-9FBF-9560-CCDB9F88133A}"/>
+          </ac:cxnSpMkLst>
+        </pc:cxnChg>
+      </pc:sldChg>
+      <pc:sldChg chg="addSp delSp modSp mod modAnim">
+        <pc:chgData name="Srinivasa Rao" userId="a6b54366-f13d-4292-8bb4-f06c50909b1e" providerId="ADAL" clId="{385DF428-08F5-EA40-8E12-3B8141233526}" dt="2024-01-22T20:30:41.648" v="473" actId="478"/>
+        <pc:sldMkLst>
+          <pc:docMk/>
+          <pc:sldMk cId="0" sldId="261"/>
+        </pc:sldMkLst>
+        <pc:spChg chg="add mod">
+          <ac:chgData name="Srinivasa Rao" userId="a6b54366-f13d-4292-8bb4-f06c50909b1e" providerId="ADAL" clId="{385DF428-08F5-EA40-8E12-3B8141233526}" dt="2024-01-22T20:26:26.609" v="390" actId="403"/>
+          <ac:spMkLst>
+            <pc:docMk/>
+            <pc:sldMk cId="0" sldId="261"/>
+            <ac:spMk id="2" creationId="{111405FD-9846-3D4D-A348-4BF0DC04BFD1}"/>
+          </ac:spMkLst>
+        </pc:spChg>
+        <pc:spChg chg="add mod">
+          <ac:chgData name="Srinivasa Rao" userId="a6b54366-f13d-4292-8bb4-f06c50909b1e" providerId="ADAL" clId="{385DF428-08F5-EA40-8E12-3B8141233526}" dt="2024-01-22T20:26:15.095" v="389" actId="404"/>
+          <ac:spMkLst>
+            <pc:docMk/>
+            <pc:sldMk cId="0" sldId="261"/>
+            <ac:spMk id="3" creationId="{7280B5BE-3263-FB6D-24D2-DCB538E2D876}"/>
+          </ac:spMkLst>
+        </pc:spChg>
+        <pc:spChg chg="add mod">
+          <ac:chgData name="Srinivasa Rao" userId="a6b54366-f13d-4292-8bb4-f06c50909b1e" providerId="ADAL" clId="{385DF428-08F5-EA40-8E12-3B8141233526}" dt="2024-01-22T20:26:51.809" v="406" actId="404"/>
+          <ac:spMkLst>
+            <pc:docMk/>
+            <pc:sldMk cId="0" sldId="261"/>
+            <ac:spMk id="4" creationId="{E6C066FD-5FF0-4F85-6D37-0F7D526A2FA2}"/>
+          </ac:spMkLst>
+        </pc:spChg>
+        <pc:spChg chg="add mod">
+          <ac:chgData name="Srinivasa Rao" userId="a6b54366-f13d-4292-8bb4-f06c50909b1e" providerId="ADAL" clId="{385DF428-08F5-EA40-8E12-3B8141233526}" dt="2024-01-22T20:22:33.659" v="344"/>
+          <ac:spMkLst>
+            <pc:docMk/>
+            <pc:sldMk cId="0" sldId="261"/>
+            <ac:spMk id="5" creationId="{879BE87F-41FB-C197-3290-3C04F94141A4}"/>
+          </ac:spMkLst>
+        </pc:spChg>
+        <pc:spChg chg="add mod">
+          <ac:chgData name="Srinivasa Rao" userId="a6b54366-f13d-4292-8bb4-f06c50909b1e" providerId="ADAL" clId="{385DF428-08F5-EA40-8E12-3B8141233526}" dt="2024-01-22T20:27:03.509" v="422" actId="404"/>
+          <ac:spMkLst>
+            <pc:docMk/>
+            <pc:sldMk cId="0" sldId="261"/>
+            <ac:spMk id="6" creationId="{967A144A-61CD-8AFF-8BD1-467357D1B224}"/>
+          </ac:spMkLst>
+        </pc:spChg>
+        <pc:spChg chg="add mod">
+          <ac:chgData name="Srinivasa Rao" userId="a6b54366-f13d-4292-8bb4-f06c50909b1e" providerId="ADAL" clId="{385DF428-08F5-EA40-8E12-3B8141233526}" dt="2024-01-22T20:27:16.042" v="438" actId="404"/>
+          <ac:spMkLst>
+            <pc:docMk/>
+            <pc:sldMk cId="0" sldId="261"/>
+            <ac:spMk id="7" creationId="{2BFC06A4-BE16-905C-441D-98F1EFC3A0CA}"/>
+          </ac:spMkLst>
+        </pc:spChg>
+        <pc:spChg chg="add mod">
+          <ac:chgData name="Srinivasa Rao" userId="a6b54366-f13d-4292-8bb4-f06c50909b1e" providerId="ADAL" clId="{385DF428-08F5-EA40-8E12-3B8141233526}" dt="2024-01-22T20:28:53.965" v="466" actId="1036"/>
+          <ac:spMkLst>
+            <pc:docMk/>
+            <pc:sldMk cId="0" sldId="261"/>
+            <ac:spMk id="27" creationId="{FF259007-E514-0D10-4C9A-FEC0D779FD30}"/>
+          </ac:spMkLst>
+        </pc:spChg>
+        <pc:spChg chg="add mod">
+          <ac:chgData name="Srinivasa Rao" userId="a6b54366-f13d-4292-8bb4-f06c50909b1e" providerId="ADAL" clId="{385DF428-08F5-EA40-8E12-3B8141233526}" dt="2024-01-22T20:27:43.527" v="448" actId="1076"/>
+          <ac:spMkLst>
+            <pc:docMk/>
+            <pc:sldMk cId="0" sldId="261"/>
+            <ac:spMk id="28" creationId="{FAC9BB56-0D42-3E69-81BE-24D69D8BA43A}"/>
+          </ac:spMkLst>
+        </pc:spChg>
+        <pc:spChg chg="add mod">
+          <ac:chgData name="Srinivasa Rao" userId="a6b54366-f13d-4292-8bb4-f06c50909b1e" providerId="ADAL" clId="{385DF428-08F5-EA40-8E12-3B8141233526}" dt="2024-01-22T20:28:06.124" v="456" actId="20577"/>
+          <ac:spMkLst>
+            <pc:docMk/>
+            <pc:sldMk cId="0" sldId="261"/>
+            <ac:spMk id="29" creationId="{819B59E6-C0E4-9965-D81A-005309928E7A}"/>
+          </ac:spMkLst>
+        </pc:spChg>
+        <pc:spChg chg="add mod">
+          <ac:chgData name="Srinivasa Rao" userId="a6b54366-f13d-4292-8bb4-f06c50909b1e" providerId="ADAL" clId="{385DF428-08F5-EA40-8E12-3B8141233526}" dt="2024-01-22T20:28:13.591" v="458" actId="1076"/>
+          <ac:spMkLst>
+            <pc:docMk/>
+            <pc:sldMk cId="0" sldId="261"/>
+            <ac:spMk id="30" creationId="{11767F5E-9A95-33C3-5653-45C4A859C7E5}"/>
+          </ac:spMkLst>
+        </pc:spChg>
+        <pc:picChg chg="del mod">
+          <ac:chgData name="Srinivasa Rao" userId="a6b54366-f13d-4292-8bb4-f06c50909b1e" providerId="ADAL" clId="{385DF428-08F5-EA40-8E12-3B8141233526}" dt="2024-01-22T20:30:41.648" v="473" actId="478"/>
+          <ac:picMkLst>
+            <pc:docMk/>
+            <pc:sldMk cId="0" sldId="261"/>
+            <ac:picMk id="245" creationId="{00000000-0000-0000-0000-000000000000}"/>
+          </ac:picMkLst>
+        </pc:picChg>
+        <pc:cxnChg chg="add mod">
+          <ac:chgData name="Srinivasa Rao" userId="a6b54366-f13d-4292-8bb4-f06c50909b1e" providerId="ADAL" clId="{385DF428-08F5-EA40-8E12-3B8141233526}" dt="2024-01-22T20:24:04.227" v="357" actId="13822"/>
+          <ac:cxnSpMkLst>
+            <pc:docMk/>
+            <pc:sldMk cId="0" sldId="261"/>
+            <ac:cxnSpMk id="9" creationId="{AF50A5CE-1508-3D2B-187D-A9B7CAD73810}"/>
+          </ac:cxnSpMkLst>
+        </pc:cxnChg>
+        <pc:cxnChg chg="add mod">
+          <ac:chgData name="Srinivasa Rao" userId="a6b54366-f13d-4292-8bb4-f06c50909b1e" providerId="ADAL" clId="{385DF428-08F5-EA40-8E12-3B8141233526}" dt="2024-01-22T20:24:16.076" v="359" actId="13822"/>
+          <ac:cxnSpMkLst>
+            <pc:docMk/>
+            <pc:sldMk cId="0" sldId="261"/>
+            <ac:cxnSpMk id="12" creationId="{3308AB87-63D1-E2D6-4884-D545A6AB172D}"/>
+          </ac:cxnSpMkLst>
+        </pc:cxnChg>
+        <pc:cxnChg chg="add mod">
+          <ac:chgData name="Srinivasa Rao" userId="a6b54366-f13d-4292-8bb4-f06c50909b1e" providerId="ADAL" clId="{385DF428-08F5-EA40-8E12-3B8141233526}" dt="2024-01-22T20:27:50.874" v="449" actId="13822"/>
+          <ac:cxnSpMkLst>
+            <pc:docMk/>
+            <pc:sldMk cId="0" sldId="261"/>
+            <ac:cxnSpMk id="14" creationId="{859E68A9-E405-8AA7-270B-4293EA907089}"/>
+          </ac:cxnSpMkLst>
+        </pc:cxnChg>
+        <pc:cxnChg chg="add mod">
+          <ac:chgData name="Srinivasa Rao" userId="a6b54366-f13d-4292-8bb4-f06c50909b1e" providerId="ADAL" clId="{385DF428-08F5-EA40-8E12-3B8141233526}" dt="2024-01-22T20:24:40.676" v="362" actId="13822"/>
+          <ac:cxnSpMkLst>
+            <pc:docMk/>
+            <pc:sldMk cId="0" sldId="261"/>
+            <ac:cxnSpMk id="16" creationId="{7A25F485-ED86-9640-734D-F5966928BD36}"/>
+          </ac:cxnSpMkLst>
+        </pc:cxnChg>
+        <pc:cxnChg chg="add mod">
+          <ac:chgData name="Srinivasa Rao" userId="a6b54366-f13d-4292-8bb4-f06c50909b1e" providerId="ADAL" clId="{385DF428-08F5-EA40-8E12-3B8141233526}" dt="2024-01-22T20:24:50.526" v="364" actId="13822"/>
+          <ac:cxnSpMkLst>
+            <pc:docMk/>
+            <pc:sldMk cId="0" sldId="261"/>
+            <ac:cxnSpMk id="18" creationId="{E35C09D1-32DD-1E0D-BAEE-C91892C2DE2F}"/>
+          </ac:cxnSpMkLst>
+        </pc:cxnChg>
+        <pc:cxnChg chg="add mod">
+          <ac:chgData name="Srinivasa Rao" userId="a6b54366-f13d-4292-8bb4-f06c50909b1e" providerId="ADAL" clId="{385DF428-08F5-EA40-8E12-3B8141233526}" dt="2024-01-22T20:24:59.459" v="366" actId="13822"/>
+          <ac:cxnSpMkLst>
+            <pc:docMk/>
+            <pc:sldMk cId="0" sldId="261"/>
+            <ac:cxnSpMk id="20" creationId="{EAEF57AA-DD4F-540E-F046-0DE171EFB6ED}"/>
+          </ac:cxnSpMkLst>
+        </pc:cxnChg>
+        <pc:cxnChg chg="add mod">
+          <ac:chgData name="Srinivasa Rao" userId="a6b54366-f13d-4292-8bb4-f06c50909b1e" providerId="ADAL" clId="{385DF428-08F5-EA40-8E12-3B8141233526}" dt="2024-01-22T20:25:08.509" v="368" actId="13822"/>
+          <ac:cxnSpMkLst>
+            <pc:docMk/>
+            <pc:sldMk cId="0" sldId="261"/>
+            <ac:cxnSpMk id="22" creationId="{D219B9E1-98F4-B627-1037-002A4B892556}"/>
+          </ac:cxnSpMkLst>
+        </pc:cxnChg>
+        <pc:cxnChg chg="add mod">
+          <ac:chgData name="Srinivasa Rao" userId="a6b54366-f13d-4292-8bb4-f06c50909b1e" providerId="ADAL" clId="{385DF428-08F5-EA40-8E12-3B8141233526}" dt="2024-01-22T20:25:22.743" v="370" actId="13822"/>
+          <ac:cxnSpMkLst>
+            <pc:docMk/>
+            <pc:sldMk cId="0" sldId="261"/>
+            <ac:cxnSpMk id="24" creationId="{D4D26C92-35E2-2B33-7EDA-33FAAF2F65CB}"/>
+          </ac:cxnSpMkLst>
+        </pc:cxnChg>
+        <pc:cxnChg chg="add mod">
+          <ac:chgData name="Srinivasa Rao" userId="a6b54366-f13d-4292-8bb4-f06c50909b1e" providerId="ADAL" clId="{385DF428-08F5-EA40-8E12-3B8141233526}" dt="2024-01-22T20:25:37.692" v="372" actId="13822"/>
+          <ac:cxnSpMkLst>
+            <pc:docMk/>
+            <pc:sldMk cId="0" sldId="261"/>
+            <ac:cxnSpMk id="26" creationId="{507CD874-F511-9D29-CADD-61A0BD520EE0}"/>
+          </ac:cxnSpMkLst>
+        </pc:cxnChg>
+      </pc:sldChg>
+      <pc:sldChg chg="addSp delSp modSp mod modAnim">
+        <pc:chgData name="Srinivasa Rao" userId="a6b54366-f13d-4292-8bb4-f06c50909b1e" providerId="ADAL" clId="{385DF428-08F5-EA40-8E12-3B8141233526}" dt="2024-01-22T20:15:31.228" v="288" actId="478"/>
+        <pc:sldMkLst>
+          <pc:docMk/>
+          <pc:sldMk cId="0" sldId="262"/>
+        </pc:sldMkLst>
+        <pc:spChg chg="add mod">
+          <ac:chgData name="Srinivasa Rao" userId="a6b54366-f13d-4292-8bb4-f06c50909b1e" providerId="ADAL" clId="{385DF428-08F5-EA40-8E12-3B8141233526}" dt="2024-01-22T20:12:02.801" v="193" actId="1076"/>
+          <ac:spMkLst>
+            <pc:docMk/>
+            <pc:sldMk cId="0" sldId="262"/>
+            <ac:spMk id="2" creationId="{8DCC86B0-9368-9F36-17CA-355B376F202D}"/>
+          </ac:spMkLst>
+        </pc:spChg>
+        <pc:spChg chg="add mod">
+          <ac:chgData name="Srinivasa Rao" userId="a6b54366-f13d-4292-8bb4-f06c50909b1e" providerId="ADAL" clId="{385DF428-08F5-EA40-8E12-3B8141233526}" dt="2024-01-22T20:12:49.350" v="226" actId="404"/>
+          <ac:spMkLst>
+            <pc:docMk/>
+            <pc:sldMk cId="0" sldId="262"/>
+            <ac:spMk id="7" creationId="{007A683A-4A18-2710-86D7-5627B2A1154D}"/>
+          </ac:spMkLst>
+        </pc:spChg>
+        <pc:spChg chg="add mod">
+          <ac:chgData name="Srinivasa Rao" userId="a6b54366-f13d-4292-8bb4-f06c50909b1e" providerId="ADAL" clId="{385DF428-08F5-EA40-8E12-3B8141233526}" dt="2024-01-22T20:13:03.754" v="232" actId="1076"/>
+          <ac:spMkLst>
+            <pc:docMk/>
+            <pc:sldMk cId="0" sldId="262"/>
+            <ac:spMk id="8" creationId="{47DDC5AD-9D47-82B0-3E0F-031657796C39}"/>
+          </ac:spMkLst>
+        </pc:spChg>
+        <pc:spChg chg="add mod">
+          <ac:chgData name="Srinivasa Rao" userId="a6b54366-f13d-4292-8bb4-f06c50909b1e" providerId="ADAL" clId="{385DF428-08F5-EA40-8E12-3B8141233526}" dt="2024-01-22T20:13:26.071" v="258" actId="1036"/>
+          <ac:spMkLst>
+            <pc:docMk/>
+            <pc:sldMk cId="0" sldId="262"/>
+            <ac:spMk id="9" creationId="{FD8C3C49-8D95-0469-3025-7574C3ED0EBD}"/>
+          </ac:spMkLst>
+        </pc:spChg>
+        <pc:spChg chg="add mod">
+          <ac:chgData name="Srinivasa Rao" userId="a6b54366-f13d-4292-8bb4-f06c50909b1e" providerId="ADAL" clId="{385DF428-08F5-EA40-8E12-3B8141233526}" dt="2024-01-22T20:13:51.932" v="274" actId="1076"/>
+          <ac:spMkLst>
+            <pc:docMk/>
+            <pc:sldMk cId="0" sldId="262"/>
+            <ac:spMk id="10" creationId="{087317FC-4DEB-BE4F-225C-4BED5EAA4F06}"/>
+          </ac:spMkLst>
+        </pc:spChg>
+        <pc:spChg chg="add mod">
+          <ac:chgData name="Srinivasa Rao" userId="a6b54366-f13d-4292-8bb4-f06c50909b1e" providerId="ADAL" clId="{385DF428-08F5-EA40-8E12-3B8141233526}" dt="2024-01-22T20:14:53.265" v="284" actId="20577"/>
+          <ac:spMkLst>
+            <pc:docMk/>
+            <pc:sldMk cId="0" sldId="262"/>
+            <ac:spMk id="17" creationId="{377D58C0-193C-529E-FCFC-BC9807FAFCEF}"/>
+          </ac:spMkLst>
+        </pc:spChg>
+        <pc:picChg chg="del mod">
+          <ac:chgData name="Srinivasa Rao" userId="a6b54366-f13d-4292-8bb4-f06c50909b1e" providerId="ADAL" clId="{385DF428-08F5-EA40-8E12-3B8141233526}" dt="2024-01-22T20:15:31.228" v="288" actId="478"/>
+          <ac:picMkLst>
+            <pc:docMk/>
+            <pc:sldMk cId="0" sldId="262"/>
+            <ac:picMk id="250" creationId="{00000000-0000-0000-0000-000000000000}"/>
+          </ac:picMkLst>
+        </pc:picChg>
+        <pc:cxnChg chg="add del">
+          <ac:chgData name="Srinivasa Rao" userId="a6b54366-f13d-4292-8bb4-f06c50909b1e" providerId="ADAL" clId="{385DF428-08F5-EA40-8E12-3B8141233526}" dt="2024-01-22T20:12:13.558" v="195" actId="478"/>
+          <ac:cxnSpMkLst>
+            <pc:docMk/>
+            <pc:sldMk cId="0" sldId="262"/>
+            <ac:cxnSpMk id="4" creationId="{3F876F45-0E9E-8FFB-16DE-1282DFFCEB9E}"/>
+          </ac:cxnSpMkLst>
+        </pc:cxnChg>
+        <pc:cxnChg chg="add mod">
+          <ac:chgData name="Srinivasa Rao" userId="a6b54366-f13d-4292-8bb4-f06c50909b1e" providerId="ADAL" clId="{385DF428-08F5-EA40-8E12-3B8141233526}" dt="2024-01-22T20:12:30.834" v="198" actId="1076"/>
+          <ac:cxnSpMkLst>
+            <pc:docMk/>
+            <pc:sldMk cId="0" sldId="262"/>
+            <ac:cxnSpMk id="6" creationId="{A2ED956C-A0C7-576F-9E88-BA299E094450}"/>
+          </ac:cxnSpMkLst>
+        </pc:cxnChg>
+        <pc:cxnChg chg="add mod">
+          <ac:chgData name="Srinivasa Rao" userId="a6b54366-f13d-4292-8bb4-f06c50909b1e" providerId="ADAL" clId="{385DF428-08F5-EA40-8E12-3B8141233526}" dt="2024-01-22T20:14:17.582" v="278" actId="13822"/>
+          <ac:cxnSpMkLst>
+            <pc:docMk/>
+            <pc:sldMk cId="0" sldId="262"/>
+            <ac:cxnSpMk id="12" creationId="{79BB3D83-F809-9314-6F5F-8D44A95B8370}"/>
+          </ac:cxnSpMkLst>
+        </pc:cxnChg>
+        <pc:cxnChg chg="add mod">
+          <ac:chgData name="Srinivasa Rao" userId="a6b54366-f13d-4292-8bb4-f06c50909b1e" providerId="ADAL" clId="{385DF428-08F5-EA40-8E12-3B8141233526}" dt="2024-01-22T20:14:14.398" v="277" actId="13822"/>
+          <ac:cxnSpMkLst>
+            <pc:docMk/>
+            <pc:sldMk cId="0" sldId="262"/>
+            <ac:cxnSpMk id="14" creationId="{FA3BCE77-79B4-2F92-43DC-0F8D6E2D3900}"/>
+          </ac:cxnSpMkLst>
+        </pc:cxnChg>
+        <pc:cxnChg chg="add mod">
+          <ac:chgData name="Srinivasa Rao" userId="a6b54366-f13d-4292-8bb4-f06c50909b1e" providerId="ADAL" clId="{385DF428-08F5-EA40-8E12-3B8141233526}" dt="2024-01-22T20:14:40.164" v="280" actId="13822"/>
+          <ac:cxnSpMkLst>
+            <pc:docMk/>
+            <pc:sldMk cId="0" sldId="262"/>
+            <ac:cxnSpMk id="16" creationId="{E71E4CD4-3479-5BCD-F603-8E72A14A9EF4}"/>
+          </ac:cxnSpMkLst>
+        </pc:cxnChg>
+      </pc:sldChg>
+      <pc:sldChg chg="addSp delSp modSp mod modAnim">
+        <pc:chgData name="Srinivasa Rao" userId="a6b54366-f13d-4292-8bb4-f06c50909b1e" providerId="ADAL" clId="{385DF428-08F5-EA40-8E12-3B8141233526}" dt="2024-01-22T20:16:51.776" v="337" actId="478"/>
+        <pc:sldMkLst>
+          <pc:docMk/>
+          <pc:sldMk cId="0" sldId="263"/>
+        </pc:sldMkLst>
+        <pc:spChg chg="add mod">
+          <ac:chgData name="Srinivasa Rao" userId="a6b54366-f13d-4292-8bb4-f06c50909b1e" providerId="ADAL" clId="{385DF428-08F5-EA40-8E12-3B8141233526}" dt="2024-01-22T20:16:11.624" v="304" actId="20577"/>
+          <ac:spMkLst>
+            <pc:docMk/>
+            <pc:sldMk cId="0" sldId="263"/>
+            <ac:spMk id="2" creationId="{97D8FA68-4C72-1928-A32C-9FFE88E5FC8B}"/>
+          </ac:spMkLst>
+        </pc:spChg>
+        <pc:spChg chg="add mod">
+          <ac:chgData name="Srinivasa Rao" userId="a6b54366-f13d-4292-8bb4-f06c50909b1e" providerId="ADAL" clId="{385DF428-08F5-EA40-8E12-3B8141233526}" dt="2024-01-22T20:16:34.277" v="336" actId="20577"/>
+          <ac:spMkLst>
+            <pc:docMk/>
+            <pc:sldMk cId="0" sldId="263"/>
+            <ac:spMk id="4" creationId="{8B1B026D-896D-DCA8-3AE5-E60A6DE9BF7E}"/>
+          </ac:spMkLst>
+        </pc:spChg>
+        <pc:spChg chg="add mod">
+          <ac:chgData name="Srinivasa Rao" userId="a6b54366-f13d-4292-8bb4-f06c50909b1e" providerId="ADAL" clId="{385DF428-08F5-EA40-8E12-3B8141233526}" dt="2024-01-22T20:16:22.152" v="318" actId="20577"/>
+          <ac:spMkLst>
+            <pc:docMk/>
+            <pc:sldMk cId="0" sldId="263"/>
+            <ac:spMk id="5" creationId="{B9D6D43C-5BCB-E09D-D715-F374B77A1800}"/>
+          </ac:spMkLst>
+        </pc:spChg>
+        <pc:spChg chg="add mod">
+          <ac:chgData name="Srinivasa Rao" userId="a6b54366-f13d-4292-8bb4-f06c50909b1e" providerId="ADAL" clId="{385DF428-08F5-EA40-8E12-3B8141233526}" dt="2024-01-22T20:15:59.791" v="290"/>
+          <ac:spMkLst>
+            <pc:docMk/>
+            <pc:sldMk cId="0" sldId="263"/>
+            <ac:spMk id="6" creationId="{736540DC-39C1-7725-8CD2-FA95E9F96DAD}"/>
+          </ac:spMkLst>
+        </pc:spChg>
+        <pc:spChg chg="add mod">
+          <ac:chgData name="Srinivasa Rao" userId="a6b54366-f13d-4292-8bb4-f06c50909b1e" providerId="ADAL" clId="{385DF428-08F5-EA40-8E12-3B8141233526}" dt="2024-01-22T20:15:59.791" v="290"/>
+          <ac:spMkLst>
+            <pc:docMk/>
+            <pc:sldMk cId="0" sldId="263"/>
+            <ac:spMk id="7" creationId="{A87F99AE-D893-4BE0-A874-F955972C4024}"/>
+          </ac:spMkLst>
+        </pc:spChg>
+        <pc:spChg chg="add mod">
+          <ac:chgData name="Srinivasa Rao" userId="a6b54366-f13d-4292-8bb4-f06c50909b1e" providerId="ADAL" clId="{385DF428-08F5-EA40-8E12-3B8141233526}" dt="2024-01-22T20:16:19.340" v="313" actId="20577"/>
+          <ac:spMkLst>
+            <pc:docMk/>
+            <pc:sldMk cId="0" sldId="263"/>
+            <ac:spMk id="11" creationId="{894B205F-7AFC-0CA6-DD6B-BB72F67ED289}"/>
+          </ac:spMkLst>
+        </pc:spChg>
+        <pc:picChg chg="del mod">
+          <ac:chgData name="Srinivasa Rao" userId="a6b54366-f13d-4292-8bb4-f06c50909b1e" providerId="ADAL" clId="{385DF428-08F5-EA40-8E12-3B8141233526}" dt="2024-01-22T20:16:51.776" v="337" actId="478"/>
+          <ac:picMkLst>
+            <pc:docMk/>
+            <pc:sldMk cId="0" sldId="263"/>
+            <ac:picMk id="256" creationId="{00000000-0000-0000-0000-000000000000}"/>
+          </ac:picMkLst>
+        </pc:picChg>
+        <pc:cxnChg chg="add mod">
+          <ac:chgData name="Srinivasa Rao" userId="a6b54366-f13d-4292-8bb4-f06c50909b1e" providerId="ADAL" clId="{385DF428-08F5-EA40-8E12-3B8141233526}" dt="2024-01-22T20:15:59.791" v="290"/>
+          <ac:cxnSpMkLst>
+            <pc:docMk/>
+            <pc:sldMk cId="0" sldId="263"/>
+            <ac:cxnSpMk id="3" creationId="{309CC855-FBDF-53EA-ABEF-F0565ED77EED}"/>
+          </ac:cxnSpMkLst>
+        </pc:cxnChg>
+        <pc:cxnChg chg="add mod">
+          <ac:chgData name="Srinivasa Rao" userId="a6b54366-f13d-4292-8bb4-f06c50909b1e" providerId="ADAL" clId="{385DF428-08F5-EA40-8E12-3B8141233526}" dt="2024-01-22T20:15:59.791" v="290"/>
+          <ac:cxnSpMkLst>
+            <pc:docMk/>
+            <pc:sldMk cId="0" sldId="263"/>
+            <ac:cxnSpMk id="8" creationId="{001F4393-D8CF-9F39-030E-75A164BBBFA9}"/>
+          </ac:cxnSpMkLst>
+        </pc:cxnChg>
+        <pc:cxnChg chg="add mod">
+          <ac:chgData name="Srinivasa Rao" userId="a6b54366-f13d-4292-8bb4-f06c50909b1e" providerId="ADAL" clId="{385DF428-08F5-EA40-8E12-3B8141233526}" dt="2024-01-22T20:15:59.791" v="290"/>
+          <ac:cxnSpMkLst>
+            <pc:docMk/>
+            <pc:sldMk cId="0" sldId="263"/>
+            <ac:cxnSpMk id="9" creationId="{2348B543-8E85-07EE-6C50-E341065B3A90}"/>
+          </ac:cxnSpMkLst>
+        </pc:cxnChg>
+        <pc:cxnChg chg="add mod">
+          <ac:chgData name="Srinivasa Rao" userId="a6b54366-f13d-4292-8bb4-f06c50909b1e" providerId="ADAL" clId="{385DF428-08F5-EA40-8E12-3B8141233526}" dt="2024-01-22T20:15:59.791" v="290"/>
+          <ac:cxnSpMkLst>
+            <pc:docMk/>
+            <pc:sldMk cId="0" sldId="263"/>
+            <ac:cxnSpMk id="10" creationId="{CDBFE693-41FE-9C00-60FF-F948DF8DFAB0}"/>
+          </ac:cxnSpMkLst>
+        </pc:cxnChg>
+      </pc:sldChg>
+      <pc:sldChg chg="modSp mod">
+        <pc:chgData name="Srinivasa Rao" userId="a6b54366-f13d-4292-8bb4-f06c50909b1e" providerId="ADAL" clId="{385DF428-08F5-EA40-8E12-3B8141233526}" dt="2024-01-22T19:58:17.709" v="5" actId="20577"/>
+        <pc:sldMkLst>
+          <pc:docMk/>
+          <pc:sldMk cId="0" sldId="276"/>
+        </pc:sldMkLst>
+        <pc:spChg chg="mod">
+          <ac:chgData name="Srinivasa Rao" userId="a6b54366-f13d-4292-8bb4-f06c50909b1e" providerId="ADAL" clId="{385DF428-08F5-EA40-8E12-3B8141233526}" dt="2024-01-22T19:58:17.709" v="5" actId="20577"/>
+          <ac:spMkLst>
+            <pc:docMk/>
+            <pc:sldMk cId="0" sldId="276"/>
+            <ac:spMk id="229" creationId="{00000000-0000-0000-0000-000000000000}"/>
           </ac:spMkLst>
         </pc:spChg>
       </pc:sldChg>
@@ -12087,24 +12698,14 @@
               </a:tabLst>
             </a:pPr>
             <a:r>
-              <a:rPr lang="en-US" sz="3200" b="0" strike="noStrike" spc="-1" dirty="0" err="1">
+              <a:rPr lang="en-US" sz="3200" b="0" strike="noStrike" spc="-1" dirty="0">
                 <a:solidFill>
                   <a:srgbClr val="8B8B8B"/>
                 </a:solidFill>
                 <a:latin typeface="Calibri"/>
                 <a:ea typeface="DejaVu Sans"/>
               </a:rPr>
-              <a:t>Michaelmas</a:t>
-            </a:r>
-            <a:r>
-              <a:rPr lang="en-US" sz="3200" b="0" strike="noStrike" spc="-1" dirty="0">
-                <a:solidFill>
-                  <a:srgbClr val="8B8B8B"/>
-                </a:solidFill>
-                <a:latin typeface="Calibri"/>
-                <a:ea typeface="DejaVu Sans"/>
-              </a:rPr>
-              <a:t> 2023</a:t>
+              <a:t>Hilary 2023</a:t>
             </a:r>
             <a:endParaRPr lang="en-GB" sz="3200" b="0" strike="noStrike" spc="-1" dirty="0">
               <a:latin typeface="Arial"/>
@@ -18891,29 +19492,6 @@
           </a:p>
         </p:txBody>
       </p:sp>
-      <p:pic>
-        <p:nvPicPr>
-          <p:cNvPr id="236" name="Picture 9_1" descr="flowchart_if_only.png"/>
-          <p:cNvPicPr/>
-          <p:nvPr/>
-        </p:nvPicPr>
-        <p:blipFill>
-          <a:blip r:embed="rId2"/>
-          <a:stretch/>
-        </p:blipFill>
-        <p:spPr>
-          <a:xfrm>
-            <a:off x="5422680" y="2268720"/>
-            <a:ext cx="2151360" cy="3265560"/>
-          </a:xfrm>
-          <a:prstGeom prst="rect">
-            <a:avLst/>
-          </a:prstGeom>
-          <a:ln>
-            <a:noFill/>
-          </a:ln>
-        </p:spPr>
-      </p:pic>
       <p:sp>
         <p:nvSpPr>
           <p:cNvPr id="237" name="CustomShape 3"/>
@@ -19003,11 +19581,650 @@
           </a:p>
         </p:txBody>
       </p:sp>
+      <p:sp>
+        <p:nvSpPr>
+          <p:cNvPr id="2" name="Decision 1">
+            <a:extLst>
+              <a:ext uri="{FF2B5EF4-FFF2-40B4-BE49-F238E27FC236}">
+                <a16:creationId xmlns:a16="http://schemas.microsoft.com/office/drawing/2014/main" id="{4AEDAC86-9CF1-9124-0E11-A8229DFE9BBF}"/>
+              </a:ext>
+            </a:extLst>
+          </p:cNvPr>
+          <p:cNvSpPr/>
+          <p:nvPr/>
+        </p:nvSpPr>
+        <p:spPr>
+          <a:xfrm>
+            <a:off x="4438306" y="2563195"/>
+            <a:ext cx="2351314" cy="995769"/>
+          </a:xfrm>
+          <a:prstGeom prst="flowChartDecision">
+            <a:avLst/>
+          </a:prstGeom>
+        </p:spPr>
+        <p:style>
+          <a:lnRef idx="2">
+            <a:schemeClr val="accent1">
+              <a:shade val="15000"/>
+            </a:schemeClr>
+          </a:lnRef>
+          <a:fillRef idx="1">
+            <a:schemeClr val="accent1"/>
+          </a:fillRef>
+          <a:effectRef idx="0">
+            <a:schemeClr val="accent1"/>
+          </a:effectRef>
+          <a:fontRef idx="minor">
+            <a:schemeClr val="lt1"/>
+          </a:fontRef>
+        </p:style>
+        <p:txBody>
+          <a:bodyPr rtlCol="0" anchor="ctr"/>
+          <a:lstStyle/>
+          <a:p>
+            <a:pPr algn="ctr"/>
+            <a:r>
+              <a:rPr lang="en-US" dirty="0"/>
+              <a:t>Condition</a:t>
+            </a:r>
+          </a:p>
+        </p:txBody>
+      </p:sp>
+      <p:sp>
+        <p:nvSpPr>
+          <p:cNvPr id="3" name="Process 2">
+            <a:extLst>
+              <a:ext uri="{FF2B5EF4-FFF2-40B4-BE49-F238E27FC236}">
+                <a16:creationId xmlns:a16="http://schemas.microsoft.com/office/drawing/2014/main" id="{71C6A929-9A26-B46B-9A09-A39B6B4EAB19}"/>
+              </a:ext>
+            </a:extLst>
+          </p:cNvPr>
+          <p:cNvSpPr/>
+          <p:nvPr/>
+        </p:nvSpPr>
+        <p:spPr>
+          <a:xfrm>
+            <a:off x="6977549" y="4048961"/>
+            <a:ext cx="1852551" cy="636847"/>
+          </a:xfrm>
+          <a:prstGeom prst="flowChartProcess">
+            <a:avLst/>
+          </a:prstGeom>
+        </p:spPr>
+        <p:style>
+          <a:lnRef idx="2">
+            <a:schemeClr val="accent1">
+              <a:shade val="15000"/>
+            </a:schemeClr>
+          </a:lnRef>
+          <a:fillRef idx="1">
+            <a:schemeClr val="accent1"/>
+          </a:fillRef>
+          <a:effectRef idx="0">
+            <a:schemeClr val="accent1"/>
+          </a:effectRef>
+          <a:fontRef idx="minor">
+            <a:schemeClr val="lt1"/>
+          </a:fontRef>
+        </p:style>
+        <p:txBody>
+          <a:bodyPr rtlCol="0" anchor="ctr"/>
+          <a:lstStyle/>
+          <a:p>
+            <a:pPr algn="ctr"/>
+            <a:r>
+              <a:rPr lang="en-US" dirty="0"/>
+              <a:t>Statements</a:t>
+            </a:r>
+          </a:p>
+        </p:txBody>
+      </p:sp>
+      <p:cxnSp>
+        <p:nvCxnSpPr>
+          <p:cNvPr id="5" name="Straight Arrow Connector 4">
+            <a:extLst>
+              <a:ext uri="{FF2B5EF4-FFF2-40B4-BE49-F238E27FC236}">
+                <a16:creationId xmlns:a16="http://schemas.microsoft.com/office/drawing/2014/main" id="{E93AC290-10D5-DD5B-FDB9-34E2FCCD7D9E}"/>
+              </a:ext>
+            </a:extLst>
+          </p:cNvPr>
+          <p:cNvCxnSpPr>
+            <a:endCxn id="2" idx="0"/>
+          </p:cNvCxnSpPr>
+          <p:nvPr/>
+        </p:nvCxnSpPr>
+        <p:spPr>
+          <a:xfrm>
+            <a:off x="5613963" y="2173184"/>
+            <a:ext cx="0" cy="390011"/>
+          </a:xfrm>
+          <a:prstGeom prst="straightConnector1">
+            <a:avLst/>
+          </a:prstGeom>
+          <a:ln>
+            <a:tailEnd type="triangle"/>
+          </a:ln>
+        </p:spPr>
+        <p:style>
+          <a:lnRef idx="1">
+            <a:schemeClr val="dk1"/>
+          </a:lnRef>
+          <a:fillRef idx="0">
+            <a:schemeClr val="dk1"/>
+          </a:fillRef>
+          <a:effectRef idx="0">
+            <a:schemeClr val="dk1"/>
+          </a:effectRef>
+          <a:fontRef idx="minor">
+            <a:schemeClr val="tx1"/>
+          </a:fontRef>
+        </p:style>
+      </p:cxnSp>
+      <p:cxnSp>
+        <p:nvCxnSpPr>
+          <p:cNvPr id="7" name="Elbow Connector 6">
+            <a:extLst>
+              <a:ext uri="{FF2B5EF4-FFF2-40B4-BE49-F238E27FC236}">
+                <a16:creationId xmlns:a16="http://schemas.microsoft.com/office/drawing/2014/main" id="{3B41C19F-11DE-2D4C-831B-0848F8C63999}"/>
+              </a:ext>
+            </a:extLst>
+          </p:cNvPr>
+          <p:cNvCxnSpPr>
+            <a:cxnSpLocks/>
+            <a:stCxn id="2" idx="3"/>
+            <a:endCxn id="3" idx="0"/>
+          </p:cNvCxnSpPr>
+          <p:nvPr/>
+        </p:nvCxnSpPr>
+        <p:spPr>
+          <a:xfrm>
+            <a:off x="6789620" y="3061080"/>
+            <a:ext cx="1114205" cy="987881"/>
+          </a:xfrm>
+          <a:prstGeom prst="bentConnector2">
+            <a:avLst/>
+          </a:prstGeom>
+          <a:ln>
+            <a:tailEnd type="triangle"/>
+          </a:ln>
+        </p:spPr>
+        <p:style>
+          <a:lnRef idx="1">
+            <a:schemeClr val="dk1"/>
+          </a:lnRef>
+          <a:fillRef idx="0">
+            <a:schemeClr val="dk1"/>
+          </a:fillRef>
+          <a:effectRef idx="0">
+            <a:schemeClr val="dk1"/>
+          </a:effectRef>
+          <a:fontRef idx="minor">
+            <a:schemeClr val="tx1"/>
+          </a:fontRef>
+        </p:style>
+      </p:cxnSp>
+      <p:sp>
+        <p:nvSpPr>
+          <p:cNvPr id="9" name="TextBox 8">
+            <a:extLst>
+              <a:ext uri="{FF2B5EF4-FFF2-40B4-BE49-F238E27FC236}">
+                <a16:creationId xmlns:a16="http://schemas.microsoft.com/office/drawing/2014/main" id="{8CB16B1E-82A3-2FEE-BFCE-AC5FE4B281B3}"/>
+              </a:ext>
+            </a:extLst>
+          </p:cNvPr>
+          <p:cNvSpPr txBox="1"/>
+          <p:nvPr/>
+        </p:nvSpPr>
+        <p:spPr>
+          <a:xfrm>
+            <a:off x="6882547" y="2649327"/>
+            <a:ext cx="926275" cy="369332"/>
+          </a:xfrm>
+          <a:prstGeom prst="rect">
+            <a:avLst/>
+          </a:prstGeom>
+          <a:noFill/>
+        </p:spPr>
+        <p:txBody>
+          <a:bodyPr wrap="square" rtlCol="0">
+            <a:spAutoFit/>
+          </a:bodyPr>
+          <a:lstStyle/>
+          <a:p>
+            <a:pPr algn="ctr"/>
+            <a:r>
+              <a:rPr lang="en-US" dirty="0"/>
+              <a:t>TRUE</a:t>
+            </a:r>
+          </a:p>
+        </p:txBody>
+      </p:sp>
+      <p:cxnSp>
+        <p:nvCxnSpPr>
+          <p:cNvPr id="10" name="Straight Arrow Connector 9">
+            <a:extLst>
+              <a:ext uri="{FF2B5EF4-FFF2-40B4-BE49-F238E27FC236}">
+                <a16:creationId xmlns:a16="http://schemas.microsoft.com/office/drawing/2014/main" id="{C28287E6-DF3C-8ABB-EC22-97879B7DE677}"/>
+              </a:ext>
+            </a:extLst>
+          </p:cNvPr>
+          <p:cNvCxnSpPr>
+            <a:cxnSpLocks/>
+            <a:stCxn id="2" idx="2"/>
+          </p:cNvCxnSpPr>
+          <p:nvPr/>
+        </p:nvCxnSpPr>
+        <p:spPr>
+          <a:xfrm>
+            <a:off x="5613963" y="3558964"/>
+            <a:ext cx="0" cy="2058065"/>
+          </a:xfrm>
+          <a:prstGeom prst="straightConnector1">
+            <a:avLst/>
+          </a:prstGeom>
+          <a:ln>
+            <a:tailEnd type="triangle"/>
+          </a:ln>
+        </p:spPr>
+        <p:style>
+          <a:lnRef idx="1">
+            <a:schemeClr val="dk1"/>
+          </a:lnRef>
+          <a:fillRef idx="0">
+            <a:schemeClr val="dk1"/>
+          </a:fillRef>
+          <a:effectRef idx="0">
+            <a:schemeClr val="dk1"/>
+          </a:effectRef>
+          <a:fontRef idx="minor">
+            <a:schemeClr val="tx1"/>
+          </a:fontRef>
+        </p:style>
+      </p:cxnSp>
+      <p:cxnSp>
+        <p:nvCxnSpPr>
+          <p:cNvPr id="13" name="Straight Arrow Connector 12">
+            <a:extLst>
+              <a:ext uri="{FF2B5EF4-FFF2-40B4-BE49-F238E27FC236}">
+                <a16:creationId xmlns:a16="http://schemas.microsoft.com/office/drawing/2014/main" id="{55F776A6-B600-5EA0-8499-850C0E374D69}"/>
+              </a:ext>
+            </a:extLst>
+          </p:cNvPr>
+          <p:cNvCxnSpPr>
+            <a:cxnSpLocks/>
+          </p:cNvCxnSpPr>
+          <p:nvPr/>
+        </p:nvCxnSpPr>
+        <p:spPr>
+          <a:xfrm>
+            <a:off x="5616692" y="5617029"/>
+            <a:ext cx="0" cy="392264"/>
+          </a:xfrm>
+          <a:prstGeom prst="straightConnector1">
+            <a:avLst/>
+          </a:prstGeom>
+          <a:ln>
+            <a:tailEnd type="triangle"/>
+          </a:ln>
+        </p:spPr>
+        <p:style>
+          <a:lnRef idx="1">
+            <a:schemeClr val="dk1"/>
+          </a:lnRef>
+          <a:fillRef idx="0">
+            <a:schemeClr val="dk1"/>
+          </a:fillRef>
+          <a:effectRef idx="0">
+            <a:schemeClr val="dk1"/>
+          </a:effectRef>
+          <a:fontRef idx="minor">
+            <a:schemeClr val="tx1"/>
+          </a:fontRef>
+        </p:style>
+      </p:cxnSp>
+      <p:cxnSp>
+        <p:nvCxnSpPr>
+          <p:cNvPr id="19" name="Elbow Connector 18">
+            <a:extLst>
+              <a:ext uri="{FF2B5EF4-FFF2-40B4-BE49-F238E27FC236}">
+                <a16:creationId xmlns:a16="http://schemas.microsoft.com/office/drawing/2014/main" id="{0206CDD4-CB51-F4F6-B6BB-6912D9347270}"/>
+              </a:ext>
+            </a:extLst>
+          </p:cNvPr>
+          <p:cNvCxnSpPr>
+            <a:cxnSpLocks/>
+            <a:stCxn id="3" idx="2"/>
+          </p:cNvCxnSpPr>
+          <p:nvPr/>
+        </p:nvCxnSpPr>
+        <p:spPr>
+          <a:xfrm rot="5400000">
+            <a:off x="6291920" y="4005123"/>
+            <a:ext cx="931221" cy="2292590"/>
+          </a:xfrm>
+          <a:prstGeom prst="bentConnector2">
+            <a:avLst/>
+          </a:prstGeom>
+          <a:ln>
+            <a:tailEnd type="triangle"/>
+          </a:ln>
+        </p:spPr>
+        <p:style>
+          <a:lnRef idx="1">
+            <a:schemeClr val="dk1"/>
+          </a:lnRef>
+          <a:fillRef idx="0">
+            <a:schemeClr val="dk1"/>
+          </a:fillRef>
+          <a:effectRef idx="0">
+            <a:schemeClr val="dk1"/>
+          </a:effectRef>
+          <a:fontRef idx="minor">
+            <a:schemeClr val="tx1"/>
+          </a:fontRef>
+        </p:style>
+      </p:cxnSp>
+      <p:sp>
+        <p:nvSpPr>
+          <p:cNvPr id="22" name="TextBox 21">
+            <a:extLst>
+              <a:ext uri="{FF2B5EF4-FFF2-40B4-BE49-F238E27FC236}">
+                <a16:creationId xmlns:a16="http://schemas.microsoft.com/office/drawing/2014/main" id="{48A18897-1BC6-78F3-6C02-0C186E9273C9}"/>
+              </a:ext>
+            </a:extLst>
+          </p:cNvPr>
+          <p:cNvSpPr txBox="1"/>
+          <p:nvPr/>
+        </p:nvSpPr>
+        <p:spPr>
+          <a:xfrm>
+            <a:off x="4438306" y="3762720"/>
+            <a:ext cx="993503" cy="369332"/>
+          </a:xfrm>
+          <a:prstGeom prst="rect">
+            <a:avLst/>
+          </a:prstGeom>
+          <a:noFill/>
+        </p:spPr>
+        <p:txBody>
+          <a:bodyPr wrap="square" rtlCol="0">
+            <a:spAutoFit/>
+          </a:bodyPr>
+          <a:lstStyle/>
+          <a:p>
+            <a:pPr algn="ctr"/>
+            <a:r>
+              <a:rPr lang="en-US" dirty="0"/>
+              <a:t>FALSE</a:t>
+            </a:r>
+          </a:p>
+        </p:txBody>
+      </p:sp>
     </p:spTree>
   </p:cSld>
   <p:clrMapOvr>
     <a:masterClrMapping/>
   </p:clrMapOvr>
+  <p:timing>
+    <p:tnLst>
+      <p:par>
+        <p:cTn id="1" dur="indefinite" restart="never" nodeType="tmRoot">
+          <p:childTnLst>
+            <p:seq concurrent="1" nextAc="seek">
+              <p:cTn id="2" dur="indefinite" nodeType="mainSeq">
+                <p:childTnLst>
+                  <p:par>
+                    <p:cTn id="3" fill="hold">
+                      <p:stCondLst>
+                        <p:cond delay="indefinite"/>
+                      </p:stCondLst>
+                      <p:childTnLst>
+                        <p:par>
+                          <p:cTn id="4" fill="hold">
+                            <p:stCondLst>
+                              <p:cond delay="0"/>
+                            </p:stCondLst>
+                            <p:childTnLst>
+                              <p:par>
+                                <p:cTn id="5" presetID="1" presetClass="entr" presetSubtype="0" fill="hold" grpId="0" nodeType="clickEffect">
+                                  <p:stCondLst>
+                                    <p:cond delay="0"/>
+                                  </p:stCondLst>
+                                  <p:childTnLst>
+                                    <p:set>
+                                      <p:cBhvr>
+                                        <p:cTn id="6" dur="1" fill="hold">
+                                          <p:stCondLst>
+                                            <p:cond delay="0"/>
+                                          </p:stCondLst>
+                                        </p:cTn>
+                                        <p:tgtEl>
+                                          <p:spTgt spid="9"/>
+                                        </p:tgtEl>
+                                        <p:attrNameLst>
+                                          <p:attrName>style.visibility</p:attrName>
+                                        </p:attrNameLst>
+                                      </p:cBhvr>
+                                      <p:to>
+                                        <p:strVal val="visible"/>
+                                      </p:to>
+                                    </p:set>
+                                  </p:childTnLst>
+                                </p:cTn>
+                              </p:par>
+                              <p:par>
+                                <p:cTn id="7" presetID="1" presetClass="entr" presetSubtype="0" fill="hold" nodeType="withEffect">
+                                  <p:stCondLst>
+                                    <p:cond delay="0"/>
+                                  </p:stCondLst>
+                                  <p:childTnLst>
+                                    <p:set>
+                                      <p:cBhvr>
+                                        <p:cTn id="8" dur="1" fill="hold">
+                                          <p:stCondLst>
+                                            <p:cond delay="0"/>
+                                          </p:stCondLst>
+                                        </p:cTn>
+                                        <p:tgtEl>
+                                          <p:spTgt spid="7"/>
+                                        </p:tgtEl>
+                                        <p:attrNameLst>
+                                          <p:attrName>style.visibility</p:attrName>
+                                        </p:attrNameLst>
+                                      </p:cBhvr>
+                                      <p:to>
+                                        <p:strVal val="visible"/>
+                                      </p:to>
+                                    </p:set>
+                                  </p:childTnLst>
+                                </p:cTn>
+                              </p:par>
+                              <p:par>
+                                <p:cTn id="9" presetID="1" presetClass="entr" presetSubtype="0" fill="hold" grpId="0" nodeType="withEffect">
+                                  <p:stCondLst>
+                                    <p:cond delay="0"/>
+                                  </p:stCondLst>
+                                  <p:childTnLst>
+                                    <p:set>
+                                      <p:cBhvr>
+                                        <p:cTn id="10" dur="1" fill="hold">
+                                          <p:stCondLst>
+                                            <p:cond delay="0"/>
+                                          </p:stCondLst>
+                                        </p:cTn>
+                                        <p:tgtEl>
+                                          <p:spTgt spid="3"/>
+                                        </p:tgtEl>
+                                        <p:attrNameLst>
+                                          <p:attrName>style.visibility</p:attrName>
+                                        </p:attrNameLst>
+                                      </p:cBhvr>
+                                      <p:to>
+                                        <p:strVal val="visible"/>
+                                      </p:to>
+                                    </p:set>
+                                  </p:childTnLst>
+                                </p:cTn>
+                              </p:par>
+                              <p:par>
+                                <p:cTn id="11" presetID="1" presetClass="entr" presetSubtype="0" fill="hold" nodeType="withEffect">
+                                  <p:stCondLst>
+                                    <p:cond delay="0"/>
+                                  </p:stCondLst>
+                                  <p:childTnLst>
+                                    <p:set>
+                                      <p:cBhvr>
+                                        <p:cTn id="12" dur="1" fill="hold">
+                                          <p:stCondLst>
+                                            <p:cond delay="0"/>
+                                          </p:stCondLst>
+                                        </p:cTn>
+                                        <p:tgtEl>
+                                          <p:spTgt spid="19"/>
+                                        </p:tgtEl>
+                                        <p:attrNameLst>
+                                          <p:attrName>style.visibility</p:attrName>
+                                        </p:attrNameLst>
+                                      </p:cBhvr>
+                                      <p:to>
+                                        <p:strVal val="visible"/>
+                                      </p:to>
+                                    </p:set>
+                                  </p:childTnLst>
+                                </p:cTn>
+                              </p:par>
+                              <p:par>
+                                <p:cTn id="13" presetID="1" presetClass="entr" presetSubtype="0" fill="hold" nodeType="withEffect">
+                                  <p:stCondLst>
+                                    <p:cond delay="0"/>
+                                  </p:stCondLst>
+                                  <p:childTnLst>
+                                    <p:set>
+                                      <p:cBhvr>
+                                        <p:cTn id="14" dur="1" fill="hold">
+                                          <p:stCondLst>
+                                            <p:cond delay="0"/>
+                                          </p:stCondLst>
+                                        </p:cTn>
+                                        <p:tgtEl>
+                                          <p:spTgt spid="13"/>
+                                        </p:tgtEl>
+                                        <p:attrNameLst>
+                                          <p:attrName>style.visibility</p:attrName>
+                                        </p:attrNameLst>
+                                      </p:cBhvr>
+                                      <p:to>
+                                        <p:strVal val="visible"/>
+                                      </p:to>
+                                    </p:set>
+                                  </p:childTnLst>
+                                </p:cTn>
+                              </p:par>
+                            </p:childTnLst>
+                          </p:cTn>
+                        </p:par>
+                      </p:childTnLst>
+                    </p:cTn>
+                  </p:par>
+                  <p:par>
+                    <p:cTn id="15" fill="hold">
+                      <p:stCondLst>
+                        <p:cond delay="indefinite"/>
+                      </p:stCondLst>
+                      <p:childTnLst>
+                        <p:par>
+                          <p:cTn id="16" fill="hold">
+                            <p:stCondLst>
+                              <p:cond delay="0"/>
+                            </p:stCondLst>
+                            <p:childTnLst>
+                              <p:par>
+                                <p:cTn id="17" presetID="1" presetClass="entr" presetSubtype="0" fill="hold" grpId="0" nodeType="clickEffect">
+                                  <p:stCondLst>
+                                    <p:cond delay="0"/>
+                                  </p:stCondLst>
+                                  <p:childTnLst>
+                                    <p:set>
+                                      <p:cBhvr>
+                                        <p:cTn id="18" dur="1" fill="hold">
+                                          <p:stCondLst>
+                                            <p:cond delay="0"/>
+                                          </p:stCondLst>
+                                        </p:cTn>
+                                        <p:tgtEl>
+                                          <p:spTgt spid="22"/>
+                                        </p:tgtEl>
+                                        <p:attrNameLst>
+                                          <p:attrName>style.visibility</p:attrName>
+                                        </p:attrNameLst>
+                                      </p:cBhvr>
+                                      <p:to>
+                                        <p:strVal val="visible"/>
+                                      </p:to>
+                                    </p:set>
+                                  </p:childTnLst>
+                                </p:cTn>
+                              </p:par>
+                              <p:par>
+                                <p:cTn id="19" presetID="1" presetClass="entr" presetSubtype="0" fill="hold" nodeType="withEffect">
+                                  <p:stCondLst>
+                                    <p:cond delay="0"/>
+                                  </p:stCondLst>
+                                  <p:childTnLst>
+                                    <p:set>
+                                      <p:cBhvr>
+                                        <p:cTn id="20" dur="1" fill="hold">
+                                          <p:stCondLst>
+                                            <p:cond delay="0"/>
+                                          </p:stCondLst>
+                                        </p:cTn>
+                                        <p:tgtEl>
+                                          <p:spTgt spid="10"/>
+                                        </p:tgtEl>
+                                        <p:attrNameLst>
+                                          <p:attrName>style.visibility</p:attrName>
+                                        </p:attrNameLst>
+                                      </p:cBhvr>
+                                      <p:to>
+                                        <p:strVal val="visible"/>
+                                      </p:to>
+                                    </p:set>
+                                  </p:childTnLst>
+                                </p:cTn>
+                              </p:par>
+                            </p:childTnLst>
+                          </p:cTn>
+                        </p:par>
+                      </p:childTnLst>
+                    </p:cTn>
+                  </p:par>
+                </p:childTnLst>
+              </p:cTn>
+              <p:prevCondLst>
+                <p:cond evt="onPrev" delay="0">
+                  <p:tgtEl>
+                    <p:sldTgt/>
+                  </p:tgtEl>
+                </p:cond>
+              </p:prevCondLst>
+              <p:nextCondLst>
+                <p:cond evt="onNext" delay="0">
+                  <p:tgtEl>
+                    <p:sldTgt/>
+                  </p:tgtEl>
+                </p:cond>
+              </p:nextCondLst>
+            </p:seq>
+          </p:childTnLst>
+        </p:cTn>
+      </p:par>
+    </p:tnLst>
+    <p:bldLst>
+      <p:bldP spid="3" grpId="0" animBg="1"/>
+      <p:bldP spid="9" grpId="0"/>
+      <p:bldP spid="22" grpId="0"/>
+    </p:bldLst>
+  </p:timing>
 </p:sld>
 </file>
 
@@ -19384,7 +20601,7 @@
               </a:lnSpc>
             </a:pPr>
             <a:r>
-              <a:rPr lang="en-US" sz="2000" b="0" strike="noStrike" spc="-1">
+              <a:rPr lang="en-US" sz="2000" b="0" strike="noStrike" spc="-1" dirty="0">
                 <a:solidFill>
                   <a:srgbClr val="000000"/>
                 </a:solidFill>
@@ -19393,7 +20610,7 @@
               </a:rPr>
               <a:t>x &lt;- 4 </a:t>
             </a:r>
-            <a:endParaRPr lang="en-GB" sz="2000" b="0" strike="noStrike" spc="-1">
+            <a:endParaRPr lang="en-GB" sz="2000" b="0" strike="noStrike" spc="-1" dirty="0">
               <a:latin typeface="Arial"/>
             </a:endParaRPr>
           </a:p>
@@ -19404,7 +20621,7 @@
               </a:lnSpc>
             </a:pPr>
             <a:r>
-              <a:rPr lang="en-US" sz="2000" b="0" strike="noStrike" spc="-1">
+              <a:rPr lang="en-US" sz="2000" b="0" strike="noStrike" spc="-1" dirty="0">
                 <a:solidFill>
                   <a:srgbClr val="F79646"/>
                 </a:solidFill>
@@ -19414,7 +20631,7 @@
               <a:t>if(x &gt; 0) </a:t>
             </a:r>
             <a:r>
-              <a:rPr lang="en-US" sz="2000" b="1" strike="noStrike" spc="-1">
+              <a:rPr lang="en-US" sz="2000" b="1" strike="noStrike" spc="-1" dirty="0">
                 <a:solidFill>
                   <a:srgbClr val="F79646"/>
                 </a:solidFill>
@@ -19423,7 +20640,7 @@
               </a:rPr>
               <a:t>{</a:t>
             </a:r>
-            <a:endParaRPr lang="en-GB" sz="2000" b="0" strike="noStrike" spc="-1">
+            <a:endParaRPr lang="en-GB" sz="2000" b="0" strike="noStrike" spc="-1" dirty="0">
               <a:latin typeface="Arial"/>
             </a:endParaRPr>
           </a:p>
@@ -19434,7 +20651,7 @@
               </a:lnSpc>
             </a:pPr>
             <a:r>
-              <a:rPr lang="en-US" sz="2000" b="0" strike="noStrike" spc="-1">
+              <a:rPr lang="en-US" sz="2000" b="0" strike="noStrike" spc="-1" dirty="0">
                 <a:solidFill>
                   <a:srgbClr val="F79646"/>
                 </a:solidFill>
@@ -19443,7 +20660,7 @@
               </a:rPr>
               <a:t>print("Positive number") </a:t>
             </a:r>
-            <a:endParaRPr lang="en-GB" sz="2000" b="0" strike="noStrike" spc="-1">
+            <a:endParaRPr lang="en-GB" sz="2000" b="0" strike="noStrike" spc="-1" dirty="0">
               <a:latin typeface="Arial"/>
             </a:endParaRPr>
           </a:p>
@@ -19454,7 +20671,7 @@
               </a:lnSpc>
             </a:pPr>
             <a:r>
-              <a:rPr lang="en-US" sz="2000" b="1" strike="noStrike" spc="-1">
+              <a:rPr lang="en-US" sz="2000" b="1" strike="noStrike" spc="-1" dirty="0">
                 <a:solidFill>
                   <a:srgbClr val="F79646"/>
                 </a:solidFill>
@@ -19464,7 +20681,7 @@
               <a:t>} </a:t>
             </a:r>
             <a:r>
-              <a:rPr lang="en-US" sz="2000" b="0" strike="noStrike" spc="-1">
+              <a:rPr lang="en-US" sz="2000" b="0" strike="noStrike" spc="-1" dirty="0">
                 <a:solidFill>
                   <a:srgbClr val="008000"/>
                 </a:solidFill>
@@ -19474,7 +20691,7 @@
               <a:t>else</a:t>
             </a:r>
             <a:r>
-              <a:rPr lang="en-US" sz="2000" b="1" strike="noStrike" spc="-1">
+              <a:rPr lang="en-US" sz="2000" b="1" strike="noStrike" spc="-1" dirty="0">
                 <a:solidFill>
                   <a:srgbClr val="008000"/>
                 </a:solidFill>
@@ -19483,7 +20700,7 @@
               </a:rPr>
               <a:t> {</a:t>
             </a:r>
-            <a:endParaRPr lang="en-GB" sz="2000" b="0" strike="noStrike" spc="-1">
+            <a:endParaRPr lang="en-GB" sz="2000" b="0" strike="noStrike" spc="-1" dirty="0">
               <a:latin typeface="Arial"/>
             </a:endParaRPr>
           </a:p>
@@ -19494,7 +20711,7 @@
               </a:lnSpc>
             </a:pPr>
             <a:r>
-              <a:rPr lang="en-US" sz="2000" b="0" strike="noStrike" spc="-1">
+              <a:rPr lang="en-US" sz="2000" b="0" strike="noStrike" spc="-1" dirty="0">
                 <a:solidFill>
                   <a:srgbClr val="008000"/>
                 </a:solidFill>
@@ -19503,7 +20720,7 @@
               </a:rPr>
               <a:t>print(”Not positive number")</a:t>
             </a:r>
-            <a:endParaRPr lang="en-GB" sz="2000" b="0" strike="noStrike" spc="-1">
+            <a:endParaRPr lang="en-GB" sz="2000" b="0" strike="noStrike" spc="-1" dirty="0">
               <a:latin typeface="Arial"/>
             </a:endParaRPr>
           </a:p>
@@ -19514,7 +20731,7 @@
               </a:lnSpc>
             </a:pPr>
             <a:r>
-              <a:rPr lang="en-US" sz="2000" b="1" strike="noStrike" spc="-1">
+              <a:rPr lang="en-US" sz="2000" b="1" strike="noStrike" spc="-1" dirty="0">
                 <a:solidFill>
                   <a:srgbClr val="008000"/>
                 </a:solidFill>
@@ -19523,7 +20740,7 @@
               </a:rPr>
               <a:t>}</a:t>
             </a:r>
-            <a:endParaRPr lang="en-GB" sz="2000" b="0" strike="noStrike" spc="-1">
+            <a:endParaRPr lang="en-GB" sz="2000" b="0" strike="noStrike" spc="-1" dirty="0">
               <a:latin typeface="Arial"/>
             </a:endParaRPr>
           </a:p>
@@ -19534,7 +20751,7 @@
               </a:lnSpc>
             </a:pPr>
             <a:r>
-              <a:rPr lang="en-US" sz="2000" b="0" strike="noStrike" spc="-1">
+              <a:rPr lang="en-US" sz="2000" b="0" strike="noStrike" spc="-1" dirty="0">
                 <a:solidFill>
                   <a:srgbClr val="000000"/>
                 </a:solidFill>
@@ -19543,35 +20760,12 @@
               </a:rPr>
               <a:t>x &lt;- -4</a:t>
             </a:r>
-            <a:endParaRPr lang="en-GB" sz="2000" b="0" strike="noStrike" spc="-1">
-              <a:latin typeface="Arial"/>
-            </a:endParaRPr>
-          </a:p>
-        </p:txBody>
-      </p:sp>
-      <p:pic>
-        <p:nvPicPr>
-          <p:cNvPr id="241" name="Picture 6_1" descr="flowchart_if_else.png"/>
-          <p:cNvPicPr/>
-          <p:nvPr/>
-        </p:nvPicPr>
-        <p:blipFill>
-          <a:blip r:embed="rId2"/>
-          <a:stretch/>
-        </p:blipFill>
-        <p:spPr>
-          <a:xfrm>
-            <a:off x="4736880" y="2349000"/>
-            <a:ext cx="2684520" cy="3122640"/>
-          </a:xfrm>
-          <a:prstGeom prst="rect">
-            <a:avLst/>
-          </a:prstGeom>
-          <a:ln>
-            <a:noFill/>
-          </a:ln>
-        </p:spPr>
-      </p:pic>
+            <a:endParaRPr lang="en-GB" sz="2000" b="0" strike="noStrike" spc="-1" dirty="0">
+              <a:latin typeface="Arial"/>
+            </a:endParaRPr>
+          </a:p>
+        </p:txBody>
+      </p:sp>
       <p:sp>
         <p:nvSpPr>
           <p:cNvPr id="242" name="CustomShape 4"/>
@@ -19580,8 +20774,8 @@
         </p:nvSpPr>
         <p:spPr>
           <a:xfrm>
-            <a:off x="4527360" y="4214160"/>
-            <a:ext cx="1143720" cy="363960"/>
+            <a:off x="4580468" y="4592164"/>
+            <a:ext cx="955921" cy="306323"/>
           </a:xfrm>
           <a:prstGeom prst="rect">
             <a:avLst/>
@@ -19620,7 +20814,7 @@
               </a:spcAft>
             </a:pPr>
             <a:r>
-              <a:rPr lang="en-GB" sz="1800" b="0" strike="noStrike" spc="-1">
+              <a:rPr lang="en-GB" sz="1400" b="0" strike="noStrike" spc="-1" dirty="0">
                 <a:solidFill>
                   <a:srgbClr val="008000"/>
                 </a:solidFill>
@@ -19629,7 +20823,7 @@
               </a:rPr>
               <a:t>else block</a:t>
             </a:r>
-            <a:endParaRPr lang="en-GB" sz="1800" b="0" strike="noStrike" spc="-1">
+            <a:endParaRPr lang="en-GB" sz="1400" b="0" strike="noStrike" spc="-1" dirty="0">
               <a:latin typeface="Arial"/>
             </a:endParaRPr>
           </a:p>
@@ -19643,8 +20837,8 @@
         </p:nvSpPr>
         <p:spPr>
           <a:xfrm>
-            <a:off x="6567840" y="4214160"/>
-            <a:ext cx="895320" cy="363960"/>
+            <a:off x="8085635" y="4557494"/>
+            <a:ext cx="748309" cy="306323"/>
           </a:xfrm>
           <a:prstGeom prst="rect">
             <a:avLst/>
@@ -19680,7 +20874,7 @@
               </a:spcAft>
             </a:pPr>
             <a:r>
-              <a:rPr lang="en-GB" sz="1800" b="0" strike="noStrike" spc="-1">
+              <a:rPr lang="en-GB" sz="1400" b="0" strike="noStrike" spc="-1" dirty="0">
                 <a:solidFill>
                   <a:srgbClr val="FF6600"/>
                 </a:solidFill>
@@ -19689,17 +20883,862 @@
               </a:rPr>
               <a:t>If block</a:t>
             </a:r>
-            <a:endParaRPr lang="en-GB" sz="1800" b="0" strike="noStrike" spc="-1">
-              <a:latin typeface="Arial"/>
-            </a:endParaRPr>
-          </a:p>
-        </p:txBody>
-      </p:sp>
+            <a:endParaRPr lang="en-GB" sz="1400" b="0" strike="noStrike" spc="-1" dirty="0">
+              <a:latin typeface="Arial"/>
+            </a:endParaRPr>
+          </a:p>
+        </p:txBody>
+      </p:sp>
+      <p:sp>
+        <p:nvSpPr>
+          <p:cNvPr id="2" name="Decision 1">
+            <a:extLst>
+              <a:ext uri="{FF2B5EF4-FFF2-40B4-BE49-F238E27FC236}">
+                <a16:creationId xmlns:a16="http://schemas.microsoft.com/office/drawing/2014/main" id="{F7638E05-D6C2-ED93-6ED8-39D99866195F}"/>
+              </a:ext>
+            </a:extLst>
+          </p:cNvPr>
+          <p:cNvSpPr/>
+          <p:nvPr/>
+        </p:nvSpPr>
+        <p:spPr>
+          <a:xfrm>
+            <a:off x="5806128" y="2664191"/>
+            <a:ext cx="1965229" cy="844263"/>
+          </a:xfrm>
+          <a:prstGeom prst="flowChartDecision">
+            <a:avLst/>
+          </a:prstGeom>
+        </p:spPr>
+        <p:style>
+          <a:lnRef idx="2">
+            <a:schemeClr val="accent1">
+              <a:shade val="15000"/>
+            </a:schemeClr>
+          </a:lnRef>
+          <a:fillRef idx="1">
+            <a:schemeClr val="accent1"/>
+          </a:fillRef>
+          <a:effectRef idx="0">
+            <a:schemeClr val="accent1"/>
+          </a:effectRef>
+          <a:fontRef idx="minor">
+            <a:schemeClr val="lt1"/>
+          </a:fontRef>
+        </p:style>
+        <p:txBody>
+          <a:bodyPr rtlCol="0" anchor="ctr"/>
+          <a:lstStyle/>
+          <a:p>
+            <a:pPr algn="ctr"/>
+            <a:r>
+              <a:rPr lang="en-US" sz="1400" dirty="0"/>
+              <a:t>Condition</a:t>
+            </a:r>
+          </a:p>
+        </p:txBody>
+      </p:sp>
+      <p:sp>
+        <p:nvSpPr>
+          <p:cNvPr id="3" name="Process 2">
+            <a:extLst>
+              <a:ext uri="{FF2B5EF4-FFF2-40B4-BE49-F238E27FC236}">
+                <a16:creationId xmlns:a16="http://schemas.microsoft.com/office/drawing/2014/main" id="{2E49A6AB-3B8C-7884-D42F-D99D6565ECFB}"/>
+              </a:ext>
+            </a:extLst>
+          </p:cNvPr>
+          <p:cNvSpPr/>
+          <p:nvPr/>
+        </p:nvSpPr>
+        <p:spPr>
+          <a:xfrm>
+            <a:off x="7928428" y="3923898"/>
+            <a:ext cx="1062724" cy="539951"/>
+          </a:xfrm>
+          <a:prstGeom prst="flowChartProcess">
+            <a:avLst/>
+          </a:prstGeom>
+        </p:spPr>
+        <p:style>
+          <a:lnRef idx="2">
+            <a:schemeClr val="accent1">
+              <a:shade val="15000"/>
+            </a:schemeClr>
+          </a:lnRef>
+          <a:fillRef idx="1">
+            <a:schemeClr val="accent1"/>
+          </a:fillRef>
+          <a:effectRef idx="0">
+            <a:schemeClr val="accent1"/>
+          </a:effectRef>
+          <a:fontRef idx="minor">
+            <a:schemeClr val="lt1"/>
+          </a:fontRef>
+        </p:style>
+        <p:txBody>
+          <a:bodyPr rtlCol="0" anchor="ctr"/>
+          <a:lstStyle/>
+          <a:p>
+            <a:pPr algn="ctr"/>
+            <a:r>
+              <a:rPr lang="en-US" sz="1100" dirty="0" err="1"/>
+              <a:t>Statements_a</a:t>
+            </a:r>
+            <a:endParaRPr lang="en-US" sz="1100" dirty="0"/>
+          </a:p>
+        </p:txBody>
+      </p:sp>
+      <p:cxnSp>
+        <p:nvCxnSpPr>
+          <p:cNvPr id="4" name="Straight Arrow Connector 3">
+            <a:extLst>
+              <a:ext uri="{FF2B5EF4-FFF2-40B4-BE49-F238E27FC236}">
+                <a16:creationId xmlns:a16="http://schemas.microsoft.com/office/drawing/2014/main" id="{4E5C2CFE-134D-B33B-ED88-77DAB66A1E50}"/>
+              </a:ext>
+            </a:extLst>
+          </p:cNvPr>
+          <p:cNvCxnSpPr>
+            <a:endCxn id="2" idx="0"/>
+          </p:cNvCxnSpPr>
+          <p:nvPr/>
+        </p:nvCxnSpPr>
+        <p:spPr>
+          <a:xfrm>
+            <a:off x="6788743" y="2333520"/>
+            <a:ext cx="0" cy="330671"/>
+          </a:xfrm>
+          <a:prstGeom prst="straightConnector1">
+            <a:avLst/>
+          </a:prstGeom>
+          <a:ln>
+            <a:tailEnd type="triangle"/>
+          </a:ln>
+        </p:spPr>
+        <p:style>
+          <a:lnRef idx="1">
+            <a:schemeClr val="dk1"/>
+          </a:lnRef>
+          <a:fillRef idx="0">
+            <a:schemeClr val="dk1"/>
+          </a:fillRef>
+          <a:effectRef idx="0">
+            <a:schemeClr val="dk1"/>
+          </a:effectRef>
+          <a:fontRef idx="minor">
+            <a:schemeClr val="tx1"/>
+          </a:fontRef>
+        </p:style>
+      </p:cxnSp>
+      <p:cxnSp>
+        <p:nvCxnSpPr>
+          <p:cNvPr id="5" name="Elbow Connector 4">
+            <a:extLst>
+              <a:ext uri="{FF2B5EF4-FFF2-40B4-BE49-F238E27FC236}">
+                <a16:creationId xmlns:a16="http://schemas.microsoft.com/office/drawing/2014/main" id="{2DD3B217-B132-12C0-B5C1-CB918C748CD3}"/>
+              </a:ext>
+            </a:extLst>
+          </p:cNvPr>
+          <p:cNvCxnSpPr>
+            <a:cxnSpLocks/>
+            <a:stCxn id="2" idx="3"/>
+            <a:endCxn id="3" idx="0"/>
+          </p:cNvCxnSpPr>
+          <p:nvPr/>
+        </p:nvCxnSpPr>
+        <p:spPr>
+          <a:xfrm>
+            <a:off x="7771357" y="3086323"/>
+            <a:ext cx="688433" cy="837575"/>
+          </a:xfrm>
+          <a:prstGeom prst="bentConnector2">
+            <a:avLst/>
+          </a:prstGeom>
+          <a:ln>
+            <a:tailEnd type="triangle"/>
+          </a:ln>
+        </p:spPr>
+        <p:style>
+          <a:lnRef idx="1">
+            <a:schemeClr val="dk1"/>
+          </a:lnRef>
+          <a:fillRef idx="0">
+            <a:schemeClr val="dk1"/>
+          </a:fillRef>
+          <a:effectRef idx="0">
+            <a:schemeClr val="dk1"/>
+          </a:effectRef>
+          <a:fontRef idx="minor">
+            <a:schemeClr val="tx1"/>
+          </a:fontRef>
+        </p:style>
+      </p:cxnSp>
+      <p:sp>
+        <p:nvSpPr>
+          <p:cNvPr id="6" name="TextBox 5">
+            <a:extLst>
+              <a:ext uri="{FF2B5EF4-FFF2-40B4-BE49-F238E27FC236}">
+                <a16:creationId xmlns:a16="http://schemas.microsoft.com/office/drawing/2014/main" id="{791F515A-91E7-93F7-B72E-010D909B377C}"/>
+              </a:ext>
+            </a:extLst>
+          </p:cNvPr>
+          <p:cNvSpPr txBox="1"/>
+          <p:nvPr/>
+        </p:nvSpPr>
+        <p:spPr>
+          <a:xfrm>
+            <a:off x="7849025" y="2737218"/>
+            <a:ext cx="774181" cy="338554"/>
+          </a:xfrm>
+          <a:prstGeom prst="rect">
+            <a:avLst/>
+          </a:prstGeom>
+          <a:noFill/>
+        </p:spPr>
+        <p:txBody>
+          <a:bodyPr wrap="square" rtlCol="0">
+            <a:spAutoFit/>
+          </a:bodyPr>
+          <a:lstStyle/>
+          <a:p>
+            <a:pPr algn="ctr"/>
+            <a:r>
+              <a:rPr lang="en-US" sz="1600" dirty="0"/>
+              <a:t>TRUE</a:t>
+            </a:r>
+          </a:p>
+        </p:txBody>
+      </p:sp>
+      <p:cxnSp>
+        <p:nvCxnSpPr>
+          <p:cNvPr id="8" name="Straight Arrow Connector 7">
+            <a:extLst>
+              <a:ext uri="{FF2B5EF4-FFF2-40B4-BE49-F238E27FC236}">
+                <a16:creationId xmlns:a16="http://schemas.microsoft.com/office/drawing/2014/main" id="{E3D05710-AA27-EDBE-D6B8-71F7F220BBDD}"/>
+              </a:ext>
+            </a:extLst>
+          </p:cNvPr>
+          <p:cNvCxnSpPr>
+            <a:cxnSpLocks/>
+          </p:cNvCxnSpPr>
+          <p:nvPr/>
+        </p:nvCxnSpPr>
+        <p:spPr>
+          <a:xfrm>
+            <a:off x="6791023" y="5253384"/>
+            <a:ext cx="0" cy="332581"/>
+          </a:xfrm>
+          <a:prstGeom prst="straightConnector1">
+            <a:avLst/>
+          </a:prstGeom>
+          <a:ln>
+            <a:tailEnd type="triangle"/>
+          </a:ln>
+        </p:spPr>
+        <p:style>
+          <a:lnRef idx="1">
+            <a:schemeClr val="dk1"/>
+          </a:lnRef>
+          <a:fillRef idx="0">
+            <a:schemeClr val="dk1"/>
+          </a:fillRef>
+          <a:effectRef idx="0">
+            <a:schemeClr val="dk1"/>
+          </a:effectRef>
+          <a:fontRef idx="minor">
+            <a:schemeClr val="tx1"/>
+          </a:fontRef>
+        </p:style>
+      </p:cxnSp>
+      <p:cxnSp>
+        <p:nvCxnSpPr>
+          <p:cNvPr id="9" name="Elbow Connector 8">
+            <a:extLst>
+              <a:ext uri="{FF2B5EF4-FFF2-40B4-BE49-F238E27FC236}">
+                <a16:creationId xmlns:a16="http://schemas.microsoft.com/office/drawing/2014/main" id="{C2957F95-E39D-5B8A-9F18-3D3D24CD72AD}"/>
+              </a:ext>
+            </a:extLst>
+          </p:cNvPr>
+          <p:cNvCxnSpPr>
+            <a:cxnSpLocks/>
+            <a:stCxn id="3" idx="2"/>
+          </p:cNvCxnSpPr>
+          <p:nvPr/>
+        </p:nvCxnSpPr>
+        <p:spPr>
+          <a:xfrm rot="5400000">
+            <a:off x="7228361" y="4021954"/>
+            <a:ext cx="789535" cy="1673325"/>
+          </a:xfrm>
+          <a:prstGeom prst="bentConnector2">
+            <a:avLst/>
+          </a:prstGeom>
+          <a:ln>
+            <a:tailEnd type="triangle"/>
+          </a:ln>
+        </p:spPr>
+        <p:style>
+          <a:lnRef idx="1">
+            <a:schemeClr val="dk1"/>
+          </a:lnRef>
+          <a:fillRef idx="0">
+            <a:schemeClr val="dk1"/>
+          </a:fillRef>
+          <a:effectRef idx="0">
+            <a:schemeClr val="dk1"/>
+          </a:effectRef>
+          <a:fontRef idx="minor">
+            <a:schemeClr val="tx1"/>
+          </a:fontRef>
+        </p:style>
+      </p:cxnSp>
+      <p:sp>
+        <p:nvSpPr>
+          <p:cNvPr id="10" name="TextBox 9">
+            <a:extLst>
+              <a:ext uri="{FF2B5EF4-FFF2-40B4-BE49-F238E27FC236}">
+                <a16:creationId xmlns:a16="http://schemas.microsoft.com/office/drawing/2014/main" id="{43926CDF-0776-B87F-3816-1701A6108A9D}"/>
+              </a:ext>
+            </a:extLst>
+          </p:cNvPr>
+          <p:cNvSpPr txBox="1"/>
+          <p:nvPr/>
+        </p:nvSpPr>
+        <p:spPr>
+          <a:xfrm>
+            <a:off x="4893875" y="2783481"/>
+            <a:ext cx="830370" cy="338554"/>
+          </a:xfrm>
+          <a:prstGeom prst="rect">
+            <a:avLst/>
+          </a:prstGeom>
+          <a:noFill/>
+        </p:spPr>
+        <p:txBody>
+          <a:bodyPr wrap="square" rtlCol="0">
+            <a:spAutoFit/>
+          </a:bodyPr>
+          <a:lstStyle/>
+          <a:p>
+            <a:pPr algn="ctr"/>
+            <a:r>
+              <a:rPr lang="en-US" sz="1600" dirty="0"/>
+              <a:t>FALSE</a:t>
+            </a:r>
+          </a:p>
+        </p:txBody>
+      </p:sp>
+      <p:sp>
+        <p:nvSpPr>
+          <p:cNvPr id="11" name="Process 10">
+            <a:extLst>
+              <a:ext uri="{FF2B5EF4-FFF2-40B4-BE49-F238E27FC236}">
+                <a16:creationId xmlns:a16="http://schemas.microsoft.com/office/drawing/2014/main" id="{B2FB4E21-BE4D-9F5B-7699-88EE36BBFAFE}"/>
+              </a:ext>
+            </a:extLst>
+          </p:cNvPr>
+          <p:cNvSpPr/>
+          <p:nvPr/>
+        </p:nvSpPr>
+        <p:spPr>
+          <a:xfrm>
+            <a:off x="4503323" y="3938819"/>
+            <a:ext cx="1062725" cy="539951"/>
+          </a:xfrm>
+          <a:prstGeom prst="flowChartProcess">
+            <a:avLst/>
+          </a:prstGeom>
+        </p:spPr>
+        <p:style>
+          <a:lnRef idx="2">
+            <a:schemeClr val="accent1">
+              <a:shade val="15000"/>
+            </a:schemeClr>
+          </a:lnRef>
+          <a:fillRef idx="1">
+            <a:schemeClr val="accent1"/>
+          </a:fillRef>
+          <a:effectRef idx="0">
+            <a:schemeClr val="accent1"/>
+          </a:effectRef>
+          <a:fontRef idx="minor">
+            <a:schemeClr val="lt1"/>
+          </a:fontRef>
+        </p:style>
+        <p:txBody>
+          <a:bodyPr rtlCol="0" anchor="ctr"/>
+          <a:lstStyle/>
+          <a:p>
+            <a:pPr algn="ctr"/>
+            <a:r>
+              <a:rPr lang="en-US" sz="1100" dirty="0" err="1"/>
+              <a:t>Statements_b</a:t>
+            </a:r>
+            <a:endParaRPr lang="en-US" sz="1100" dirty="0"/>
+          </a:p>
+        </p:txBody>
+      </p:sp>
+      <p:cxnSp>
+        <p:nvCxnSpPr>
+          <p:cNvPr id="12" name="Elbow Connector 11">
+            <a:extLst>
+              <a:ext uri="{FF2B5EF4-FFF2-40B4-BE49-F238E27FC236}">
+                <a16:creationId xmlns:a16="http://schemas.microsoft.com/office/drawing/2014/main" id="{46BEE80B-A1E3-3078-7B51-6B8B638ED510}"/>
+              </a:ext>
+            </a:extLst>
+          </p:cNvPr>
+          <p:cNvCxnSpPr>
+            <a:cxnSpLocks/>
+            <a:endCxn id="11" idx="0"/>
+          </p:cNvCxnSpPr>
+          <p:nvPr/>
+        </p:nvCxnSpPr>
+        <p:spPr>
+          <a:xfrm rot="5400000">
+            <a:off x="4979668" y="3141342"/>
+            <a:ext cx="852495" cy="742458"/>
+          </a:xfrm>
+          <a:prstGeom prst="bentConnector3">
+            <a:avLst>
+              <a:gd name="adj1" fmla="val 371"/>
+            </a:avLst>
+          </a:prstGeom>
+          <a:ln>
+            <a:tailEnd type="triangle"/>
+          </a:ln>
+        </p:spPr>
+        <p:style>
+          <a:lnRef idx="1">
+            <a:schemeClr val="dk1"/>
+          </a:lnRef>
+          <a:fillRef idx="0">
+            <a:schemeClr val="dk1"/>
+          </a:fillRef>
+          <a:effectRef idx="0">
+            <a:schemeClr val="dk1"/>
+          </a:effectRef>
+          <a:fontRef idx="minor">
+            <a:schemeClr val="tx1"/>
+          </a:fontRef>
+        </p:style>
+      </p:cxnSp>
+      <p:cxnSp>
+        <p:nvCxnSpPr>
+          <p:cNvPr id="13" name="Elbow Connector 12">
+            <a:extLst>
+              <a:ext uri="{FF2B5EF4-FFF2-40B4-BE49-F238E27FC236}">
+                <a16:creationId xmlns:a16="http://schemas.microsoft.com/office/drawing/2014/main" id="{E5D58D1D-90A0-9FBF-9560-CCDB9F88133A}"/>
+              </a:ext>
+            </a:extLst>
+          </p:cNvPr>
+          <p:cNvCxnSpPr>
+            <a:cxnSpLocks/>
+            <a:stCxn id="11" idx="2"/>
+          </p:cNvCxnSpPr>
+          <p:nvPr/>
+        </p:nvCxnSpPr>
+        <p:spPr>
+          <a:xfrm rot="16200000" flipH="1">
+            <a:off x="5522126" y="3991330"/>
+            <a:ext cx="774616" cy="1749496"/>
+          </a:xfrm>
+          <a:prstGeom prst="bentConnector2">
+            <a:avLst/>
+          </a:prstGeom>
+          <a:ln>
+            <a:tailEnd type="triangle"/>
+          </a:ln>
+        </p:spPr>
+        <p:style>
+          <a:lnRef idx="1">
+            <a:schemeClr val="dk1"/>
+          </a:lnRef>
+          <a:fillRef idx="0">
+            <a:schemeClr val="dk1"/>
+          </a:fillRef>
+          <a:effectRef idx="0">
+            <a:schemeClr val="dk1"/>
+          </a:effectRef>
+          <a:fontRef idx="minor">
+            <a:schemeClr val="tx1"/>
+          </a:fontRef>
+        </p:style>
+      </p:cxnSp>
     </p:spTree>
   </p:cSld>
   <p:clrMapOvr>
     <a:masterClrMapping/>
   </p:clrMapOvr>
+  <p:timing>
+    <p:tnLst>
+      <p:par>
+        <p:cTn id="1" dur="indefinite" restart="never" nodeType="tmRoot">
+          <p:childTnLst>
+            <p:seq concurrent="1" nextAc="seek">
+              <p:cTn id="2" dur="indefinite" nodeType="mainSeq">
+                <p:childTnLst>
+                  <p:par>
+                    <p:cTn id="3" fill="hold">
+                      <p:stCondLst>
+                        <p:cond delay="indefinite"/>
+                      </p:stCondLst>
+                      <p:childTnLst>
+                        <p:par>
+                          <p:cTn id="4" fill="hold">
+                            <p:stCondLst>
+                              <p:cond delay="0"/>
+                            </p:stCondLst>
+                            <p:childTnLst>
+                              <p:par>
+                                <p:cTn id="5" presetID="1" presetClass="entr" presetSubtype="0" fill="hold" grpId="0" nodeType="clickEffect">
+                                  <p:stCondLst>
+                                    <p:cond delay="0"/>
+                                  </p:stCondLst>
+                                  <p:childTnLst>
+                                    <p:set>
+                                      <p:cBhvr>
+                                        <p:cTn id="6" dur="1" fill="hold">
+                                          <p:stCondLst>
+                                            <p:cond delay="0"/>
+                                          </p:stCondLst>
+                                        </p:cTn>
+                                        <p:tgtEl>
+                                          <p:spTgt spid="6"/>
+                                        </p:tgtEl>
+                                        <p:attrNameLst>
+                                          <p:attrName>style.visibility</p:attrName>
+                                        </p:attrNameLst>
+                                      </p:cBhvr>
+                                      <p:to>
+                                        <p:strVal val="visible"/>
+                                      </p:to>
+                                    </p:set>
+                                  </p:childTnLst>
+                                </p:cTn>
+                              </p:par>
+                              <p:par>
+                                <p:cTn id="7" presetID="1" presetClass="entr" presetSubtype="0" fill="hold" nodeType="withEffect">
+                                  <p:stCondLst>
+                                    <p:cond delay="0"/>
+                                  </p:stCondLst>
+                                  <p:childTnLst>
+                                    <p:set>
+                                      <p:cBhvr>
+                                        <p:cTn id="8" dur="1" fill="hold">
+                                          <p:stCondLst>
+                                            <p:cond delay="0"/>
+                                          </p:stCondLst>
+                                        </p:cTn>
+                                        <p:tgtEl>
+                                          <p:spTgt spid="5"/>
+                                        </p:tgtEl>
+                                        <p:attrNameLst>
+                                          <p:attrName>style.visibility</p:attrName>
+                                        </p:attrNameLst>
+                                      </p:cBhvr>
+                                      <p:to>
+                                        <p:strVal val="visible"/>
+                                      </p:to>
+                                    </p:set>
+                                  </p:childTnLst>
+                                </p:cTn>
+                              </p:par>
+                              <p:par>
+                                <p:cTn id="9" presetID="1" presetClass="entr" presetSubtype="0" fill="hold" grpId="0" nodeType="withEffect">
+                                  <p:stCondLst>
+                                    <p:cond delay="0"/>
+                                  </p:stCondLst>
+                                  <p:childTnLst>
+                                    <p:set>
+                                      <p:cBhvr>
+                                        <p:cTn id="10" dur="1" fill="hold">
+                                          <p:stCondLst>
+                                            <p:cond delay="0"/>
+                                          </p:stCondLst>
+                                        </p:cTn>
+                                        <p:tgtEl>
+                                          <p:spTgt spid="3"/>
+                                        </p:tgtEl>
+                                        <p:attrNameLst>
+                                          <p:attrName>style.visibility</p:attrName>
+                                        </p:attrNameLst>
+                                      </p:cBhvr>
+                                      <p:to>
+                                        <p:strVal val="visible"/>
+                                      </p:to>
+                                    </p:set>
+                                  </p:childTnLst>
+                                </p:cTn>
+                              </p:par>
+                              <p:par>
+                                <p:cTn id="11" presetID="1" presetClass="entr" presetSubtype="0" fill="hold" grpId="0" nodeType="withEffect">
+                                  <p:stCondLst>
+                                    <p:cond delay="0"/>
+                                  </p:stCondLst>
+                                  <p:childTnLst>
+                                    <p:set>
+                                      <p:cBhvr>
+                                        <p:cTn id="12" dur="1" fill="hold">
+                                          <p:stCondLst>
+                                            <p:cond delay="0"/>
+                                          </p:stCondLst>
+                                        </p:cTn>
+                                        <p:tgtEl>
+                                          <p:spTgt spid="243"/>
+                                        </p:tgtEl>
+                                        <p:attrNameLst>
+                                          <p:attrName>style.visibility</p:attrName>
+                                        </p:attrNameLst>
+                                      </p:cBhvr>
+                                      <p:to>
+                                        <p:strVal val="visible"/>
+                                      </p:to>
+                                    </p:set>
+                                  </p:childTnLst>
+                                </p:cTn>
+                              </p:par>
+                              <p:par>
+                                <p:cTn id="13" presetID="1" presetClass="entr" presetSubtype="0" fill="hold" nodeType="withEffect">
+                                  <p:stCondLst>
+                                    <p:cond delay="0"/>
+                                  </p:stCondLst>
+                                  <p:childTnLst>
+                                    <p:set>
+                                      <p:cBhvr>
+                                        <p:cTn id="14" dur="1" fill="hold">
+                                          <p:stCondLst>
+                                            <p:cond delay="0"/>
+                                          </p:stCondLst>
+                                        </p:cTn>
+                                        <p:tgtEl>
+                                          <p:spTgt spid="9"/>
+                                        </p:tgtEl>
+                                        <p:attrNameLst>
+                                          <p:attrName>style.visibility</p:attrName>
+                                        </p:attrNameLst>
+                                      </p:cBhvr>
+                                      <p:to>
+                                        <p:strVal val="visible"/>
+                                      </p:to>
+                                    </p:set>
+                                  </p:childTnLst>
+                                </p:cTn>
+                              </p:par>
+                              <p:par>
+                                <p:cTn id="15" presetID="1" presetClass="entr" presetSubtype="0" fill="hold" nodeType="withEffect">
+                                  <p:stCondLst>
+                                    <p:cond delay="0"/>
+                                  </p:stCondLst>
+                                  <p:childTnLst>
+                                    <p:set>
+                                      <p:cBhvr>
+                                        <p:cTn id="16" dur="1" fill="hold">
+                                          <p:stCondLst>
+                                            <p:cond delay="0"/>
+                                          </p:stCondLst>
+                                        </p:cTn>
+                                        <p:tgtEl>
+                                          <p:spTgt spid="8"/>
+                                        </p:tgtEl>
+                                        <p:attrNameLst>
+                                          <p:attrName>style.visibility</p:attrName>
+                                        </p:attrNameLst>
+                                      </p:cBhvr>
+                                      <p:to>
+                                        <p:strVal val="visible"/>
+                                      </p:to>
+                                    </p:set>
+                                  </p:childTnLst>
+                                </p:cTn>
+                              </p:par>
+                            </p:childTnLst>
+                          </p:cTn>
+                        </p:par>
+                      </p:childTnLst>
+                    </p:cTn>
+                  </p:par>
+                  <p:par>
+                    <p:cTn id="17" fill="hold">
+                      <p:stCondLst>
+                        <p:cond delay="indefinite"/>
+                      </p:stCondLst>
+                      <p:childTnLst>
+                        <p:par>
+                          <p:cTn id="18" fill="hold">
+                            <p:stCondLst>
+                              <p:cond delay="0"/>
+                            </p:stCondLst>
+                            <p:childTnLst>
+                              <p:par>
+                                <p:cTn id="19" presetID="1" presetClass="entr" presetSubtype="0" fill="hold" grpId="0" nodeType="clickEffect">
+                                  <p:stCondLst>
+                                    <p:cond delay="0"/>
+                                  </p:stCondLst>
+                                  <p:childTnLst>
+                                    <p:set>
+                                      <p:cBhvr>
+                                        <p:cTn id="20" dur="1" fill="hold">
+                                          <p:stCondLst>
+                                            <p:cond delay="0"/>
+                                          </p:stCondLst>
+                                        </p:cTn>
+                                        <p:tgtEl>
+                                          <p:spTgt spid="10"/>
+                                        </p:tgtEl>
+                                        <p:attrNameLst>
+                                          <p:attrName>style.visibility</p:attrName>
+                                        </p:attrNameLst>
+                                      </p:cBhvr>
+                                      <p:to>
+                                        <p:strVal val="visible"/>
+                                      </p:to>
+                                    </p:set>
+                                  </p:childTnLst>
+                                </p:cTn>
+                              </p:par>
+                              <p:par>
+                                <p:cTn id="21" presetID="1" presetClass="entr" presetSubtype="0" fill="hold" nodeType="withEffect">
+                                  <p:stCondLst>
+                                    <p:cond delay="0"/>
+                                  </p:stCondLst>
+                                  <p:childTnLst>
+                                    <p:set>
+                                      <p:cBhvr>
+                                        <p:cTn id="22" dur="1" fill="hold">
+                                          <p:stCondLst>
+                                            <p:cond delay="0"/>
+                                          </p:stCondLst>
+                                        </p:cTn>
+                                        <p:tgtEl>
+                                          <p:spTgt spid="12"/>
+                                        </p:tgtEl>
+                                        <p:attrNameLst>
+                                          <p:attrName>style.visibility</p:attrName>
+                                        </p:attrNameLst>
+                                      </p:cBhvr>
+                                      <p:to>
+                                        <p:strVal val="visible"/>
+                                      </p:to>
+                                    </p:set>
+                                  </p:childTnLst>
+                                </p:cTn>
+                              </p:par>
+                              <p:par>
+                                <p:cTn id="23" presetID="1" presetClass="entr" presetSubtype="0" fill="hold" grpId="0" nodeType="withEffect">
+                                  <p:stCondLst>
+                                    <p:cond delay="0"/>
+                                  </p:stCondLst>
+                                  <p:childTnLst>
+                                    <p:set>
+                                      <p:cBhvr>
+                                        <p:cTn id="24" dur="1" fill="hold">
+                                          <p:stCondLst>
+                                            <p:cond delay="0"/>
+                                          </p:stCondLst>
+                                        </p:cTn>
+                                        <p:tgtEl>
+                                          <p:spTgt spid="11"/>
+                                        </p:tgtEl>
+                                        <p:attrNameLst>
+                                          <p:attrName>style.visibility</p:attrName>
+                                        </p:attrNameLst>
+                                      </p:cBhvr>
+                                      <p:to>
+                                        <p:strVal val="visible"/>
+                                      </p:to>
+                                    </p:set>
+                                  </p:childTnLst>
+                                </p:cTn>
+                              </p:par>
+                              <p:par>
+                                <p:cTn id="25" presetID="1" presetClass="entr" presetSubtype="0" fill="hold" grpId="0" nodeType="withEffect">
+                                  <p:stCondLst>
+                                    <p:cond delay="0"/>
+                                  </p:stCondLst>
+                                  <p:childTnLst>
+                                    <p:set>
+                                      <p:cBhvr>
+                                        <p:cTn id="26" dur="1" fill="hold">
+                                          <p:stCondLst>
+                                            <p:cond delay="0"/>
+                                          </p:stCondLst>
+                                        </p:cTn>
+                                        <p:tgtEl>
+                                          <p:spTgt spid="242"/>
+                                        </p:tgtEl>
+                                        <p:attrNameLst>
+                                          <p:attrName>style.visibility</p:attrName>
+                                        </p:attrNameLst>
+                                      </p:cBhvr>
+                                      <p:to>
+                                        <p:strVal val="visible"/>
+                                      </p:to>
+                                    </p:set>
+                                  </p:childTnLst>
+                                </p:cTn>
+                              </p:par>
+                              <p:par>
+                                <p:cTn id="27" presetID="1" presetClass="entr" presetSubtype="0" fill="hold" nodeType="withEffect">
+                                  <p:stCondLst>
+                                    <p:cond delay="0"/>
+                                  </p:stCondLst>
+                                  <p:childTnLst>
+                                    <p:set>
+                                      <p:cBhvr>
+                                        <p:cTn id="28" dur="1" fill="hold">
+                                          <p:stCondLst>
+                                            <p:cond delay="0"/>
+                                          </p:stCondLst>
+                                        </p:cTn>
+                                        <p:tgtEl>
+                                          <p:spTgt spid="13"/>
+                                        </p:tgtEl>
+                                        <p:attrNameLst>
+                                          <p:attrName>style.visibility</p:attrName>
+                                        </p:attrNameLst>
+                                      </p:cBhvr>
+                                      <p:to>
+                                        <p:strVal val="visible"/>
+                                      </p:to>
+                                    </p:set>
+                                  </p:childTnLst>
+                                </p:cTn>
+                              </p:par>
+                            </p:childTnLst>
+                          </p:cTn>
+                        </p:par>
+                      </p:childTnLst>
+                    </p:cTn>
+                  </p:par>
+                </p:childTnLst>
+              </p:cTn>
+              <p:prevCondLst>
+                <p:cond evt="onPrev" delay="0">
+                  <p:tgtEl>
+                    <p:sldTgt/>
+                  </p:tgtEl>
+                </p:cond>
+              </p:prevCondLst>
+              <p:nextCondLst>
+                <p:cond evt="onNext" delay="0">
+                  <p:tgtEl>
+                    <p:sldTgt/>
+                  </p:tgtEl>
+                </p:cond>
+              </p:nextCondLst>
+            </p:seq>
+          </p:childTnLst>
+        </p:cTn>
+      </p:par>
+    </p:tnLst>
+    <p:bldLst>
+      <p:bldP spid="242" grpId="0" animBg="1"/>
+      <p:bldP spid="243" grpId="0" animBg="1"/>
+      <p:bldP spid="3" grpId="0" animBg="1"/>
+      <p:bldP spid="6" grpId="0"/>
+      <p:bldP spid="10" grpId="0"/>
+      <p:bldP spid="11" grpId="0" animBg="1"/>
+    </p:bldLst>
+  </p:timing>
 </p:sld>
 </file>
 
@@ -19809,29 +21848,6 @@
           </a:p>
         </p:txBody>
       </p:sp>
-      <p:pic>
-        <p:nvPicPr>
-          <p:cNvPr id="245" name="Picture 9_0" descr="flowchart_chained_conditional.png"/>
-          <p:cNvPicPr/>
-          <p:nvPr/>
-        </p:nvPicPr>
-        <p:blipFill>
-          <a:blip r:embed="rId2"/>
-          <a:stretch/>
-        </p:blipFill>
-        <p:spPr>
-          <a:xfrm>
-            <a:off x="4608000" y="2274120"/>
-            <a:ext cx="3294360" cy="3237120"/>
-          </a:xfrm>
-          <a:prstGeom prst="rect">
-            <a:avLst/>
-          </a:prstGeom>
-          <a:ln>
-            <a:noFill/>
-          </a:ln>
-        </p:spPr>
-      </p:pic>
       <p:sp>
         <p:nvSpPr>
           <p:cNvPr id="246" name="CustomShape 2"/>
@@ -20358,11 +22374,1318 @@
           </a:p>
         </p:txBody>
       </p:sp>
+      <p:sp>
+        <p:nvSpPr>
+          <p:cNvPr id="2" name="Decision 1">
+            <a:extLst>
+              <a:ext uri="{FF2B5EF4-FFF2-40B4-BE49-F238E27FC236}">
+                <a16:creationId xmlns:a16="http://schemas.microsoft.com/office/drawing/2014/main" id="{111405FD-9846-3D4D-A348-4BF0DC04BFD1}"/>
+              </a:ext>
+            </a:extLst>
+          </p:cNvPr>
+          <p:cNvSpPr/>
+          <p:nvPr/>
+        </p:nvSpPr>
+        <p:spPr>
+          <a:xfrm>
+            <a:off x="4728579" y="2503789"/>
+            <a:ext cx="1160060" cy="469459"/>
+          </a:xfrm>
+          <a:prstGeom prst="flowChartDecision">
+            <a:avLst/>
+          </a:prstGeom>
+        </p:spPr>
+        <p:style>
+          <a:lnRef idx="2">
+            <a:schemeClr val="accent1">
+              <a:shade val="15000"/>
+            </a:schemeClr>
+          </a:lnRef>
+          <a:fillRef idx="1">
+            <a:schemeClr val="accent1"/>
+          </a:fillRef>
+          <a:effectRef idx="0">
+            <a:schemeClr val="accent1"/>
+          </a:effectRef>
+          <a:fontRef idx="minor">
+            <a:schemeClr val="lt1"/>
+          </a:fontRef>
+        </p:style>
+        <p:txBody>
+          <a:bodyPr rtlCol="0" anchor="ctr"/>
+          <a:lstStyle/>
+          <a:p>
+            <a:pPr algn="ctr"/>
+            <a:r>
+              <a:rPr lang="en-US" sz="1400" dirty="0"/>
+              <a:t>x &lt; y</a:t>
+            </a:r>
+          </a:p>
+        </p:txBody>
+      </p:sp>
+      <p:sp>
+        <p:nvSpPr>
+          <p:cNvPr id="3" name="Decision 2">
+            <a:extLst>
+              <a:ext uri="{FF2B5EF4-FFF2-40B4-BE49-F238E27FC236}">
+                <a16:creationId xmlns:a16="http://schemas.microsoft.com/office/drawing/2014/main" id="{7280B5BE-3263-FB6D-24D2-DCB538E2D876}"/>
+              </a:ext>
+            </a:extLst>
+          </p:cNvPr>
+          <p:cNvSpPr/>
+          <p:nvPr/>
+        </p:nvSpPr>
+        <p:spPr>
+          <a:xfrm>
+            <a:off x="4728579" y="3508729"/>
+            <a:ext cx="1160060" cy="469459"/>
+          </a:xfrm>
+          <a:prstGeom prst="flowChartDecision">
+            <a:avLst/>
+          </a:prstGeom>
+        </p:spPr>
+        <p:style>
+          <a:lnRef idx="2">
+            <a:schemeClr val="accent1">
+              <a:shade val="15000"/>
+            </a:schemeClr>
+          </a:lnRef>
+          <a:fillRef idx="1">
+            <a:schemeClr val="accent1"/>
+          </a:fillRef>
+          <a:effectRef idx="0">
+            <a:schemeClr val="accent1"/>
+          </a:effectRef>
+          <a:fontRef idx="minor">
+            <a:schemeClr val="lt1"/>
+          </a:fontRef>
+        </p:style>
+        <p:txBody>
+          <a:bodyPr rtlCol="0" anchor="ctr"/>
+          <a:lstStyle/>
+          <a:p>
+            <a:pPr algn="ctr"/>
+            <a:r>
+              <a:rPr lang="en-US" sz="1400" dirty="0"/>
+              <a:t>x &gt; y</a:t>
+            </a:r>
+          </a:p>
+        </p:txBody>
+      </p:sp>
+      <p:sp>
+        <p:nvSpPr>
+          <p:cNvPr id="4" name="Process 3">
+            <a:extLst>
+              <a:ext uri="{FF2B5EF4-FFF2-40B4-BE49-F238E27FC236}">
+                <a16:creationId xmlns:a16="http://schemas.microsoft.com/office/drawing/2014/main" id="{E6C066FD-5FF0-4F85-6D37-0F7D526A2FA2}"/>
+              </a:ext>
+            </a:extLst>
+          </p:cNvPr>
+          <p:cNvSpPr/>
+          <p:nvPr/>
+        </p:nvSpPr>
+        <p:spPr>
+          <a:xfrm>
+            <a:off x="4728579" y="4513669"/>
+            <a:ext cx="1160060" cy="464024"/>
+          </a:xfrm>
+          <a:prstGeom prst="flowChartProcess">
+            <a:avLst/>
+          </a:prstGeom>
+        </p:spPr>
+        <p:style>
+          <a:lnRef idx="2">
+            <a:schemeClr val="accent1">
+              <a:shade val="15000"/>
+            </a:schemeClr>
+          </a:lnRef>
+          <a:fillRef idx="1">
+            <a:schemeClr val="accent1"/>
+          </a:fillRef>
+          <a:effectRef idx="0">
+            <a:schemeClr val="accent1"/>
+          </a:effectRef>
+          <a:fontRef idx="minor">
+            <a:schemeClr val="lt1"/>
+          </a:fontRef>
+        </p:style>
+        <p:txBody>
+          <a:bodyPr rtlCol="0" anchor="ctr"/>
+          <a:lstStyle/>
+          <a:p>
+            <a:pPr algn="ctr"/>
+            <a:r>
+              <a:rPr lang="en-US" sz="1200" dirty="0" err="1"/>
+              <a:t>Statements_c</a:t>
+            </a:r>
+            <a:endParaRPr lang="en-US" sz="1200" dirty="0"/>
+          </a:p>
+        </p:txBody>
+      </p:sp>
+      <p:sp>
+        <p:nvSpPr>
+          <p:cNvPr id="6" name="Process 5">
+            <a:extLst>
+              <a:ext uri="{FF2B5EF4-FFF2-40B4-BE49-F238E27FC236}">
+                <a16:creationId xmlns:a16="http://schemas.microsoft.com/office/drawing/2014/main" id="{967A144A-61CD-8AFF-8BD1-467357D1B224}"/>
+              </a:ext>
+            </a:extLst>
+          </p:cNvPr>
+          <p:cNvSpPr/>
+          <p:nvPr/>
+        </p:nvSpPr>
+        <p:spPr>
+          <a:xfrm>
+            <a:off x="6273051" y="3514164"/>
+            <a:ext cx="1160060" cy="464024"/>
+          </a:xfrm>
+          <a:prstGeom prst="flowChartProcess">
+            <a:avLst/>
+          </a:prstGeom>
+        </p:spPr>
+        <p:style>
+          <a:lnRef idx="2">
+            <a:schemeClr val="accent1">
+              <a:shade val="15000"/>
+            </a:schemeClr>
+          </a:lnRef>
+          <a:fillRef idx="1">
+            <a:schemeClr val="accent1"/>
+          </a:fillRef>
+          <a:effectRef idx="0">
+            <a:schemeClr val="accent1"/>
+          </a:effectRef>
+          <a:fontRef idx="minor">
+            <a:schemeClr val="lt1"/>
+          </a:fontRef>
+        </p:style>
+        <p:txBody>
+          <a:bodyPr rtlCol="0" anchor="ctr"/>
+          <a:lstStyle/>
+          <a:p>
+            <a:pPr algn="ctr"/>
+            <a:r>
+              <a:rPr lang="en-US" sz="1200" dirty="0" err="1"/>
+              <a:t>Statements_b</a:t>
+            </a:r>
+            <a:endParaRPr lang="en-US" sz="1200" dirty="0"/>
+          </a:p>
+        </p:txBody>
+      </p:sp>
+      <p:sp>
+        <p:nvSpPr>
+          <p:cNvPr id="7" name="Process 6">
+            <a:extLst>
+              <a:ext uri="{FF2B5EF4-FFF2-40B4-BE49-F238E27FC236}">
+                <a16:creationId xmlns:a16="http://schemas.microsoft.com/office/drawing/2014/main" id="{2BFC06A4-BE16-905C-441D-98F1EFC3A0CA}"/>
+              </a:ext>
+            </a:extLst>
+          </p:cNvPr>
+          <p:cNvSpPr/>
+          <p:nvPr/>
+        </p:nvSpPr>
+        <p:spPr>
+          <a:xfrm>
+            <a:off x="7830893" y="2503789"/>
+            <a:ext cx="1160060" cy="464024"/>
+          </a:xfrm>
+          <a:prstGeom prst="flowChartProcess">
+            <a:avLst/>
+          </a:prstGeom>
+        </p:spPr>
+        <p:style>
+          <a:lnRef idx="2">
+            <a:schemeClr val="accent1">
+              <a:shade val="15000"/>
+            </a:schemeClr>
+          </a:lnRef>
+          <a:fillRef idx="1">
+            <a:schemeClr val="accent1"/>
+          </a:fillRef>
+          <a:effectRef idx="0">
+            <a:schemeClr val="accent1"/>
+          </a:effectRef>
+          <a:fontRef idx="minor">
+            <a:schemeClr val="lt1"/>
+          </a:fontRef>
+        </p:style>
+        <p:txBody>
+          <a:bodyPr rtlCol="0" anchor="ctr"/>
+          <a:lstStyle/>
+          <a:p>
+            <a:pPr algn="ctr"/>
+            <a:r>
+              <a:rPr lang="en-US" sz="1200" dirty="0" err="1"/>
+              <a:t>Statements_a</a:t>
+            </a:r>
+            <a:endParaRPr lang="en-US" sz="1200" dirty="0"/>
+          </a:p>
+        </p:txBody>
+      </p:sp>
+      <p:cxnSp>
+        <p:nvCxnSpPr>
+          <p:cNvPr id="9" name="Straight Arrow Connector 8">
+            <a:extLst>
+              <a:ext uri="{FF2B5EF4-FFF2-40B4-BE49-F238E27FC236}">
+                <a16:creationId xmlns:a16="http://schemas.microsoft.com/office/drawing/2014/main" id="{AF50A5CE-1508-3D2B-187D-A9B7CAD73810}"/>
+              </a:ext>
+            </a:extLst>
+          </p:cNvPr>
+          <p:cNvCxnSpPr>
+            <a:cxnSpLocks/>
+            <a:endCxn id="2" idx="0"/>
+          </p:cNvCxnSpPr>
+          <p:nvPr/>
+        </p:nvCxnSpPr>
+        <p:spPr>
+          <a:xfrm>
+            <a:off x="5308609" y="2139480"/>
+            <a:ext cx="0" cy="364309"/>
+          </a:xfrm>
+          <a:prstGeom prst="straightConnector1">
+            <a:avLst/>
+          </a:prstGeom>
+          <a:ln>
+            <a:tailEnd type="triangle"/>
+          </a:ln>
+        </p:spPr>
+        <p:style>
+          <a:lnRef idx="1">
+            <a:schemeClr val="dk1"/>
+          </a:lnRef>
+          <a:fillRef idx="0">
+            <a:schemeClr val="dk1"/>
+          </a:fillRef>
+          <a:effectRef idx="0">
+            <a:schemeClr val="dk1"/>
+          </a:effectRef>
+          <a:fontRef idx="minor">
+            <a:schemeClr val="tx1"/>
+          </a:fontRef>
+        </p:style>
+      </p:cxnSp>
+      <p:cxnSp>
+        <p:nvCxnSpPr>
+          <p:cNvPr id="12" name="Straight Arrow Connector 11">
+            <a:extLst>
+              <a:ext uri="{FF2B5EF4-FFF2-40B4-BE49-F238E27FC236}">
+                <a16:creationId xmlns:a16="http://schemas.microsoft.com/office/drawing/2014/main" id="{3308AB87-63D1-E2D6-4884-D545A6AB172D}"/>
+              </a:ext>
+            </a:extLst>
+          </p:cNvPr>
+          <p:cNvCxnSpPr>
+            <a:endCxn id="7" idx="1"/>
+          </p:cNvCxnSpPr>
+          <p:nvPr/>
+        </p:nvCxnSpPr>
+        <p:spPr>
+          <a:xfrm>
+            <a:off x="5888639" y="2735801"/>
+            <a:ext cx="1942254" cy="0"/>
+          </a:xfrm>
+          <a:prstGeom prst="straightConnector1">
+            <a:avLst/>
+          </a:prstGeom>
+          <a:ln>
+            <a:tailEnd type="triangle"/>
+          </a:ln>
+        </p:spPr>
+        <p:style>
+          <a:lnRef idx="1">
+            <a:schemeClr val="dk1"/>
+          </a:lnRef>
+          <a:fillRef idx="0">
+            <a:schemeClr val="dk1"/>
+          </a:fillRef>
+          <a:effectRef idx="0">
+            <a:schemeClr val="dk1"/>
+          </a:effectRef>
+          <a:fontRef idx="minor">
+            <a:schemeClr val="tx1"/>
+          </a:fontRef>
+        </p:style>
+      </p:cxnSp>
+      <p:cxnSp>
+        <p:nvCxnSpPr>
+          <p:cNvPr id="14" name="Straight Arrow Connector 13">
+            <a:extLst>
+              <a:ext uri="{FF2B5EF4-FFF2-40B4-BE49-F238E27FC236}">
+                <a16:creationId xmlns:a16="http://schemas.microsoft.com/office/drawing/2014/main" id="{859E68A9-E405-8AA7-270B-4293EA907089}"/>
+              </a:ext>
+            </a:extLst>
+          </p:cNvPr>
+          <p:cNvCxnSpPr>
+            <a:stCxn id="3" idx="3"/>
+            <a:endCxn id="6" idx="1"/>
+          </p:cNvCxnSpPr>
+          <p:nvPr/>
+        </p:nvCxnSpPr>
+        <p:spPr>
+          <a:xfrm>
+            <a:off x="5888639" y="3743459"/>
+            <a:ext cx="384412" cy="2717"/>
+          </a:xfrm>
+          <a:prstGeom prst="straightConnector1">
+            <a:avLst/>
+          </a:prstGeom>
+          <a:ln>
+            <a:tailEnd type="triangle"/>
+          </a:ln>
+        </p:spPr>
+        <p:style>
+          <a:lnRef idx="1">
+            <a:schemeClr val="dk1"/>
+          </a:lnRef>
+          <a:fillRef idx="0">
+            <a:schemeClr val="dk1"/>
+          </a:fillRef>
+          <a:effectRef idx="0">
+            <a:schemeClr val="dk1"/>
+          </a:effectRef>
+          <a:fontRef idx="minor">
+            <a:schemeClr val="tx1"/>
+          </a:fontRef>
+        </p:style>
+      </p:cxnSp>
+      <p:cxnSp>
+        <p:nvCxnSpPr>
+          <p:cNvPr id="16" name="Straight Arrow Connector 15">
+            <a:extLst>
+              <a:ext uri="{FF2B5EF4-FFF2-40B4-BE49-F238E27FC236}">
+                <a16:creationId xmlns:a16="http://schemas.microsoft.com/office/drawing/2014/main" id="{7A25F485-ED86-9640-734D-F5966928BD36}"/>
+              </a:ext>
+            </a:extLst>
+          </p:cNvPr>
+          <p:cNvCxnSpPr>
+            <a:stCxn id="2" idx="2"/>
+            <a:endCxn id="3" idx="0"/>
+          </p:cNvCxnSpPr>
+          <p:nvPr/>
+        </p:nvCxnSpPr>
+        <p:spPr>
+          <a:xfrm>
+            <a:off x="5308609" y="2973248"/>
+            <a:ext cx="0" cy="535481"/>
+          </a:xfrm>
+          <a:prstGeom prst="straightConnector1">
+            <a:avLst/>
+          </a:prstGeom>
+          <a:ln>
+            <a:tailEnd type="triangle"/>
+          </a:ln>
+        </p:spPr>
+        <p:style>
+          <a:lnRef idx="1">
+            <a:schemeClr val="dk1"/>
+          </a:lnRef>
+          <a:fillRef idx="0">
+            <a:schemeClr val="dk1"/>
+          </a:fillRef>
+          <a:effectRef idx="0">
+            <a:schemeClr val="dk1"/>
+          </a:effectRef>
+          <a:fontRef idx="minor">
+            <a:schemeClr val="tx1"/>
+          </a:fontRef>
+        </p:style>
+      </p:cxnSp>
+      <p:cxnSp>
+        <p:nvCxnSpPr>
+          <p:cNvPr id="18" name="Straight Arrow Connector 17">
+            <a:extLst>
+              <a:ext uri="{FF2B5EF4-FFF2-40B4-BE49-F238E27FC236}">
+                <a16:creationId xmlns:a16="http://schemas.microsoft.com/office/drawing/2014/main" id="{E35C09D1-32DD-1E0D-BAEE-C91892C2DE2F}"/>
+              </a:ext>
+            </a:extLst>
+          </p:cNvPr>
+          <p:cNvCxnSpPr>
+            <a:stCxn id="3" idx="2"/>
+            <a:endCxn id="4" idx="0"/>
+          </p:cNvCxnSpPr>
+          <p:nvPr/>
+        </p:nvCxnSpPr>
+        <p:spPr>
+          <a:xfrm>
+            <a:off x="5308609" y="3978188"/>
+            <a:ext cx="0" cy="535481"/>
+          </a:xfrm>
+          <a:prstGeom prst="straightConnector1">
+            <a:avLst/>
+          </a:prstGeom>
+          <a:ln>
+            <a:tailEnd type="triangle"/>
+          </a:ln>
+        </p:spPr>
+        <p:style>
+          <a:lnRef idx="1">
+            <a:schemeClr val="dk1"/>
+          </a:lnRef>
+          <a:fillRef idx="0">
+            <a:schemeClr val="dk1"/>
+          </a:fillRef>
+          <a:effectRef idx="0">
+            <a:schemeClr val="dk1"/>
+          </a:effectRef>
+          <a:fontRef idx="minor">
+            <a:schemeClr val="tx1"/>
+          </a:fontRef>
+        </p:style>
+      </p:cxnSp>
+      <p:cxnSp>
+        <p:nvCxnSpPr>
+          <p:cNvPr id="20" name="Straight Arrow Connector 19">
+            <a:extLst>
+              <a:ext uri="{FF2B5EF4-FFF2-40B4-BE49-F238E27FC236}">
+                <a16:creationId xmlns:a16="http://schemas.microsoft.com/office/drawing/2014/main" id="{EAEF57AA-DD4F-540E-F046-0DE171EFB6ED}"/>
+              </a:ext>
+            </a:extLst>
+          </p:cNvPr>
+          <p:cNvCxnSpPr>
+            <a:stCxn id="4" idx="2"/>
+          </p:cNvCxnSpPr>
+          <p:nvPr/>
+        </p:nvCxnSpPr>
+        <p:spPr>
+          <a:xfrm>
+            <a:off x="5308609" y="4977693"/>
+            <a:ext cx="0" cy="435447"/>
+          </a:xfrm>
+          <a:prstGeom prst="straightConnector1">
+            <a:avLst/>
+          </a:prstGeom>
+          <a:ln>
+            <a:tailEnd type="triangle"/>
+          </a:ln>
+        </p:spPr>
+        <p:style>
+          <a:lnRef idx="1">
+            <a:schemeClr val="dk1"/>
+          </a:lnRef>
+          <a:fillRef idx="0">
+            <a:schemeClr val="dk1"/>
+          </a:fillRef>
+          <a:effectRef idx="0">
+            <a:schemeClr val="dk1"/>
+          </a:effectRef>
+          <a:fontRef idx="minor">
+            <a:schemeClr val="tx1"/>
+          </a:fontRef>
+        </p:style>
+      </p:cxnSp>
+      <p:cxnSp>
+        <p:nvCxnSpPr>
+          <p:cNvPr id="22" name="Straight Arrow Connector 21">
+            <a:extLst>
+              <a:ext uri="{FF2B5EF4-FFF2-40B4-BE49-F238E27FC236}">
+                <a16:creationId xmlns:a16="http://schemas.microsoft.com/office/drawing/2014/main" id="{D219B9E1-98F4-B627-1037-002A4B892556}"/>
+              </a:ext>
+            </a:extLst>
+          </p:cNvPr>
+          <p:cNvCxnSpPr/>
+          <p:nvPr/>
+        </p:nvCxnSpPr>
+        <p:spPr>
+          <a:xfrm>
+            <a:off x="5308609" y="5413140"/>
+            <a:ext cx="0" cy="496341"/>
+          </a:xfrm>
+          <a:prstGeom prst="straightConnector1">
+            <a:avLst/>
+          </a:prstGeom>
+          <a:ln>
+            <a:tailEnd type="triangle"/>
+          </a:ln>
+        </p:spPr>
+        <p:style>
+          <a:lnRef idx="1">
+            <a:schemeClr val="dk1"/>
+          </a:lnRef>
+          <a:fillRef idx="0">
+            <a:schemeClr val="dk1"/>
+          </a:fillRef>
+          <a:effectRef idx="0">
+            <a:schemeClr val="dk1"/>
+          </a:effectRef>
+          <a:fontRef idx="minor">
+            <a:schemeClr val="tx1"/>
+          </a:fontRef>
+        </p:style>
+      </p:cxnSp>
+      <p:cxnSp>
+        <p:nvCxnSpPr>
+          <p:cNvPr id="24" name="Elbow Connector 23">
+            <a:extLst>
+              <a:ext uri="{FF2B5EF4-FFF2-40B4-BE49-F238E27FC236}">
+                <a16:creationId xmlns:a16="http://schemas.microsoft.com/office/drawing/2014/main" id="{D4D26C92-35E2-2B33-7EDA-33FAAF2F65CB}"/>
+              </a:ext>
+            </a:extLst>
+          </p:cNvPr>
+          <p:cNvCxnSpPr>
+            <a:stCxn id="7" idx="2"/>
+          </p:cNvCxnSpPr>
+          <p:nvPr/>
+        </p:nvCxnSpPr>
+        <p:spPr>
+          <a:xfrm rot="5400000">
+            <a:off x="5637103" y="2639319"/>
+            <a:ext cx="2445327" cy="3102314"/>
+          </a:xfrm>
+          <a:prstGeom prst="bentConnector2">
+            <a:avLst/>
+          </a:prstGeom>
+          <a:ln>
+            <a:tailEnd type="triangle"/>
+          </a:ln>
+        </p:spPr>
+        <p:style>
+          <a:lnRef idx="1">
+            <a:schemeClr val="dk1"/>
+          </a:lnRef>
+          <a:fillRef idx="0">
+            <a:schemeClr val="dk1"/>
+          </a:fillRef>
+          <a:effectRef idx="0">
+            <a:schemeClr val="dk1"/>
+          </a:effectRef>
+          <a:fontRef idx="minor">
+            <a:schemeClr val="tx1"/>
+          </a:fontRef>
+        </p:style>
+      </p:cxnSp>
+      <p:cxnSp>
+        <p:nvCxnSpPr>
+          <p:cNvPr id="26" name="Elbow Connector 25">
+            <a:extLst>
+              <a:ext uri="{FF2B5EF4-FFF2-40B4-BE49-F238E27FC236}">
+                <a16:creationId xmlns:a16="http://schemas.microsoft.com/office/drawing/2014/main" id="{507CD874-F511-9D29-CADD-61A0BD520EE0}"/>
+              </a:ext>
+            </a:extLst>
+          </p:cNvPr>
+          <p:cNvCxnSpPr>
+            <a:stCxn id="6" idx="2"/>
+          </p:cNvCxnSpPr>
+          <p:nvPr/>
+        </p:nvCxnSpPr>
+        <p:spPr>
+          <a:xfrm rot="5400000">
+            <a:off x="5363369" y="3923428"/>
+            <a:ext cx="1434952" cy="1544472"/>
+          </a:xfrm>
+          <a:prstGeom prst="bentConnector2">
+            <a:avLst/>
+          </a:prstGeom>
+          <a:ln>
+            <a:tailEnd type="triangle"/>
+          </a:ln>
+        </p:spPr>
+        <p:style>
+          <a:lnRef idx="1">
+            <a:schemeClr val="dk1"/>
+          </a:lnRef>
+          <a:fillRef idx="0">
+            <a:schemeClr val="dk1"/>
+          </a:fillRef>
+          <a:effectRef idx="0">
+            <a:schemeClr val="dk1"/>
+          </a:effectRef>
+          <a:fontRef idx="minor">
+            <a:schemeClr val="tx1"/>
+          </a:fontRef>
+        </p:style>
+      </p:cxnSp>
+      <p:sp>
+        <p:nvSpPr>
+          <p:cNvPr id="27" name="TextBox 26">
+            <a:extLst>
+              <a:ext uri="{FF2B5EF4-FFF2-40B4-BE49-F238E27FC236}">
+                <a16:creationId xmlns:a16="http://schemas.microsoft.com/office/drawing/2014/main" id="{FF259007-E514-0D10-4C9A-FEC0D779FD30}"/>
+              </a:ext>
+            </a:extLst>
+          </p:cNvPr>
+          <p:cNvSpPr txBox="1"/>
+          <p:nvPr/>
+        </p:nvSpPr>
+        <p:spPr>
+          <a:xfrm>
+            <a:off x="6273051" y="2381010"/>
+            <a:ext cx="830469" cy="307777"/>
+          </a:xfrm>
+          <a:prstGeom prst="rect">
+            <a:avLst/>
+          </a:prstGeom>
+          <a:noFill/>
+        </p:spPr>
+        <p:txBody>
+          <a:bodyPr wrap="square" rtlCol="0">
+            <a:spAutoFit/>
+          </a:bodyPr>
+          <a:lstStyle/>
+          <a:p>
+            <a:pPr algn="ctr"/>
+            <a:r>
+              <a:rPr lang="en-US" sz="1400" dirty="0"/>
+              <a:t>TRUE</a:t>
+            </a:r>
+          </a:p>
+        </p:txBody>
+      </p:sp>
+      <p:sp>
+        <p:nvSpPr>
+          <p:cNvPr id="28" name="TextBox 27">
+            <a:extLst>
+              <a:ext uri="{FF2B5EF4-FFF2-40B4-BE49-F238E27FC236}">
+                <a16:creationId xmlns:a16="http://schemas.microsoft.com/office/drawing/2014/main" id="{FAC9BB56-0D42-3E69-81BE-24D69D8BA43A}"/>
+              </a:ext>
+            </a:extLst>
+          </p:cNvPr>
+          <p:cNvSpPr txBox="1"/>
+          <p:nvPr/>
+        </p:nvSpPr>
+        <p:spPr>
+          <a:xfrm>
+            <a:off x="5567802" y="3402670"/>
+            <a:ext cx="830469" cy="307777"/>
+          </a:xfrm>
+          <a:prstGeom prst="rect">
+            <a:avLst/>
+          </a:prstGeom>
+          <a:noFill/>
+        </p:spPr>
+        <p:txBody>
+          <a:bodyPr wrap="square" rtlCol="0">
+            <a:spAutoFit/>
+          </a:bodyPr>
+          <a:lstStyle/>
+          <a:p>
+            <a:pPr algn="ctr"/>
+            <a:r>
+              <a:rPr lang="en-US" sz="1400" dirty="0"/>
+              <a:t>TRUE</a:t>
+            </a:r>
+          </a:p>
+        </p:txBody>
+      </p:sp>
+      <p:sp>
+        <p:nvSpPr>
+          <p:cNvPr id="29" name="TextBox 28">
+            <a:extLst>
+              <a:ext uri="{FF2B5EF4-FFF2-40B4-BE49-F238E27FC236}">
+                <a16:creationId xmlns:a16="http://schemas.microsoft.com/office/drawing/2014/main" id="{819B59E6-C0E4-9965-D81A-005309928E7A}"/>
+              </a:ext>
+            </a:extLst>
+          </p:cNvPr>
+          <p:cNvSpPr txBox="1"/>
+          <p:nvPr/>
+        </p:nvSpPr>
+        <p:spPr>
+          <a:xfrm>
+            <a:off x="4496605" y="3067530"/>
+            <a:ext cx="830469" cy="307777"/>
+          </a:xfrm>
+          <a:prstGeom prst="rect">
+            <a:avLst/>
+          </a:prstGeom>
+          <a:noFill/>
+        </p:spPr>
+        <p:txBody>
+          <a:bodyPr wrap="square" rtlCol="0">
+            <a:spAutoFit/>
+          </a:bodyPr>
+          <a:lstStyle/>
+          <a:p>
+            <a:pPr algn="ctr"/>
+            <a:r>
+              <a:rPr lang="en-US" sz="1400" dirty="0"/>
+              <a:t>FALSE</a:t>
+            </a:r>
+          </a:p>
+        </p:txBody>
+      </p:sp>
+      <p:sp>
+        <p:nvSpPr>
+          <p:cNvPr id="30" name="TextBox 29">
+            <a:extLst>
+              <a:ext uri="{FF2B5EF4-FFF2-40B4-BE49-F238E27FC236}">
+                <a16:creationId xmlns:a16="http://schemas.microsoft.com/office/drawing/2014/main" id="{11767F5E-9A95-33C3-5653-45C4A859C7E5}"/>
+              </a:ext>
+            </a:extLst>
+          </p:cNvPr>
+          <p:cNvSpPr txBox="1"/>
+          <p:nvPr/>
+        </p:nvSpPr>
+        <p:spPr>
+          <a:xfrm>
+            <a:off x="4496605" y="4016248"/>
+            <a:ext cx="830469" cy="307777"/>
+          </a:xfrm>
+          <a:prstGeom prst="rect">
+            <a:avLst/>
+          </a:prstGeom>
+          <a:noFill/>
+        </p:spPr>
+        <p:txBody>
+          <a:bodyPr wrap="square" rtlCol="0">
+            <a:spAutoFit/>
+          </a:bodyPr>
+          <a:lstStyle/>
+          <a:p>
+            <a:pPr algn="ctr"/>
+            <a:r>
+              <a:rPr lang="en-US" sz="1400" dirty="0"/>
+              <a:t>FALSE</a:t>
+            </a:r>
+          </a:p>
+        </p:txBody>
+      </p:sp>
     </p:spTree>
   </p:cSld>
   <p:clrMapOvr>
     <a:masterClrMapping/>
   </p:clrMapOvr>
+  <p:timing>
+    <p:tnLst>
+      <p:par>
+        <p:cTn id="1" dur="indefinite" restart="never" nodeType="tmRoot">
+          <p:childTnLst>
+            <p:seq concurrent="1" nextAc="seek">
+              <p:cTn id="2" dur="indefinite" nodeType="mainSeq">
+                <p:childTnLst>
+                  <p:par>
+                    <p:cTn id="3" fill="hold">
+                      <p:stCondLst>
+                        <p:cond delay="indefinite"/>
+                      </p:stCondLst>
+                      <p:childTnLst>
+                        <p:par>
+                          <p:cTn id="4" fill="hold">
+                            <p:stCondLst>
+                              <p:cond delay="0"/>
+                            </p:stCondLst>
+                            <p:childTnLst>
+                              <p:par>
+                                <p:cTn id="5" presetID="1" presetClass="entr" presetSubtype="0" fill="hold" grpId="0" nodeType="clickEffect">
+                                  <p:stCondLst>
+                                    <p:cond delay="0"/>
+                                  </p:stCondLst>
+                                  <p:childTnLst>
+                                    <p:set>
+                                      <p:cBhvr>
+                                        <p:cTn id="6" dur="1" fill="hold">
+                                          <p:stCondLst>
+                                            <p:cond delay="0"/>
+                                          </p:stCondLst>
+                                        </p:cTn>
+                                        <p:tgtEl>
+                                          <p:spTgt spid="27"/>
+                                        </p:tgtEl>
+                                        <p:attrNameLst>
+                                          <p:attrName>style.visibility</p:attrName>
+                                        </p:attrNameLst>
+                                      </p:cBhvr>
+                                      <p:to>
+                                        <p:strVal val="visible"/>
+                                      </p:to>
+                                    </p:set>
+                                  </p:childTnLst>
+                                </p:cTn>
+                              </p:par>
+                              <p:par>
+                                <p:cTn id="7" presetID="1" presetClass="entr" presetSubtype="0" fill="hold" nodeType="withEffect">
+                                  <p:stCondLst>
+                                    <p:cond delay="0"/>
+                                  </p:stCondLst>
+                                  <p:childTnLst>
+                                    <p:set>
+                                      <p:cBhvr>
+                                        <p:cTn id="8" dur="1" fill="hold">
+                                          <p:stCondLst>
+                                            <p:cond delay="0"/>
+                                          </p:stCondLst>
+                                        </p:cTn>
+                                        <p:tgtEl>
+                                          <p:spTgt spid="12"/>
+                                        </p:tgtEl>
+                                        <p:attrNameLst>
+                                          <p:attrName>style.visibility</p:attrName>
+                                        </p:attrNameLst>
+                                      </p:cBhvr>
+                                      <p:to>
+                                        <p:strVal val="visible"/>
+                                      </p:to>
+                                    </p:set>
+                                  </p:childTnLst>
+                                </p:cTn>
+                              </p:par>
+                              <p:par>
+                                <p:cTn id="9" presetID="1" presetClass="entr" presetSubtype="0" fill="hold" grpId="0" nodeType="withEffect">
+                                  <p:stCondLst>
+                                    <p:cond delay="0"/>
+                                  </p:stCondLst>
+                                  <p:childTnLst>
+                                    <p:set>
+                                      <p:cBhvr>
+                                        <p:cTn id="10" dur="1" fill="hold">
+                                          <p:stCondLst>
+                                            <p:cond delay="0"/>
+                                          </p:stCondLst>
+                                        </p:cTn>
+                                        <p:tgtEl>
+                                          <p:spTgt spid="7"/>
+                                        </p:tgtEl>
+                                        <p:attrNameLst>
+                                          <p:attrName>style.visibility</p:attrName>
+                                        </p:attrNameLst>
+                                      </p:cBhvr>
+                                      <p:to>
+                                        <p:strVal val="visible"/>
+                                      </p:to>
+                                    </p:set>
+                                  </p:childTnLst>
+                                </p:cTn>
+                              </p:par>
+                              <p:par>
+                                <p:cTn id="11" presetID="1" presetClass="entr" presetSubtype="0" fill="hold" nodeType="withEffect">
+                                  <p:stCondLst>
+                                    <p:cond delay="0"/>
+                                  </p:stCondLst>
+                                  <p:childTnLst>
+                                    <p:set>
+                                      <p:cBhvr>
+                                        <p:cTn id="12" dur="1" fill="hold">
+                                          <p:stCondLst>
+                                            <p:cond delay="0"/>
+                                          </p:stCondLst>
+                                        </p:cTn>
+                                        <p:tgtEl>
+                                          <p:spTgt spid="24"/>
+                                        </p:tgtEl>
+                                        <p:attrNameLst>
+                                          <p:attrName>style.visibility</p:attrName>
+                                        </p:attrNameLst>
+                                      </p:cBhvr>
+                                      <p:to>
+                                        <p:strVal val="visible"/>
+                                      </p:to>
+                                    </p:set>
+                                  </p:childTnLst>
+                                </p:cTn>
+                              </p:par>
+                              <p:par>
+                                <p:cTn id="13" presetID="1" presetClass="entr" presetSubtype="0" fill="hold" nodeType="withEffect">
+                                  <p:stCondLst>
+                                    <p:cond delay="0"/>
+                                  </p:stCondLst>
+                                  <p:childTnLst>
+                                    <p:set>
+                                      <p:cBhvr>
+                                        <p:cTn id="14" dur="1" fill="hold">
+                                          <p:stCondLst>
+                                            <p:cond delay="0"/>
+                                          </p:stCondLst>
+                                        </p:cTn>
+                                        <p:tgtEl>
+                                          <p:spTgt spid="22"/>
+                                        </p:tgtEl>
+                                        <p:attrNameLst>
+                                          <p:attrName>style.visibility</p:attrName>
+                                        </p:attrNameLst>
+                                      </p:cBhvr>
+                                      <p:to>
+                                        <p:strVal val="visible"/>
+                                      </p:to>
+                                    </p:set>
+                                  </p:childTnLst>
+                                </p:cTn>
+                              </p:par>
+                            </p:childTnLst>
+                          </p:cTn>
+                        </p:par>
+                      </p:childTnLst>
+                    </p:cTn>
+                  </p:par>
+                  <p:par>
+                    <p:cTn id="15" fill="hold">
+                      <p:stCondLst>
+                        <p:cond delay="indefinite"/>
+                      </p:stCondLst>
+                      <p:childTnLst>
+                        <p:par>
+                          <p:cTn id="16" fill="hold">
+                            <p:stCondLst>
+                              <p:cond delay="0"/>
+                            </p:stCondLst>
+                            <p:childTnLst>
+                              <p:par>
+                                <p:cTn id="17" presetID="1" presetClass="entr" presetSubtype="0" fill="hold" nodeType="clickEffect">
+                                  <p:stCondLst>
+                                    <p:cond delay="0"/>
+                                  </p:stCondLst>
+                                  <p:childTnLst>
+                                    <p:set>
+                                      <p:cBhvr>
+                                        <p:cTn id="18" dur="1" fill="hold">
+                                          <p:stCondLst>
+                                            <p:cond delay="0"/>
+                                          </p:stCondLst>
+                                        </p:cTn>
+                                        <p:tgtEl>
+                                          <p:spTgt spid="16"/>
+                                        </p:tgtEl>
+                                        <p:attrNameLst>
+                                          <p:attrName>style.visibility</p:attrName>
+                                        </p:attrNameLst>
+                                      </p:cBhvr>
+                                      <p:to>
+                                        <p:strVal val="visible"/>
+                                      </p:to>
+                                    </p:set>
+                                  </p:childTnLst>
+                                </p:cTn>
+                              </p:par>
+                              <p:par>
+                                <p:cTn id="19" presetID="1" presetClass="entr" presetSubtype="0" fill="hold" grpId="0" nodeType="withEffect">
+                                  <p:stCondLst>
+                                    <p:cond delay="0"/>
+                                  </p:stCondLst>
+                                  <p:childTnLst>
+                                    <p:set>
+                                      <p:cBhvr>
+                                        <p:cTn id="20" dur="1" fill="hold">
+                                          <p:stCondLst>
+                                            <p:cond delay="0"/>
+                                          </p:stCondLst>
+                                        </p:cTn>
+                                        <p:tgtEl>
+                                          <p:spTgt spid="29"/>
+                                        </p:tgtEl>
+                                        <p:attrNameLst>
+                                          <p:attrName>style.visibility</p:attrName>
+                                        </p:attrNameLst>
+                                      </p:cBhvr>
+                                      <p:to>
+                                        <p:strVal val="visible"/>
+                                      </p:to>
+                                    </p:set>
+                                  </p:childTnLst>
+                                </p:cTn>
+                              </p:par>
+                              <p:par>
+                                <p:cTn id="21" presetID="1" presetClass="entr" presetSubtype="0" fill="hold" grpId="0" nodeType="withEffect">
+                                  <p:stCondLst>
+                                    <p:cond delay="0"/>
+                                  </p:stCondLst>
+                                  <p:childTnLst>
+                                    <p:set>
+                                      <p:cBhvr>
+                                        <p:cTn id="22" dur="1" fill="hold">
+                                          <p:stCondLst>
+                                            <p:cond delay="0"/>
+                                          </p:stCondLst>
+                                        </p:cTn>
+                                        <p:tgtEl>
+                                          <p:spTgt spid="3"/>
+                                        </p:tgtEl>
+                                        <p:attrNameLst>
+                                          <p:attrName>style.visibility</p:attrName>
+                                        </p:attrNameLst>
+                                      </p:cBhvr>
+                                      <p:to>
+                                        <p:strVal val="visible"/>
+                                      </p:to>
+                                    </p:set>
+                                  </p:childTnLst>
+                                </p:cTn>
+                              </p:par>
+                            </p:childTnLst>
+                          </p:cTn>
+                        </p:par>
+                      </p:childTnLst>
+                    </p:cTn>
+                  </p:par>
+                  <p:par>
+                    <p:cTn id="23" fill="hold">
+                      <p:stCondLst>
+                        <p:cond delay="indefinite"/>
+                      </p:stCondLst>
+                      <p:childTnLst>
+                        <p:par>
+                          <p:cTn id="24" fill="hold">
+                            <p:stCondLst>
+                              <p:cond delay="0"/>
+                            </p:stCondLst>
+                            <p:childTnLst>
+                              <p:par>
+                                <p:cTn id="25" presetID="1" presetClass="entr" presetSubtype="0" fill="hold" grpId="0" nodeType="clickEffect">
+                                  <p:stCondLst>
+                                    <p:cond delay="0"/>
+                                  </p:stCondLst>
+                                  <p:childTnLst>
+                                    <p:set>
+                                      <p:cBhvr>
+                                        <p:cTn id="26" dur="1" fill="hold">
+                                          <p:stCondLst>
+                                            <p:cond delay="0"/>
+                                          </p:stCondLst>
+                                        </p:cTn>
+                                        <p:tgtEl>
+                                          <p:spTgt spid="28"/>
+                                        </p:tgtEl>
+                                        <p:attrNameLst>
+                                          <p:attrName>style.visibility</p:attrName>
+                                        </p:attrNameLst>
+                                      </p:cBhvr>
+                                      <p:to>
+                                        <p:strVal val="visible"/>
+                                      </p:to>
+                                    </p:set>
+                                  </p:childTnLst>
+                                </p:cTn>
+                              </p:par>
+                              <p:par>
+                                <p:cTn id="27" presetID="1" presetClass="entr" presetSubtype="0" fill="hold" nodeType="withEffect">
+                                  <p:stCondLst>
+                                    <p:cond delay="0"/>
+                                  </p:stCondLst>
+                                  <p:childTnLst>
+                                    <p:set>
+                                      <p:cBhvr>
+                                        <p:cTn id="28" dur="1" fill="hold">
+                                          <p:stCondLst>
+                                            <p:cond delay="0"/>
+                                          </p:stCondLst>
+                                        </p:cTn>
+                                        <p:tgtEl>
+                                          <p:spTgt spid="14"/>
+                                        </p:tgtEl>
+                                        <p:attrNameLst>
+                                          <p:attrName>style.visibility</p:attrName>
+                                        </p:attrNameLst>
+                                      </p:cBhvr>
+                                      <p:to>
+                                        <p:strVal val="visible"/>
+                                      </p:to>
+                                    </p:set>
+                                  </p:childTnLst>
+                                </p:cTn>
+                              </p:par>
+                              <p:par>
+                                <p:cTn id="29" presetID="1" presetClass="entr" presetSubtype="0" fill="hold" grpId="0" nodeType="withEffect">
+                                  <p:stCondLst>
+                                    <p:cond delay="0"/>
+                                  </p:stCondLst>
+                                  <p:childTnLst>
+                                    <p:set>
+                                      <p:cBhvr>
+                                        <p:cTn id="30" dur="1" fill="hold">
+                                          <p:stCondLst>
+                                            <p:cond delay="0"/>
+                                          </p:stCondLst>
+                                        </p:cTn>
+                                        <p:tgtEl>
+                                          <p:spTgt spid="6"/>
+                                        </p:tgtEl>
+                                        <p:attrNameLst>
+                                          <p:attrName>style.visibility</p:attrName>
+                                        </p:attrNameLst>
+                                      </p:cBhvr>
+                                      <p:to>
+                                        <p:strVal val="visible"/>
+                                      </p:to>
+                                    </p:set>
+                                  </p:childTnLst>
+                                </p:cTn>
+                              </p:par>
+                              <p:par>
+                                <p:cTn id="31" presetID="1" presetClass="entr" presetSubtype="0" fill="hold" nodeType="withEffect">
+                                  <p:stCondLst>
+                                    <p:cond delay="0"/>
+                                  </p:stCondLst>
+                                  <p:childTnLst>
+                                    <p:set>
+                                      <p:cBhvr>
+                                        <p:cTn id="32" dur="1" fill="hold">
+                                          <p:stCondLst>
+                                            <p:cond delay="0"/>
+                                          </p:stCondLst>
+                                        </p:cTn>
+                                        <p:tgtEl>
+                                          <p:spTgt spid="26"/>
+                                        </p:tgtEl>
+                                        <p:attrNameLst>
+                                          <p:attrName>style.visibility</p:attrName>
+                                        </p:attrNameLst>
+                                      </p:cBhvr>
+                                      <p:to>
+                                        <p:strVal val="visible"/>
+                                      </p:to>
+                                    </p:set>
+                                  </p:childTnLst>
+                                </p:cTn>
+                              </p:par>
+                            </p:childTnLst>
+                          </p:cTn>
+                        </p:par>
+                      </p:childTnLst>
+                    </p:cTn>
+                  </p:par>
+                  <p:par>
+                    <p:cTn id="33" fill="hold">
+                      <p:stCondLst>
+                        <p:cond delay="indefinite"/>
+                      </p:stCondLst>
+                      <p:childTnLst>
+                        <p:par>
+                          <p:cTn id="34" fill="hold">
+                            <p:stCondLst>
+                              <p:cond delay="0"/>
+                            </p:stCondLst>
+                            <p:childTnLst>
+                              <p:par>
+                                <p:cTn id="35" presetID="1" presetClass="entr" presetSubtype="0" fill="hold" grpId="0" nodeType="clickEffect">
+                                  <p:stCondLst>
+                                    <p:cond delay="0"/>
+                                  </p:stCondLst>
+                                  <p:childTnLst>
+                                    <p:set>
+                                      <p:cBhvr>
+                                        <p:cTn id="36" dur="1" fill="hold">
+                                          <p:stCondLst>
+                                            <p:cond delay="0"/>
+                                          </p:stCondLst>
+                                        </p:cTn>
+                                        <p:tgtEl>
+                                          <p:spTgt spid="30"/>
+                                        </p:tgtEl>
+                                        <p:attrNameLst>
+                                          <p:attrName>style.visibility</p:attrName>
+                                        </p:attrNameLst>
+                                      </p:cBhvr>
+                                      <p:to>
+                                        <p:strVal val="visible"/>
+                                      </p:to>
+                                    </p:set>
+                                  </p:childTnLst>
+                                </p:cTn>
+                              </p:par>
+                              <p:par>
+                                <p:cTn id="37" presetID="1" presetClass="entr" presetSubtype="0" fill="hold" nodeType="withEffect">
+                                  <p:stCondLst>
+                                    <p:cond delay="0"/>
+                                  </p:stCondLst>
+                                  <p:childTnLst>
+                                    <p:set>
+                                      <p:cBhvr>
+                                        <p:cTn id="38" dur="1" fill="hold">
+                                          <p:stCondLst>
+                                            <p:cond delay="0"/>
+                                          </p:stCondLst>
+                                        </p:cTn>
+                                        <p:tgtEl>
+                                          <p:spTgt spid="18"/>
+                                        </p:tgtEl>
+                                        <p:attrNameLst>
+                                          <p:attrName>style.visibility</p:attrName>
+                                        </p:attrNameLst>
+                                      </p:cBhvr>
+                                      <p:to>
+                                        <p:strVal val="visible"/>
+                                      </p:to>
+                                    </p:set>
+                                  </p:childTnLst>
+                                </p:cTn>
+                              </p:par>
+                              <p:par>
+                                <p:cTn id="39" presetID="1" presetClass="entr" presetSubtype="0" fill="hold" grpId="0" nodeType="withEffect">
+                                  <p:stCondLst>
+                                    <p:cond delay="0"/>
+                                  </p:stCondLst>
+                                  <p:childTnLst>
+                                    <p:set>
+                                      <p:cBhvr>
+                                        <p:cTn id="40" dur="1" fill="hold">
+                                          <p:stCondLst>
+                                            <p:cond delay="0"/>
+                                          </p:stCondLst>
+                                        </p:cTn>
+                                        <p:tgtEl>
+                                          <p:spTgt spid="4"/>
+                                        </p:tgtEl>
+                                        <p:attrNameLst>
+                                          <p:attrName>style.visibility</p:attrName>
+                                        </p:attrNameLst>
+                                      </p:cBhvr>
+                                      <p:to>
+                                        <p:strVal val="visible"/>
+                                      </p:to>
+                                    </p:set>
+                                  </p:childTnLst>
+                                </p:cTn>
+                              </p:par>
+                              <p:par>
+                                <p:cTn id="41" presetID="1" presetClass="entr" presetSubtype="0" fill="hold" nodeType="withEffect">
+                                  <p:stCondLst>
+                                    <p:cond delay="0"/>
+                                  </p:stCondLst>
+                                  <p:childTnLst>
+                                    <p:set>
+                                      <p:cBhvr>
+                                        <p:cTn id="42" dur="1" fill="hold">
+                                          <p:stCondLst>
+                                            <p:cond delay="0"/>
+                                          </p:stCondLst>
+                                        </p:cTn>
+                                        <p:tgtEl>
+                                          <p:spTgt spid="20"/>
+                                        </p:tgtEl>
+                                        <p:attrNameLst>
+                                          <p:attrName>style.visibility</p:attrName>
+                                        </p:attrNameLst>
+                                      </p:cBhvr>
+                                      <p:to>
+                                        <p:strVal val="visible"/>
+                                      </p:to>
+                                    </p:set>
+                                  </p:childTnLst>
+                                </p:cTn>
+                              </p:par>
+                            </p:childTnLst>
+                          </p:cTn>
+                        </p:par>
+                      </p:childTnLst>
+                    </p:cTn>
+                  </p:par>
+                </p:childTnLst>
+              </p:cTn>
+              <p:prevCondLst>
+                <p:cond evt="onPrev" delay="0">
+                  <p:tgtEl>
+                    <p:sldTgt/>
+                  </p:tgtEl>
+                </p:cond>
+              </p:prevCondLst>
+              <p:nextCondLst>
+                <p:cond evt="onNext" delay="0">
+                  <p:tgtEl>
+                    <p:sldTgt/>
+                  </p:tgtEl>
+                </p:cond>
+              </p:nextCondLst>
+            </p:seq>
+          </p:childTnLst>
+        </p:cTn>
+      </p:par>
+    </p:tnLst>
+    <p:bldLst>
+      <p:bldP spid="3" grpId="0" animBg="1"/>
+      <p:bldP spid="4" grpId="0" animBg="1"/>
+      <p:bldP spid="6" grpId="0" animBg="1"/>
+      <p:bldP spid="7" grpId="0" animBg="1"/>
+      <p:bldP spid="27" grpId="0"/>
+      <p:bldP spid="28" grpId="0"/>
+      <p:bldP spid="29" grpId="0"/>
+      <p:bldP spid="30" grpId="0"/>
+    </p:bldLst>
+  </p:timing>
 </p:sld>
 </file>
 
@@ -20516,30 +23839,6 @@
           </a:p>
         </p:txBody>
       </p:sp>
-      <p:pic>
-        <p:nvPicPr>
-          <p:cNvPr id="250" name="Picture 2_1" descr="r-for-loop.jpg"/>
-          <p:cNvPicPr/>
-          <p:nvPr/>
-        </p:nvPicPr>
-        <p:blipFill>
-          <a:blip r:embed="rId2"/>
-          <a:srcRect b="7884"/>
-          <a:stretch/>
-        </p:blipFill>
-        <p:spPr>
-          <a:xfrm>
-            <a:off x="5714280" y="1470600"/>
-            <a:ext cx="2779920" cy="4490640"/>
-          </a:xfrm>
-          <a:prstGeom prst="rect">
-            <a:avLst/>
-          </a:prstGeom>
-          <a:ln>
-            <a:noFill/>
-          </a:ln>
-        </p:spPr>
-      </p:pic>
       <p:sp>
         <p:nvSpPr>
           <p:cNvPr id="251" name="CustomShape 3"/>
@@ -20796,11 +24095,698 @@
           </a:p>
         </p:txBody>
       </p:sp>
+      <p:sp>
+        <p:nvSpPr>
+          <p:cNvPr id="2" name="Decision 1">
+            <a:extLst>
+              <a:ext uri="{FF2B5EF4-FFF2-40B4-BE49-F238E27FC236}">
+                <a16:creationId xmlns:a16="http://schemas.microsoft.com/office/drawing/2014/main" id="{8DCC86B0-9368-9F36-17CA-355B376F202D}"/>
+              </a:ext>
+            </a:extLst>
+          </p:cNvPr>
+          <p:cNvSpPr/>
+          <p:nvPr/>
+        </p:nvSpPr>
+        <p:spPr>
+          <a:xfrm>
+            <a:off x="6179032" y="1827360"/>
+            <a:ext cx="1896136" cy="1862108"/>
+          </a:xfrm>
+          <a:prstGeom prst="flowChartDecision">
+            <a:avLst/>
+          </a:prstGeom>
+        </p:spPr>
+        <p:style>
+          <a:lnRef idx="2">
+            <a:schemeClr val="accent1">
+              <a:shade val="15000"/>
+            </a:schemeClr>
+          </a:lnRef>
+          <a:fillRef idx="1">
+            <a:schemeClr val="accent1"/>
+          </a:fillRef>
+          <a:effectRef idx="0">
+            <a:schemeClr val="accent1"/>
+          </a:effectRef>
+          <a:fontRef idx="minor">
+            <a:schemeClr val="lt1"/>
+          </a:fontRef>
+        </p:style>
+        <p:txBody>
+          <a:bodyPr rtlCol="0" anchor="ctr"/>
+          <a:lstStyle/>
+          <a:p>
+            <a:pPr algn="ctr"/>
+            <a:r>
+              <a:rPr lang="en-US" sz="1400" dirty="0"/>
+              <a:t>Last item reached?</a:t>
+            </a:r>
+          </a:p>
+        </p:txBody>
+      </p:sp>
+      <p:cxnSp>
+        <p:nvCxnSpPr>
+          <p:cNvPr id="6" name="Straight Arrow Connector 5">
+            <a:extLst>
+              <a:ext uri="{FF2B5EF4-FFF2-40B4-BE49-F238E27FC236}">
+                <a16:creationId xmlns:a16="http://schemas.microsoft.com/office/drawing/2014/main" id="{A2ED956C-A0C7-576F-9E88-BA299E094450}"/>
+              </a:ext>
+            </a:extLst>
+          </p:cNvPr>
+          <p:cNvCxnSpPr/>
+          <p:nvPr/>
+        </p:nvCxnSpPr>
+        <p:spPr>
+          <a:xfrm>
+            <a:off x="7130069" y="833760"/>
+            <a:ext cx="0" cy="993600"/>
+          </a:xfrm>
+          <a:prstGeom prst="straightConnector1">
+            <a:avLst/>
+          </a:prstGeom>
+          <a:ln>
+            <a:tailEnd type="triangle"/>
+          </a:ln>
+        </p:spPr>
+        <p:style>
+          <a:lnRef idx="1">
+            <a:schemeClr val="dk1"/>
+          </a:lnRef>
+          <a:fillRef idx="0">
+            <a:schemeClr val="dk1"/>
+          </a:fillRef>
+          <a:effectRef idx="0">
+            <a:schemeClr val="dk1"/>
+          </a:effectRef>
+          <a:fontRef idx="minor">
+            <a:schemeClr val="tx1"/>
+          </a:fontRef>
+        </p:style>
+      </p:cxnSp>
+      <p:sp>
+        <p:nvSpPr>
+          <p:cNvPr id="7" name="TextBox 6">
+            <a:extLst>
+              <a:ext uri="{FF2B5EF4-FFF2-40B4-BE49-F238E27FC236}">
+                <a16:creationId xmlns:a16="http://schemas.microsoft.com/office/drawing/2014/main" id="{007A683A-4A18-2710-86D7-5627B2A1154D}"/>
+              </a:ext>
+            </a:extLst>
+          </p:cNvPr>
+          <p:cNvSpPr txBox="1"/>
+          <p:nvPr/>
+        </p:nvSpPr>
+        <p:spPr>
+          <a:xfrm>
+            <a:off x="7287904" y="1009934"/>
+            <a:ext cx="1091821" cy="830997"/>
+          </a:xfrm>
+          <a:prstGeom prst="rect">
+            <a:avLst/>
+          </a:prstGeom>
+          <a:noFill/>
+        </p:spPr>
+        <p:txBody>
+          <a:bodyPr wrap="square" rtlCol="0">
+            <a:spAutoFit/>
+          </a:bodyPr>
+          <a:lstStyle/>
+          <a:p>
+            <a:pPr algn="ctr"/>
+            <a:r>
+              <a:rPr lang="en-US" sz="1600" dirty="0"/>
+              <a:t>For each item in sequence</a:t>
+            </a:r>
+          </a:p>
+        </p:txBody>
+      </p:sp>
+      <p:sp>
+        <p:nvSpPr>
+          <p:cNvPr id="8" name="TextBox 7">
+            <a:extLst>
+              <a:ext uri="{FF2B5EF4-FFF2-40B4-BE49-F238E27FC236}">
+                <a16:creationId xmlns:a16="http://schemas.microsoft.com/office/drawing/2014/main" id="{47DDC5AD-9D47-82B0-3E0F-031657796C39}"/>
+              </a:ext>
+            </a:extLst>
+          </p:cNvPr>
+          <p:cNvSpPr txBox="1"/>
+          <p:nvPr/>
+        </p:nvSpPr>
+        <p:spPr>
+          <a:xfrm>
+            <a:off x="7833814" y="2400843"/>
+            <a:ext cx="1091821" cy="338554"/>
+          </a:xfrm>
+          <a:prstGeom prst="rect">
+            <a:avLst/>
+          </a:prstGeom>
+          <a:noFill/>
+        </p:spPr>
+        <p:txBody>
+          <a:bodyPr wrap="square" rtlCol="0">
+            <a:spAutoFit/>
+          </a:bodyPr>
+          <a:lstStyle/>
+          <a:p>
+            <a:pPr algn="ctr"/>
+            <a:r>
+              <a:rPr lang="en-US" sz="1600" dirty="0"/>
+              <a:t>Yes</a:t>
+            </a:r>
+          </a:p>
+        </p:txBody>
+      </p:sp>
+      <p:sp>
+        <p:nvSpPr>
+          <p:cNvPr id="9" name="TextBox 8">
+            <a:extLst>
+              <a:ext uri="{FF2B5EF4-FFF2-40B4-BE49-F238E27FC236}">
+                <a16:creationId xmlns:a16="http://schemas.microsoft.com/office/drawing/2014/main" id="{FD8C3C49-8D95-0469-3025-7574C3ED0EBD}"/>
+              </a:ext>
+            </a:extLst>
+          </p:cNvPr>
+          <p:cNvSpPr txBox="1"/>
+          <p:nvPr/>
+        </p:nvSpPr>
+        <p:spPr>
+          <a:xfrm>
+            <a:off x="7713316" y="5558990"/>
+            <a:ext cx="1091821" cy="338554"/>
+          </a:xfrm>
+          <a:prstGeom prst="rect">
+            <a:avLst/>
+          </a:prstGeom>
+          <a:noFill/>
+        </p:spPr>
+        <p:txBody>
+          <a:bodyPr wrap="square" rtlCol="0">
+            <a:spAutoFit/>
+          </a:bodyPr>
+          <a:lstStyle/>
+          <a:p>
+            <a:pPr algn="ctr"/>
+            <a:r>
+              <a:rPr lang="en-US" sz="1600" dirty="0"/>
+              <a:t>Exit loop</a:t>
+            </a:r>
+          </a:p>
+        </p:txBody>
+      </p:sp>
+      <p:sp>
+        <p:nvSpPr>
+          <p:cNvPr id="10" name="Process 9">
+            <a:extLst>
+              <a:ext uri="{FF2B5EF4-FFF2-40B4-BE49-F238E27FC236}">
+                <a16:creationId xmlns:a16="http://schemas.microsoft.com/office/drawing/2014/main" id="{087317FC-4DEB-BE4F-225C-4BED5EAA4F06}"/>
+              </a:ext>
+            </a:extLst>
+          </p:cNvPr>
+          <p:cNvSpPr/>
+          <p:nvPr/>
+        </p:nvSpPr>
+        <p:spPr>
+          <a:xfrm>
+            <a:off x="6413002" y="4696716"/>
+            <a:ext cx="1434459" cy="584968"/>
+          </a:xfrm>
+          <a:prstGeom prst="flowChartProcess">
+            <a:avLst/>
+          </a:prstGeom>
+        </p:spPr>
+        <p:style>
+          <a:lnRef idx="2">
+            <a:schemeClr val="accent1">
+              <a:shade val="15000"/>
+            </a:schemeClr>
+          </a:lnRef>
+          <a:fillRef idx="1">
+            <a:schemeClr val="accent1"/>
+          </a:fillRef>
+          <a:effectRef idx="0">
+            <a:schemeClr val="accent1"/>
+          </a:effectRef>
+          <a:fontRef idx="minor">
+            <a:schemeClr val="lt1"/>
+          </a:fontRef>
+        </p:style>
+        <p:txBody>
+          <a:bodyPr rtlCol="0" anchor="ctr"/>
+          <a:lstStyle/>
+          <a:p>
+            <a:pPr algn="ctr"/>
+            <a:r>
+              <a:rPr lang="en-US" dirty="0"/>
+              <a:t>Statements</a:t>
+            </a:r>
+          </a:p>
+        </p:txBody>
+      </p:sp>
+      <p:cxnSp>
+        <p:nvCxnSpPr>
+          <p:cNvPr id="12" name="Straight Arrow Connector 11">
+            <a:extLst>
+              <a:ext uri="{FF2B5EF4-FFF2-40B4-BE49-F238E27FC236}">
+                <a16:creationId xmlns:a16="http://schemas.microsoft.com/office/drawing/2014/main" id="{79BB3D83-F809-9314-6F5F-8D44A95B8370}"/>
+              </a:ext>
+            </a:extLst>
+          </p:cNvPr>
+          <p:cNvCxnSpPr>
+            <a:stCxn id="2" idx="2"/>
+            <a:endCxn id="10" idx="0"/>
+          </p:cNvCxnSpPr>
+          <p:nvPr/>
+        </p:nvCxnSpPr>
+        <p:spPr>
+          <a:xfrm>
+            <a:off x="7127100" y="3689468"/>
+            <a:ext cx="3132" cy="1007248"/>
+          </a:xfrm>
+          <a:prstGeom prst="straightConnector1">
+            <a:avLst/>
+          </a:prstGeom>
+          <a:ln>
+            <a:tailEnd type="triangle"/>
+          </a:ln>
+        </p:spPr>
+        <p:style>
+          <a:lnRef idx="1">
+            <a:schemeClr val="dk1"/>
+          </a:lnRef>
+          <a:fillRef idx="0">
+            <a:schemeClr val="dk1"/>
+          </a:fillRef>
+          <a:effectRef idx="0">
+            <a:schemeClr val="dk1"/>
+          </a:effectRef>
+          <a:fontRef idx="minor">
+            <a:schemeClr val="tx1"/>
+          </a:fontRef>
+        </p:style>
+      </p:cxnSp>
+      <p:cxnSp>
+        <p:nvCxnSpPr>
+          <p:cNvPr id="14" name="Elbow Connector 13">
+            <a:extLst>
+              <a:ext uri="{FF2B5EF4-FFF2-40B4-BE49-F238E27FC236}">
+                <a16:creationId xmlns:a16="http://schemas.microsoft.com/office/drawing/2014/main" id="{FA3BCE77-79B4-2F92-43DC-0F8D6E2D3900}"/>
+              </a:ext>
+            </a:extLst>
+          </p:cNvPr>
+          <p:cNvCxnSpPr>
+            <a:stCxn id="10" idx="1"/>
+            <a:endCxn id="2" idx="1"/>
+          </p:cNvCxnSpPr>
+          <p:nvPr/>
+        </p:nvCxnSpPr>
+        <p:spPr>
+          <a:xfrm rot="10800000">
+            <a:off x="6179032" y="2758414"/>
+            <a:ext cx="233970" cy="2230786"/>
+          </a:xfrm>
+          <a:prstGeom prst="bentConnector3">
+            <a:avLst>
+              <a:gd name="adj1" fmla="val 197705"/>
+            </a:avLst>
+          </a:prstGeom>
+          <a:ln>
+            <a:tailEnd type="triangle"/>
+          </a:ln>
+        </p:spPr>
+        <p:style>
+          <a:lnRef idx="1">
+            <a:schemeClr val="dk1"/>
+          </a:lnRef>
+          <a:fillRef idx="0">
+            <a:schemeClr val="dk1"/>
+          </a:fillRef>
+          <a:effectRef idx="0">
+            <a:schemeClr val="dk1"/>
+          </a:effectRef>
+          <a:fontRef idx="minor">
+            <a:schemeClr val="tx1"/>
+          </a:fontRef>
+        </p:style>
+      </p:cxnSp>
+      <p:cxnSp>
+        <p:nvCxnSpPr>
+          <p:cNvPr id="16" name="Elbow Connector 15">
+            <a:extLst>
+              <a:ext uri="{FF2B5EF4-FFF2-40B4-BE49-F238E27FC236}">
+                <a16:creationId xmlns:a16="http://schemas.microsoft.com/office/drawing/2014/main" id="{E71E4CD4-3479-5BCD-F603-8E72A14A9EF4}"/>
+              </a:ext>
+            </a:extLst>
+          </p:cNvPr>
+          <p:cNvCxnSpPr>
+            <a:stCxn id="2" idx="3"/>
+          </p:cNvCxnSpPr>
+          <p:nvPr/>
+        </p:nvCxnSpPr>
+        <p:spPr>
+          <a:xfrm>
+            <a:off x="8075168" y="2758414"/>
+            <a:ext cx="685129" cy="3409826"/>
+          </a:xfrm>
+          <a:prstGeom prst="bentConnector2">
+            <a:avLst/>
+          </a:prstGeom>
+          <a:ln>
+            <a:tailEnd type="triangle"/>
+          </a:ln>
+        </p:spPr>
+        <p:style>
+          <a:lnRef idx="1">
+            <a:schemeClr val="dk1"/>
+          </a:lnRef>
+          <a:fillRef idx="0">
+            <a:schemeClr val="dk1"/>
+          </a:fillRef>
+          <a:effectRef idx="0">
+            <a:schemeClr val="dk1"/>
+          </a:effectRef>
+          <a:fontRef idx="minor">
+            <a:schemeClr val="tx1"/>
+          </a:fontRef>
+        </p:style>
+      </p:cxnSp>
+      <p:sp>
+        <p:nvSpPr>
+          <p:cNvPr id="17" name="TextBox 16">
+            <a:extLst>
+              <a:ext uri="{FF2B5EF4-FFF2-40B4-BE49-F238E27FC236}">
+                <a16:creationId xmlns:a16="http://schemas.microsoft.com/office/drawing/2014/main" id="{377D58C0-193C-529E-FCFC-BC9807FAFCEF}"/>
+              </a:ext>
+            </a:extLst>
+          </p:cNvPr>
+          <p:cNvSpPr txBox="1"/>
+          <p:nvPr/>
+        </p:nvSpPr>
+        <p:spPr>
+          <a:xfrm>
+            <a:off x="6872362" y="3942471"/>
+            <a:ext cx="1091821" cy="338554"/>
+          </a:xfrm>
+          <a:prstGeom prst="rect">
+            <a:avLst/>
+          </a:prstGeom>
+          <a:noFill/>
+        </p:spPr>
+        <p:txBody>
+          <a:bodyPr wrap="square" rtlCol="0">
+            <a:spAutoFit/>
+          </a:bodyPr>
+          <a:lstStyle/>
+          <a:p>
+            <a:pPr algn="ctr"/>
+            <a:r>
+              <a:rPr lang="en-US" sz="1600" dirty="0"/>
+              <a:t>No</a:t>
+            </a:r>
+          </a:p>
+        </p:txBody>
+      </p:sp>
     </p:spTree>
   </p:cSld>
   <p:clrMapOvr>
     <a:masterClrMapping/>
   </p:clrMapOvr>
+  <p:timing>
+    <p:tnLst>
+      <p:par>
+        <p:cTn id="1" dur="indefinite" restart="never" nodeType="tmRoot">
+          <p:childTnLst>
+            <p:seq concurrent="1" nextAc="seek">
+              <p:cTn id="2" dur="indefinite" nodeType="mainSeq">
+                <p:childTnLst>
+                  <p:par>
+                    <p:cTn id="3" fill="hold">
+                      <p:stCondLst>
+                        <p:cond delay="indefinite"/>
+                      </p:stCondLst>
+                      <p:childTnLst>
+                        <p:par>
+                          <p:cTn id="4" fill="hold">
+                            <p:stCondLst>
+                              <p:cond delay="0"/>
+                            </p:stCondLst>
+                            <p:childTnLst>
+                              <p:par>
+                                <p:cTn id="5" presetID="1" presetClass="entr" presetSubtype="0" fill="hold" grpId="0" nodeType="clickEffect">
+                                  <p:stCondLst>
+                                    <p:cond delay="0"/>
+                                  </p:stCondLst>
+                                  <p:childTnLst>
+                                    <p:set>
+                                      <p:cBhvr>
+                                        <p:cTn id="6" dur="1" fill="hold">
+                                          <p:stCondLst>
+                                            <p:cond delay="0"/>
+                                          </p:stCondLst>
+                                        </p:cTn>
+                                        <p:tgtEl>
+                                          <p:spTgt spid="17"/>
+                                        </p:tgtEl>
+                                        <p:attrNameLst>
+                                          <p:attrName>style.visibility</p:attrName>
+                                        </p:attrNameLst>
+                                      </p:cBhvr>
+                                      <p:to>
+                                        <p:strVal val="visible"/>
+                                      </p:to>
+                                    </p:set>
+                                  </p:childTnLst>
+                                </p:cTn>
+                              </p:par>
+                              <p:par>
+                                <p:cTn id="7" presetID="1" presetClass="entr" presetSubtype="0" fill="hold" nodeType="withEffect">
+                                  <p:stCondLst>
+                                    <p:cond delay="0"/>
+                                  </p:stCondLst>
+                                  <p:childTnLst>
+                                    <p:set>
+                                      <p:cBhvr>
+                                        <p:cTn id="8" dur="1" fill="hold">
+                                          <p:stCondLst>
+                                            <p:cond delay="0"/>
+                                          </p:stCondLst>
+                                        </p:cTn>
+                                        <p:tgtEl>
+                                          <p:spTgt spid="12"/>
+                                        </p:tgtEl>
+                                        <p:attrNameLst>
+                                          <p:attrName>style.visibility</p:attrName>
+                                        </p:attrNameLst>
+                                      </p:cBhvr>
+                                      <p:to>
+                                        <p:strVal val="visible"/>
+                                      </p:to>
+                                    </p:set>
+                                  </p:childTnLst>
+                                </p:cTn>
+                              </p:par>
+                              <p:par>
+                                <p:cTn id="9" presetID="1" presetClass="entr" presetSubtype="0" fill="hold" grpId="0" nodeType="withEffect">
+                                  <p:stCondLst>
+                                    <p:cond delay="0"/>
+                                  </p:stCondLst>
+                                  <p:childTnLst>
+                                    <p:set>
+                                      <p:cBhvr>
+                                        <p:cTn id="10" dur="1" fill="hold">
+                                          <p:stCondLst>
+                                            <p:cond delay="0"/>
+                                          </p:stCondLst>
+                                        </p:cTn>
+                                        <p:tgtEl>
+                                          <p:spTgt spid="10"/>
+                                        </p:tgtEl>
+                                        <p:attrNameLst>
+                                          <p:attrName>style.visibility</p:attrName>
+                                        </p:attrNameLst>
+                                      </p:cBhvr>
+                                      <p:to>
+                                        <p:strVal val="visible"/>
+                                      </p:to>
+                                    </p:set>
+                                  </p:childTnLst>
+                                </p:cTn>
+                              </p:par>
+                            </p:childTnLst>
+                          </p:cTn>
+                        </p:par>
+                      </p:childTnLst>
+                    </p:cTn>
+                  </p:par>
+                  <p:par>
+                    <p:cTn id="11" fill="hold">
+                      <p:stCondLst>
+                        <p:cond delay="indefinite"/>
+                      </p:stCondLst>
+                      <p:childTnLst>
+                        <p:par>
+                          <p:cTn id="12" fill="hold">
+                            <p:stCondLst>
+                              <p:cond delay="0"/>
+                            </p:stCondLst>
+                            <p:childTnLst>
+                              <p:par>
+                                <p:cTn id="13" presetID="1" presetClass="entr" presetSubtype="0" fill="hold" nodeType="clickEffect">
+                                  <p:stCondLst>
+                                    <p:cond delay="0"/>
+                                  </p:stCondLst>
+                                  <p:childTnLst>
+                                    <p:set>
+                                      <p:cBhvr>
+                                        <p:cTn id="14" dur="1" fill="hold">
+                                          <p:stCondLst>
+                                            <p:cond delay="0"/>
+                                          </p:stCondLst>
+                                        </p:cTn>
+                                        <p:tgtEl>
+                                          <p:spTgt spid="14"/>
+                                        </p:tgtEl>
+                                        <p:attrNameLst>
+                                          <p:attrName>style.visibility</p:attrName>
+                                        </p:attrNameLst>
+                                      </p:cBhvr>
+                                      <p:to>
+                                        <p:strVal val="visible"/>
+                                      </p:to>
+                                    </p:set>
+                                  </p:childTnLst>
+                                </p:cTn>
+                              </p:par>
+                            </p:childTnLst>
+                          </p:cTn>
+                        </p:par>
+                      </p:childTnLst>
+                    </p:cTn>
+                  </p:par>
+                  <p:par>
+                    <p:cTn id="15" fill="hold">
+                      <p:stCondLst>
+                        <p:cond delay="indefinite"/>
+                      </p:stCondLst>
+                      <p:childTnLst>
+                        <p:par>
+                          <p:cTn id="16" fill="hold">
+                            <p:stCondLst>
+                              <p:cond delay="0"/>
+                            </p:stCondLst>
+                            <p:childTnLst>
+                              <p:par>
+                                <p:cTn id="17" presetID="1" presetClass="entr" presetSubtype="0" fill="hold" grpId="0" nodeType="clickEffect">
+                                  <p:stCondLst>
+                                    <p:cond delay="0"/>
+                                  </p:stCondLst>
+                                  <p:childTnLst>
+                                    <p:set>
+                                      <p:cBhvr>
+                                        <p:cTn id="18" dur="1" fill="hold">
+                                          <p:stCondLst>
+                                            <p:cond delay="0"/>
+                                          </p:stCondLst>
+                                        </p:cTn>
+                                        <p:tgtEl>
+                                          <p:spTgt spid="8"/>
+                                        </p:tgtEl>
+                                        <p:attrNameLst>
+                                          <p:attrName>style.visibility</p:attrName>
+                                        </p:attrNameLst>
+                                      </p:cBhvr>
+                                      <p:to>
+                                        <p:strVal val="visible"/>
+                                      </p:to>
+                                    </p:set>
+                                  </p:childTnLst>
+                                </p:cTn>
+                              </p:par>
+                              <p:par>
+                                <p:cTn id="19" presetID="1" presetClass="entr" presetSubtype="0" fill="hold" nodeType="withEffect">
+                                  <p:stCondLst>
+                                    <p:cond delay="0"/>
+                                  </p:stCondLst>
+                                  <p:childTnLst>
+                                    <p:set>
+                                      <p:cBhvr>
+                                        <p:cTn id="20" dur="1" fill="hold">
+                                          <p:stCondLst>
+                                            <p:cond delay="0"/>
+                                          </p:stCondLst>
+                                        </p:cTn>
+                                        <p:tgtEl>
+                                          <p:spTgt spid="16"/>
+                                        </p:tgtEl>
+                                        <p:attrNameLst>
+                                          <p:attrName>style.visibility</p:attrName>
+                                        </p:attrNameLst>
+                                      </p:cBhvr>
+                                      <p:to>
+                                        <p:strVal val="visible"/>
+                                      </p:to>
+                                    </p:set>
+                                  </p:childTnLst>
+                                </p:cTn>
+                              </p:par>
+                              <p:par>
+                                <p:cTn id="21" presetID="1" presetClass="entr" presetSubtype="0" fill="hold" grpId="0" nodeType="withEffect">
+                                  <p:stCondLst>
+                                    <p:cond delay="0"/>
+                                  </p:stCondLst>
+                                  <p:childTnLst>
+                                    <p:set>
+                                      <p:cBhvr>
+                                        <p:cTn id="22" dur="1" fill="hold">
+                                          <p:stCondLst>
+                                            <p:cond delay="0"/>
+                                          </p:stCondLst>
+                                        </p:cTn>
+                                        <p:tgtEl>
+                                          <p:spTgt spid="9"/>
+                                        </p:tgtEl>
+                                        <p:attrNameLst>
+                                          <p:attrName>style.visibility</p:attrName>
+                                        </p:attrNameLst>
+                                      </p:cBhvr>
+                                      <p:to>
+                                        <p:strVal val="visible"/>
+                                      </p:to>
+                                    </p:set>
+                                  </p:childTnLst>
+                                </p:cTn>
+                              </p:par>
+                            </p:childTnLst>
+                          </p:cTn>
+                        </p:par>
+                      </p:childTnLst>
+                    </p:cTn>
+                  </p:par>
+                </p:childTnLst>
+              </p:cTn>
+              <p:prevCondLst>
+                <p:cond evt="onPrev" delay="0">
+                  <p:tgtEl>
+                    <p:sldTgt/>
+                  </p:tgtEl>
+                </p:cond>
+              </p:prevCondLst>
+              <p:nextCondLst>
+                <p:cond evt="onNext" delay="0">
+                  <p:tgtEl>
+                    <p:sldTgt/>
+                  </p:tgtEl>
+                </p:cond>
+              </p:nextCondLst>
+            </p:seq>
+          </p:childTnLst>
+        </p:cTn>
+      </p:par>
+    </p:tnLst>
+    <p:bldLst>
+      <p:bldP spid="8" grpId="0"/>
+      <p:bldP spid="9" grpId="0"/>
+      <p:bldP spid="10" grpId="0" animBg="1"/>
+      <p:bldP spid="17" grpId="0"/>
+    </p:bldLst>
+  </p:timing>
 </p:sld>
 </file>
 
@@ -20993,30 +24979,6 @@
           </a:p>
         </p:txBody>
       </p:sp>
-      <p:pic>
-        <p:nvPicPr>
-          <p:cNvPr id="256" name="Picture 3_1" descr="r-while-loop.jpg"/>
-          <p:cNvPicPr/>
-          <p:nvPr/>
-        </p:nvPicPr>
-        <p:blipFill>
-          <a:blip r:embed="rId2"/>
-          <a:srcRect b="6319"/>
-          <a:stretch/>
-        </p:blipFill>
-        <p:spPr>
-          <a:xfrm>
-            <a:off x="5796000" y="1566720"/>
-            <a:ext cx="2830680" cy="4424400"/>
-          </a:xfrm>
-          <a:prstGeom prst="rect">
-            <a:avLst/>
-          </a:prstGeom>
-          <a:ln>
-            <a:noFill/>
-          </a:ln>
-        </p:spPr>
-      </p:pic>
       <p:sp>
         <p:nvSpPr>
           <p:cNvPr id="257" name="CustomShape 4"/>
@@ -21273,11 +25235,698 @@
           </a:p>
         </p:txBody>
       </p:sp>
+      <p:sp>
+        <p:nvSpPr>
+          <p:cNvPr id="2" name="Decision 1">
+            <a:extLst>
+              <a:ext uri="{FF2B5EF4-FFF2-40B4-BE49-F238E27FC236}">
+                <a16:creationId xmlns:a16="http://schemas.microsoft.com/office/drawing/2014/main" id="{97D8FA68-4C72-1928-A32C-9FFE88E5FC8B}"/>
+              </a:ext>
+            </a:extLst>
+          </p:cNvPr>
+          <p:cNvSpPr/>
+          <p:nvPr/>
+        </p:nvSpPr>
+        <p:spPr>
+          <a:xfrm>
+            <a:off x="6179032" y="1827360"/>
+            <a:ext cx="1896136" cy="1862108"/>
+          </a:xfrm>
+          <a:prstGeom prst="flowChartDecision">
+            <a:avLst/>
+          </a:prstGeom>
+        </p:spPr>
+        <p:style>
+          <a:lnRef idx="2">
+            <a:schemeClr val="accent1">
+              <a:shade val="15000"/>
+            </a:schemeClr>
+          </a:lnRef>
+          <a:fillRef idx="1">
+            <a:schemeClr val="accent1"/>
+          </a:fillRef>
+          <a:effectRef idx="0">
+            <a:schemeClr val="accent1"/>
+          </a:effectRef>
+          <a:fontRef idx="minor">
+            <a:schemeClr val="lt1"/>
+          </a:fontRef>
+        </p:style>
+        <p:txBody>
+          <a:bodyPr rtlCol="0" anchor="ctr"/>
+          <a:lstStyle/>
+          <a:p>
+            <a:pPr algn="ctr"/>
+            <a:r>
+              <a:rPr lang="en-US" sz="1400" dirty="0"/>
+              <a:t>Test condition</a:t>
+            </a:r>
+          </a:p>
+        </p:txBody>
+      </p:sp>
+      <p:cxnSp>
+        <p:nvCxnSpPr>
+          <p:cNvPr id="3" name="Straight Arrow Connector 2">
+            <a:extLst>
+              <a:ext uri="{FF2B5EF4-FFF2-40B4-BE49-F238E27FC236}">
+                <a16:creationId xmlns:a16="http://schemas.microsoft.com/office/drawing/2014/main" id="{309CC855-FBDF-53EA-ABEF-F0565ED77EED}"/>
+              </a:ext>
+            </a:extLst>
+          </p:cNvPr>
+          <p:cNvCxnSpPr/>
+          <p:nvPr/>
+        </p:nvCxnSpPr>
+        <p:spPr>
+          <a:xfrm>
+            <a:off x="7130069" y="833760"/>
+            <a:ext cx="0" cy="993600"/>
+          </a:xfrm>
+          <a:prstGeom prst="straightConnector1">
+            <a:avLst/>
+          </a:prstGeom>
+          <a:ln>
+            <a:tailEnd type="triangle"/>
+          </a:ln>
+        </p:spPr>
+        <p:style>
+          <a:lnRef idx="1">
+            <a:schemeClr val="dk1"/>
+          </a:lnRef>
+          <a:fillRef idx="0">
+            <a:schemeClr val="dk1"/>
+          </a:fillRef>
+          <a:effectRef idx="0">
+            <a:schemeClr val="dk1"/>
+          </a:effectRef>
+          <a:fontRef idx="minor">
+            <a:schemeClr val="tx1"/>
+          </a:fontRef>
+        </p:style>
+      </p:cxnSp>
+      <p:sp>
+        <p:nvSpPr>
+          <p:cNvPr id="4" name="TextBox 3">
+            <a:extLst>
+              <a:ext uri="{FF2B5EF4-FFF2-40B4-BE49-F238E27FC236}">
+                <a16:creationId xmlns:a16="http://schemas.microsoft.com/office/drawing/2014/main" id="{8B1B026D-896D-DCA8-3AE5-E60A6DE9BF7E}"/>
+              </a:ext>
+            </a:extLst>
+          </p:cNvPr>
+          <p:cNvSpPr txBox="1"/>
+          <p:nvPr/>
+        </p:nvSpPr>
+        <p:spPr>
+          <a:xfrm>
+            <a:off x="7287904" y="1009934"/>
+            <a:ext cx="1091821" cy="584775"/>
+          </a:xfrm>
+          <a:prstGeom prst="rect">
+            <a:avLst/>
+          </a:prstGeom>
+          <a:noFill/>
+        </p:spPr>
+        <p:txBody>
+          <a:bodyPr wrap="square" rtlCol="0">
+            <a:spAutoFit/>
+          </a:bodyPr>
+          <a:lstStyle/>
+          <a:p>
+            <a:pPr algn="ctr"/>
+            <a:r>
+              <a:rPr lang="en-US" sz="1600" dirty="0"/>
+              <a:t>Enter while loop</a:t>
+            </a:r>
+          </a:p>
+        </p:txBody>
+      </p:sp>
+      <p:sp>
+        <p:nvSpPr>
+          <p:cNvPr id="5" name="TextBox 4">
+            <a:extLst>
+              <a:ext uri="{FF2B5EF4-FFF2-40B4-BE49-F238E27FC236}">
+                <a16:creationId xmlns:a16="http://schemas.microsoft.com/office/drawing/2014/main" id="{B9D6D43C-5BCB-E09D-D715-F374B77A1800}"/>
+              </a:ext>
+            </a:extLst>
+          </p:cNvPr>
+          <p:cNvSpPr txBox="1"/>
+          <p:nvPr/>
+        </p:nvSpPr>
+        <p:spPr>
+          <a:xfrm>
+            <a:off x="7833814" y="2400843"/>
+            <a:ext cx="1091821" cy="338554"/>
+          </a:xfrm>
+          <a:prstGeom prst="rect">
+            <a:avLst/>
+          </a:prstGeom>
+          <a:noFill/>
+        </p:spPr>
+        <p:txBody>
+          <a:bodyPr wrap="square" rtlCol="0">
+            <a:spAutoFit/>
+          </a:bodyPr>
+          <a:lstStyle/>
+          <a:p>
+            <a:pPr algn="ctr"/>
+            <a:r>
+              <a:rPr lang="en-US" sz="1600" dirty="0"/>
+              <a:t>FALSE</a:t>
+            </a:r>
+          </a:p>
+        </p:txBody>
+      </p:sp>
+      <p:sp>
+        <p:nvSpPr>
+          <p:cNvPr id="6" name="TextBox 5">
+            <a:extLst>
+              <a:ext uri="{FF2B5EF4-FFF2-40B4-BE49-F238E27FC236}">
+                <a16:creationId xmlns:a16="http://schemas.microsoft.com/office/drawing/2014/main" id="{736540DC-39C1-7725-8CD2-FA95E9F96DAD}"/>
+              </a:ext>
+            </a:extLst>
+          </p:cNvPr>
+          <p:cNvSpPr txBox="1"/>
+          <p:nvPr/>
+        </p:nvSpPr>
+        <p:spPr>
+          <a:xfrm>
+            <a:off x="7713316" y="5558990"/>
+            <a:ext cx="1091821" cy="338554"/>
+          </a:xfrm>
+          <a:prstGeom prst="rect">
+            <a:avLst/>
+          </a:prstGeom>
+          <a:noFill/>
+        </p:spPr>
+        <p:txBody>
+          <a:bodyPr wrap="square" rtlCol="0">
+            <a:spAutoFit/>
+          </a:bodyPr>
+          <a:lstStyle/>
+          <a:p>
+            <a:pPr algn="ctr"/>
+            <a:r>
+              <a:rPr lang="en-US" sz="1600" dirty="0"/>
+              <a:t>Exit loop</a:t>
+            </a:r>
+          </a:p>
+        </p:txBody>
+      </p:sp>
+      <p:sp>
+        <p:nvSpPr>
+          <p:cNvPr id="7" name="Process 6">
+            <a:extLst>
+              <a:ext uri="{FF2B5EF4-FFF2-40B4-BE49-F238E27FC236}">
+                <a16:creationId xmlns:a16="http://schemas.microsoft.com/office/drawing/2014/main" id="{A87F99AE-D893-4BE0-A874-F955972C4024}"/>
+              </a:ext>
+            </a:extLst>
+          </p:cNvPr>
+          <p:cNvSpPr/>
+          <p:nvPr/>
+        </p:nvSpPr>
+        <p:spPr>
+          <a:xfrm>
+            <a:off x="6413002" y="4696716"/>
+            <a:ext cx="1434459" cy="584968"/>
+          </a:xfrm>
+          <a:prstGeom prst="flowChartProcess">
+            <a:avLst/>
+          </a:prstGeom>
+        </p:spPr>
+        <p:style>
+          <a:lnRef idx="2">
+            <a:schemeClr val="accent1">
+              <a:shade val="15000"/>
+            </a:schemeClr>
+          </a:lnRef>
+          <a:fillRef idx="1">
+            <a:schemeClr val="accent1"/>
+          </a:fillRef>
+          <a:effectRef idx="0">
+            <a:schemeClr val="accent1"/>
+          </a:effectRef>
+          <a:fontRef idx="minor">
+            <a:schemeClr val="lt1"/>
+          </a:fontRef>
+        </p:style>
+        <p:txBody>
+          <a:bodyPr rtlCol="0" anchor="ctr"/>
+          <a:lstStyle/>
+          <a:p>
+            <a:pPr algn="ctr"/>
+            <a:r>
+              <a:rPr lang="en-US" dirty="0"/>
+              <a:t>Statements</a:t>
+            </a:r>
+          </a:p>
+        </p:txBody>
+      </p:sp>
+      <p:cxnSp>
+        <p:nvCxnSpPr>
+          <p:cNvPr id="8" name="Straight Arrow Connector 7">
+            <a:extLst>
+              <a:ext uri="{FF2B5EF4-FFF2-40B4-BE49-F238E27FC236}">
+                <a16:creationId xmlns:a16="http://schemas.microsoft.com/office/drawing/2014/main" id="{001F4393-D8CF-9F39-030E-75A164BBBFA9}"/>
+              </a:ext>
+            </a:extLst>
+          </p:cNvPr>
+          <p:cNvCxnSpPr>
+            <a:stCxn id="2" idx="2"/>
+            <a:endCxn id="7" idx="0"/>
+          </p:cNvCxnSpPr>
+          <p:nvPr/>
+        </p:nvCxnSpPr>
+        <p:spPr>
+          <a:xfrm>
+            <a:off x="7127100" y="3689468"/>
+            <a:ext cx="3132" cy="1007248"/>
+          </a:xfrm>
+          <a:prstGeom prst="straightConnector1">
+            <a:avLst/>
+          </a:prstGeom>
+          <a:ln>
+            <a:tailEnd type="triangle"/>
+          </a:ln>
+        </p:spPr>
+        <p:style>
+          <a:lnRef idx="1">
+            <a:schemeClr val="dk1"/>
+          </a:lnRef>
+          <a:fillRef idx="0">
+            <a:schemeClr val="dk1"/>
+          </a:fillRef>
+          <a:effectRef idx="0">
+            <a:schemeClr val="dk1"/>
+          </a:effectRef>
+          <a:fontRef idx="minor">
+            <a:schemeClr val="tx1"/>
+          </a:fontRef>
+        </p:style>
+      </p:cxnSp>
+      <p:cxnSp>
+        <p:nvCxnSpPr>
+          <p:cNvPr id="9" name="Elbow Connector 8">
+            <a:extLst>
+              <a:ext uri="{FF2B5EF4-FFF2-40B4-BE49-F238E27FC236}">
+                <a16:creationId xmlns:a16="http://schemas.microsoft.com/office/drawing/2014/main" id="{2348B543-8E85-07EE-6C50-E341065B3A90}"/>
+              </a:ext>
+            </a:extLst>
+          </p:cNvPr>
+          <p:cNvCxnSpPr>
+            <a:stCxn id="7" idx="1"/>
+            <a:endCxn id="2" idx="1"/>
+          </p:cNvCxnSpPr>
+          <p:nvPr/>
+        </p:nvCxnSpPr>
+        <p:spPr>
+          <a:xfrm rot="10800000">
+            <a:off x="6179032" y="2758414"/>
+            <a:ext cx="233970" cy="2230786"/>
+          </a:xfrm>
+          <a:prstGeom prst="bentConnector3">
+            <a:avLst>
+              <a:gd name="adj1" fmla="val 197705"/>
+            </a:avLst>
+          </a:prstGeom>
+          <a:ln>
+            <a:tailEnd type="triangle"/>
+          </a:ln>
+        </p:spPr>
+        <p:style>
+          <a:lnRef idx="1">
+            <a:schemeClr val="dk1"/>
+          </a:lnRef>
+          <a:fillRef idx="0">
+            <a:schemeClr val="dk1"/>
+          </a:fillRef>
+          <a:effectRef idx="0">
+            <a:schemeClr val="dk1"/>
+          </a:effectRef>
+          <a:fontRef idx="minor">
+            <a:schemeClr val="tx1"/>
+          </a:fontRef>
+        </p:style>
+      </p:cxnSp>
+      <p:cxnSp>
+        <p:nvCxnSpPr>
+          <p:cNvPr id="10" name="Elbow Connector 9">
+            <a:extLst>
+              <a:ext uri="{FF2B5EF4-FFF2-40B4-BE49-F238E27FC236}">
+                <a16:creationId xmlns:a16="http://schemas.microsoft.com/office/drawing/2014/main" id="{CDBFE693-41FE-9C00-60FF-F948DF8DFAB0}"/>
+              </a:ext>
+            </a:extLst>
+          </p:cNvPr>
+          <p:cNvCxnSpPr>
+            <a:stCxn id="2" idx="3"/>
+          </p:cNvCxnSpPr>
+          <p:nvPr/>
+        </p:nvCxnSpPr>
+        <p:spPr>
+          <a:xfrm>
+            <a:off x="8075168" y="2758414"/>
+            <a:ext cx="685129" cy="3409826"/>
+          </a:xfrm>
+          <a:prstGeom prst="bentConnector2">
+            <a:avLst/>
+          </a:prstGeom>
+          <a:ln>
+            <a:tailEnd type="triangle"/>
+          </a:ln>
+        </p:spPr>
+        <p:style>
+          <a:lnRef idx="1">
+            <a:schemeClr val="dk1"/>
+          </a:lnRef>
+          <a:fillRef idx="0">
+            <a:schemeClr val="dk1"/>
+          </a:fillRef>
+          <a:effectRef idx="0">
+            <a:schemeClr val="dk1"/>
+          </a:effectRef>
+          <a:fontRef idx="minor">
+            <a:schemeClr val="tx1"/>
+          </a:fontRef>
+        </p:style>
+      </p:cxnSp>
+      <p:sp>
+        <p:nvSpPr>
+          <p:cNvPr id="11" name="TextBox 10">
+            <a:extLst>
+              <a:ext uri="{FF2B5EF4-FFF2-40B4-BE49-F238E27FC236}">
+                <a16:creationId xmlns:a16="http://schemas.microsoft.com/office/drawing/2014/main" id="{894B205F-7AFC-0CA6-DD6B-BB72F67ED289}"/>
+              </a:ext>
+            </a:extLst>
+          </p:cNvPr>
+          <p:cNvSpPr txBox="1"/>
+          <p:nvPr/>
+        </p:nvSpPr>
+        <p:spPr>
+          <a:xfrm>
+            <a:off x="6872362" y="3942471"/>
+            <a:ext cx="1091821" cy="338554"/>
+          </a:xfrm>
+          <a:prstGeom prst="rect">
+            <a:avLst/>
+          </a:prstGeom>
+          <a:noFill/>
+        </p:spPr>
+        <p:txBody>
+          <a:bodyPr wrap="square" rtlCol="0">
+            <a:spAutoFit/>
+          </a:bodyPr>
+          <a:lstStyle/>
+          <a:p>
+            <a:pPr algn="ctr"/>
+            <a:r>
+              <a:rPr lang="en-US" sz="1600" dirty="0"/>
+              <a:t>TRUE</a:t>
+            </a:r>
+          </a:p>
+        </p:txBody>
+      </p:sp>
     </p:spTree>
   </p:cSld>
   <p:clrMapOvr>
     <a:masterClrMapping/>
   </p:clrMapOvr>
+  <p:timing>
+    <p:tnLst>
+      <p:par>
+        <p:cTn id="1" dur="indefinite" restart="never" nodeType="tmRoot">
+          <p:childTnLst>
+            <p:seq concurrent="1" nextAc="seek">
+              <p:cTn id="2" dur="indefinite" nodeType="mainSeq">
+                <p:childTnLst>
+                  <p:par>
+                    <p:cTn id="3" fill="hold">
+                      <p:stCondLst>
+                        <p:cond delay="indefinite"/>
+                      </p:stCondLst>
+                      <p:childTnLst>
+                        <p:par>
+                          <p:cTn id="4" fill="hold">
+                            <p:stCondLst>
+                              <p:cond delay="0"/>
+                            </p:stCondLst>
+                            <p:childTnLst>
+                              <p:par>
+                                <p:cTn id="5" presetID="1" presetClass="entr" presetSubtype="0" fill="hold" grpId="0" nodeType="clickEffect">
+                                  <p:stCondLst>
+                                    <p:cond delay="0"/>
+                                  </p:stCondLst>
+                                  <p:childTnLst>
+                                    <p:set>
+                                      <p:cBhvr>
+                                        <p:cTn id="6" dur="1" fill="hold">
+                                          <p:stCondLst>
+                                            <p:cond delay="0"/>
+                                          </p:stCondLst>
+                                        </p:cTn>
+                                        <p:tgtEl>
+                                          <p:spTgt spid="11"/>
+                                        </p:tgtEl>
+                                        <p:attrNameLst>
+                                          <p:attrName>style.visibility</p:attrName>
+                                        </p:attrNameLst>
+                                      </p:cBhvr>
+                                      <p:to>
+                                        <p:strVal val="visible"/>
+                                      </p:to>
+                                    </p:set>
+                                  </p:childTnLst>
+                                </p:cTn>
+                              </p:par>
+                              <p:par>
+                                <p:cTn id="7" presetID="1" presetClass="entr" presetSubtype="0" fill="hold" nodeType="withEffect">
+                                  <p:stCondLst>
+                                    <p:cond delay="0"/>
+                                  </p:stCondLst>
+                                  <p:childTnLst>
+                                    <p:set>
+                                      <p:cBhvr>
+                                        <p:cTn id="8" dur="1" fill="hold">
+                                          <p:stCondLst>
+                                            <p:cond delay="0"/>
+                                          </p:stCondLst>
+                                        </p:cTn>
+                                        <p:tgtEl>
+                                          <p:spTgt spid="8"/>
+                                        </p:tgtEl>
+                                        <p:attrNameLst>
+                                          <p:attrName>style.visibility</p:attrName>
+                                        </p:attrNameLst>
+                                      </p:cBhvr>
+                                      <p:to>
+                                        <p:strVal val="visible"/>
+                                      </p:to>
+                                    </p:set>
+                                  </p:childTnLst>
+                                </p:cTn>
+                              </p:par>
+                              <p:par>
+                                <p:cTn id="9" presetID="1" presetClass="entr" presetSubtype="0" fill="hold" grpId="0" nodeType="withEffect">
+                                  <p:stCondLst>
+                                    <p:cond delay="0"/>
+                                  </p:stCondLst>
+                                  <p:childTnLst>
+                                    <p:set>
+                                      <p:cBhvr>
+                                        <p:cTn id="10" dur="1" fill="hold">
+                                          <p:stCondLst>
+                                            <p:cond delay="0"/>
+                                          </p:stCondLst>
+                                        </p:cTn>
+                                        <p:tgtEl>
+                                          <p:spTgt spid="7"/>
+                                        </p:tgtEl>
+                                        <p:attrNameLst>
+                                          <p:attrName>style.visibility</p:attrName>
+                                        </p:attrNameLst>
+                                      </p:cBhvr>
+                                      <p:to>
+                                        <p:strVal val="visible"/>
+                                      </p:to>
+                                    </p:set>
+                                  </p:childTnLst>
+                                </p:cTn>
+                              </p:par>
+                            </p:childTnLst>
+                          </p:cTn>
+                        </p:par>
+                      </p:childTnLst>
+                    </p:cTn>
+                  </p:par>
+                  <p:par>
+                    <p:cTn id="11" fill="hold">
+                      <p:stCondLst>
+                        <p:cond delay="indefinite"/>
+                      </p:stCondLst>
+                      <p:childTnLst>
+                        <p:par>
+                          <p:cTn id="12" fill="hold">
+                            <p:stCondLst>
+                              <p:cond delay="0"/>
+                            </p:stCondLst>
+                            <p:childTnLst>
+                              <p:par>
+                                <p:cTn id="13" presetID="1" presetClass="entr" presetSubtype="0" fill="hold" nodeType="clickEffect">
+                                  <p:stCondLst>
+                                    <p:cond delay="0"/>
+                                  </p:stCondLst>
+                                  <p:childTnLst>
+                                    <p:set>
+                                      <p:cBhvr>
+                                        <p:cTn id="14" dur="1" fill="hold">
+                                          <p:stCondLst>
+                                            <p:cond delay="0"/>
+                                          </p:stCondLst>
+                                        </p:cTn>
+                                        <p:tgtEl>
+                                          <p:spTgt spid="9"/>
+                                        </p:tgtEl>
+                                        <p:attrNameLst>
+                                          <p:attrName>style.visibility</p:attrName>
+                                        </p:attrNameLst>
+                                      </p:cBhvr>
+                                      <p:to>
+                                        <p:strVal val="visible"/>
+                                      </p:to>
+                                    </p:set>
+                                  </p:childTnLst>
+                                </p:cTn>
+                              </p:par>
+                            </p:childTnLst>
+                          </p:cTn>
+                        </p:par>
+                      </p:childTnLst>
+                    </p:cTn>
+                  </p:par>
+                  <p:par>
+                    <p:cTn id="15" fill="hold">
+                      <p:stCondLst>
+                        <p:cond delay="indefinite"/>
+                      </p:stCondLst>
+                      <p:childTnLst>
+                        <p:par>
+                          <p:cTn id="16" fill="hold">
+                            <p:stCondLst>
+                              <p:cond delay="0"/>
+                            </p:stCondLst>
+                            <p:childTnLst>
+                              <p:par>
+                                <p:cTn id="17" presetID="1" presetClass="entr" presetSubtype="0" fill="hold" grpId="0" nodeType="clickEffect">
+                                  <p:stCondLst>
+                                    <p:cond delay="0"/>
+                                  </p:stCondLst>
+                                  <p:childTnLst>
+                                    <p:set>
+                                      <p:cBhvr>
+                                        <p:cTn id="18" dur="1" fill="hold">
+                                          <p:stCondLst>
+                                            <p:cond delay="0"/>
+                                          </p:stCondLst>
+                                        </p:cTn>
+                                        <p:tgtEl>
+                                          <p:spTgt spid="5"/>
+                                        </p:tgtEl>
+                                        <p:attrNameLst>
+                                          <p:attrName>style.visibility</p:attrName>
+                                        </p:attrNameLst>
+                                      </p:cBhvr>
+                                      <p:to>
+                                        <p:strVal val="visible"/>
+                                      </p:to>
+                                    </p:set>
+                                  </p:childTnLst>
+                                </p:cTn>
+                              </p:par>
+                              <p:par>
+                                <p:cTn id="19" presetID="1" presetClass="entr" presetSubtype="0" fill="hold" nodeType="withEffect">
+                                  <p:stCondLst>
+                                    <p:cond delay="0"/>
+                                  </p:stCondLst>
+                                  <p:childTnLst>
+                                    <p:set>
+                                      <p:cBhvr>
+                                        <p:cTn id="20" dur="1" fill="hold">
+                                          <p:stCondLst>
+                                            <p:cond delay="0"/>
+                                          </p:stCondLst>
+                                        </p:cTn>
+                                        <p:tgtEl>
+                                          <p:spTgt spid="10"/>
+                                        </p:tgtEl>
+                                        <p:attrNameLst>
+                                          <p:attrName>style.visibility</p:attrName>
+                                        </p:attrNameLst>
+                                      </p:cBhvr>
+                                      <p:to>
+                                        <p:strVal val="visible"/>
+                                      </p:to>
+                                    </p:set>
+                                  </p:childTnLst>
+                                </p:cTn>
+                              </p:par>
+                              <p:par>
+                                <p:cTn id="21" presetID="1" presetClass="entr" presetSubtype="0" fill="hold" grpId="0" nodeType="withEffect">
+                                  <p:stCondLst>
+                                    <p:cond delay="0"/>
+                                  </p:stCondLst>
+                                  <p:childTnLst>
+                                    <p:set>
+                                      <p:cBhvr>
+                                        <p:cTn id="22" dur="1" fill="hold">
+                                          <p:stCondLst>
+                                            <p:cond delay="0"/>
+                                          </p:stCondLst>
+                                        </p:cTn>
+                                        <p:tgtEl>
+                                          <p:spTgt spid="6"/>
+                                        </p:tgtEl>
+                                        <p:attrNameLst>
+                                          <p:attrName>style.visibility</p:attrName>
+                                        </p:attrNameLst>
+                                      </p:cBhvr>
+                                      <p:to>
+                                        <p:strVal val="visible"/>
+                                      </p:to>
+                                    </p:set>
+                                  </p:childTnLst>
+                                </p:cTn>
+                              </p:par>
+                            </p:childTnLst>
+                          </p:cTn>
+                        </p:par>
+                      </p:childTnLst>
+                    </p:cTn>
+                  </p:par>
+                </p:childTnLst>
+              </p:cTn>
+              <p:prevCondLst>
+                <p:cond evt="onPrev" delay="0">
+                  <p:tgtEl>
+                    <p:sldTgt/>
+                  </p:tgtEl>
+                </p:cond>
+              </p:prevCondLst>
+              <p:nextCondLst>
+                <p:cond evt="onNext" delay="0">
+                  <p:tgtEl>
+                    <p:sldTgt/>
+                  </p:tgtEl>
+                </p:cond>
+              </p:nextCondLst>
+            </p:seq>
+          </p:childTnLst>
+        </p:cTn>
+      </p:par>
+    </p:tnLst>
+    <p:bldLst>
+      <p:bldP spid="5" grpId="0"/>
+      <p:bldP spid="6" grpId="0"/>
+      <p:bldP spid="7" grpId="0" animBg="1"/>
+      <p:bldP spid="11" grpId="0"/>
+    </p:bldLst>
+  </p:timing>
 </p:sld>
 </file>
 

--- a/powerpoint/Session2.pptx
+++ b/powerpoint/Session2.pptx
@@ -147,83 +147,6 @@
 
 <file path=ppt/changesInfos/changesInfo1.xml><?xml version="1.0" encoding="utf-8"?>
 <pc:chgInfo xmlns:a="http://schemas.openxmlformats.org/drawingml/2006/main" xmlns:r="http://schemas.openxmlformats.org/officeDocument/2006/relationships" xmlns:ac="http://schemas.microsoft.com/office/drawing/2013/main/command" xmlns:pc="http://schemas.microsoft.com/office/powerpoint/2013/main/command">
-  <pc:docChgLst>
-    <pc:chgData name="Srinivasa Rao" userId="a6b54366-f13d-4292-8bb4-f06c50909b1e" providerId="ADAL" clId="{CF7D4108-D40D-A74D-804B-296130AF4168}"/>
-    <pc:docChg chg="custSel addSld modSld sldOrd">
-      <pc:chgData name="Srinivasa Rao" userId="a6b54366-f13d-4292-8bb4-f06c50909b1e" providerId="ADAL" clId="{CF7D4108-D40D-A74D-804B-296130AF4168}" dt="2023-10-11T11:42:12.383" v="70" actId="20577"/>
-      <pc:docMkLst>
-        <pc:docMk/>
-      </pc:docMkLst>
-      <pc:sldChg chg="modSp mod">
-        <pc:chgData name="Srinivasa Rao" userId="a6b54366-f13d-4292-8bb4-f06c50909b1e" providerId="ADAL" clId="{CF7D4108-D40D-A74D-804B-296130AF4168}" dt="2023-10-10T07:57:21.749" v="3" actId="27636"/>
-        <pc:sldMkLst>
-          <pc:docMk/>
-          <pc:sldMk cId="0" sldId="256"/>
-        </pc:sldMkLst>
-        <pc:spChg chg="mod">
-          <ac:chgData name="Srinivasa Rao" userId="a6b54366-f13d-4292-8bb4-f06c50909b1e" providerId="ADAL" clId="{CF7D4108-D40D-A74D-804B-296130AF4168}" dt="2023-10-10T07:57:21.749" v="3" actId="27636"/>
-          <ac:spMkLst>
-            <pc:docMk/>
-            <pc:sldMk cId="0" sldId="256"/>
-            <ac:spMk id="228" creationId="{00000000-0000-0000-0000-000000000000}"/>
-          </ac:spMkLst>
-        </pc:spChg>
-        <pc:spChg chg="mod">
-          <ac:chgData name="Srinivasa Rao" userId="a6b54366-f13d-4292-8bb4-f06c50909b1e" providerId="ADAL" clId="{CF7D4108-D40D-A74D-804B-296130AF4168}" dt="2023-10-10T07:57:07.155" v="0"/>
-          <ac:spMkLst>
-            <pc:docMk/>
-            <pc:sldMk cId="0" sldId="256"/>
-            <ac:spMk id="229" creationId="{00000000-0000-0000-0000-000000000000}"/>
-          </ac:spMkLst>
-        </pc:spChg>
-      </pc:sldChg>
-      <pc:sldChg chg="modSp mod">
-        <pc:chgData name="Srinivasa Rao" userId="a6b54366-f13d-4292-8bb4-f06c50909b1e" providerId="ADAL" clId="{CF7D4108-D40D-A74D-804B-296130AF4168}" dt="2023-10-10T07:57:21.726" v="2" actId="27636"/>
-        <pc:sldMkLst>
-          <pc:docMk/>
-          <pc:sldMk cId="0" sldId="260"/>
-        </pc:sldMkLst>
-        <pc:spChg chg="mod">
-          <ac:chgData name="Srinivasa Rao" userId="a6b54366-f13d-4292-8bb4-f06c50909b1e" providerId="ADAL" clId="{CF7D4108-D40D-A74D-804B-296130AF4168}" dt="2023-10-10T07:57:21.726" v="2" actId="27636"/>
-          <ac:spMkLst>
-            <pc:docMk/>
-            <pc:sldMk cId="0" sldId="260"/>
-            <ac:spMk id="239" creationId="{00000000-0000-0000-0000-000000000000}"/>
-          </ac:spMkLst>
-        </pc:spChg>
-      </pc:sldChg>
-      <pc:sldChg chg="modSp mod">
-        <pc:chgData name="Srinivasa Rao" userId="a6b54366-f13d-4292-8bb4-f06c50909b1e" providerId="ADAL" clId="{CF7D4108-D40D-A74D-804B-296130AF4168}" dt="2023-10-11T11:42:12.383" v="70" actId="20577"/>
-        <pc:sldMkLst>
-          <pc:docMk/>
-          <pc:sldMk cId="0" sldId="272"/>
-        </pc:sldMkLst>
-        <pc:spChg chg="mod">
-          <ac:chgData name="Srinivasa Rao" userId="a6b54366-f13d-4292-8bb4-f06c50909b1e" providerId="ADAL" clId="{CF7D4108-D40D-A74D-804B-296130AF4168}" dt="2023-10-11T11:42:12.383" v="70" actId="20577"/>
-          <ac:spMkLst>
-            <pc:docMk/>
-            <pc:sldMk cId="0" sldId="272"/>
-            <ac:spMk id="287" creationId="{00000000-0000-0000-0000-000000000000}"/>
-          </ac:spMkLst>
-        </pc:spChg>
-      </pc:sldChg>
-      <pc:sldChg chg="modSp add mod ord">
-        <pc:chgData name="Srinivasa Rao" userId="a6b54366-f13d-4292-8bb4-f06c50909b1e" providerId="ADAL" clId="{CF7D4108-D40D-A74D-804B-296130AF4168}" dt="2023-10-10T07:57:48.161" v="68" actId="20577"/>
-        <pc:sldMkLst>
-          <pc:docMk/>
-          <pc:sldMk cId="0" sldId="276"/>
-        </pc:sldMkLst>
-        <pc:spChg chg="mod">
-          <ac:chgData name="Srinivasa Rao" userId="a6b54366-f13d-4292-8bb4-f06c50909b1e" providerId="ADAL" clId="{CF7D4108-D40D-A74D-804B-296130AF4168}" dt="2023-10-10T07:57:48.161" v="68" actId="20577"/>
-          <ac:spMkLst>
-            <pc:docMk/>
-            <pc:sldMk cId="0" sldId="276"/>
-            <ac:spMk id="228" creationId="{00000000-0000-0000-0000-000000000000}"/>
-          </ac:spMkLst>
-        </pc:spChg>
-      </pc:sldChg>
-    </pc:docChg>
-  </pc:docChgLst>
   <pc:docChgLst>
     <pc:chgData name="Srinivasa Rao" userId="a6b54366-f13d-4292-8bb4-f06c50909b1e" providerId="ADAL" clId="{385DF428-08F5-EA40-8E12-3B8141233526}"/>
     <pc:docChg chg="custSel modSld">
@@ -835,6 +758,83 @@
       </pc:sldChg>
     </pc:docChg>
   </pc:docChgLst>
+  <pc:docChgLst>
+    <pc:chgData name="Srinivasa Rao" userId="a6b54366-f13d-4292-8bb4-f06c50909b1e" providerId="ADAL" clId="{CF7D4108-D40D-A74D-804B-296130AF4168}"/>
+    <pc:docChg chg="custSel addSld modSld sldOrd">
+      <pc:chgData name="Srinivasa Rao" userId="a6b54366-f13d-4292-8bb4-f06c50909b1e" providerId="ADAL" clId="{CF7D4108-D40D-A74D-804B-296130AF4168}" dt="2023-10-11T11:42:12.383" v="70" actId="20577"/>
+      <pc:docMkLst>
+        <pc:docMk/>
+      </pc:docMkLst>
+      <pc:sldChg chg="modSp mod">
+        <pc:chgData name="Srinivasa Rao" userId="a6b54366-f13d-4292-8bb4-f06c50909b1e" providerId="ADAL" clId="{CF7D4108-D40D-A74D-804B-296130AF4168}" dt="2023-10-10T07:57:21.749" v="3" actId="27636"/>
+        <pc:sldMkLst>
+          <pc:docMk/>
+          <pc:sldMk cId="0" sldId="256"/>
+        </pc:sldMkLst>
+        <pc:spChg chg="mod">
+          <ac:chgData name="Srinivasa Rao" userId="a6b54366-f13d-4292-8bb4-f06c50909b1e" providerId="ADAL" clId="{CF7D4108-D40D-A74D-804B-296130AF4168}" dt="2023-10-10T07:57:21.749" v="3" actId="27636"/>
+          <ac:spMkLst>
+            <pc:docMk/>
+            <pc:sldMk cId="0" sldId="256"/>
+            <ac:spMk id="228" creationId="{00000000-0000-0000-0000-000000000000}"/>
+          </ac:spMkLst>
+        </pc:spChg>
+        <pc:spChg chg="mod">
+          <ac:chgData name="Srinivasa Rao" userId="a6b54366-f13d-4292-8bb4-f06c50909b1e" providerId="ADAL" clId="{CF7D4108-D40D-A74D-804B-296130AF4168}" dt="2023-10-10T07:57:07.155" v="0"/>
+          <ac:spMkLst>
+            <pc:docMk/>
+            <pc:sldMk cId="0" sldId="256"/>
+            <ac:spMk id="229" creationId="{00000000-0000-0000-0000-000000000000}"/>
+          </ac:spMkLst>
+        </pc:spChg>
+      </pc:sldChg>
+      <pc:sldChg chg="modSp mod">
+        <pc:chgData name="Srinivasa Rao" userId="a6b54366-f13d-4292-8bb4-f06c50909b1e" providerId="ADAL" clId="{CF7D4108-D40D-A74D-804B-296130AF4168}" dt="2023-10-10T07:57:21.726" v="2" actId="27636"/>
+        <pc:sldMkLst>
+          <pc:docMk/>
+          <pc:sldMk cId="0" sldId="260"/>
+        </pc:sldMkLst>
+        <pc:spChg chg="mod">
+          <ac:chgData name="Srinivasa Rao" userId="a6b54366-f13d-4292-8bb4-f06c50909b1e" providerId="ADAL" clId="{CF7D4108-D40D-A74D-804B-296130AF4168}" dt="2023-10-10T07:57:21.726" v="2" actId="27636"/>
+          <ac:spMkLst>
+            <pc:docMk/>
+            <pc:sldMk cId="0" sldId="260"/>
+            <ac:spMk id="239" creationId="{00000000-0000-0000-0000-000000000000}"/>
+          </ac:spMkLst>
+        </pc:spChg>
+      </pc:sldChg>
+      <pc:sldChg chg="modSp mod">
+        <pc:chgData name="Srinivasa Rao" userId="a6b54366-f13d-4292-8bb4-f06c50909b1e" providerId="ADAL" clId="{CF7D4108-D40D-A74D-804B-296130AF4168}" dt="2023-10-11T11:42:12.383" v="70" actId="20577"/>
+        <pc:sldMkLst>
+          <pc:docMk/>
+          <pc:sldMk cId="0" sldId="272"/>
+        </pc:sldMkLst>
+        <pc:spChg chg="mod">
+          <ac:chgData name="Srinivasa Rao" userId="a6b54366-f13d-4292-8bb4-f06c50909b1e" providerId="ADAL" clId="{CF7D4108-D40D-A74D-804B-296130AF4168}" dt="2023-10-11T11:42:12.383" v="70" actId="20577"/>
+          <ac:spMkLst>
+            <pc:docMk/>
+            <pc:sldMk cId="0" sldId="272"/>
+            <ac:spMk id="287" creationId="{00000000-0000-0000-0000-000000000000}"/>
+          </ac:spMkLst>
+        </pc:spChg>
+      </pc:sldChg>
+      <pc:sldChg chg="modSp add mod ord">
+        <pc:chgData name="Srinivasa Rao" userId="a6b54366-f13d-4292-8bb4-f06c50909b1e" providerId="ADAL" clId="{CF7D4108-D40D-A74D-804B-296130AF4168}" dt="2023-10-10T07:57:48.161" v="68" actId="20577"/>
+        <pc:sldMkLst>
+          <pc:docMk/>
+          <pc:sldMk cId="0" sldId="276"/>
+        </pc:sldMkLst>
+        <pc:spChg chg="mod">
+          <ac:chgData name="Srinivasa Rao" userId="a6b54366-f13d-4292-8bb4-f06c50909b1e" providerId="ADAL" clId="{CF7D4108-D40D-A74D-804B-296130AF4168}" dt="2023-10-10T07:57:48.161" v="68" actId="20577"/>
+          <ac:spMkLst>
+            <pc:docMk/>
+            <pc:sldMk cId="0" sldId="276"/>
+            <ac:spMk id="228" creationId="{00000000-0000-0000-0000-000000000000}"/>
+          </ac:spMkLst>
+        </pc:spChg>
+      </pc:sldChg>
+    </pc:docChg>
+  </pc:docChgLst>
 </pc:chgInfo>
 </file>
 
@@ -12828,7 +12828,7 @@
         <p:spPr>
           <a:xfrm>
             <a:off x="678600" y="2723760"/>
-            <a:ext cx="3831480" cy="1461240"/>
+            <a:ext cx="3831480" cy="1198875"/>
           </a:xfrm>
           <a:prstGeom prst="rect">
             <a:avLst/>
@@ -12862,7 +12862,7 @@
               </a:lnSpc>
             </a:pPr>
             <a:r>
-              <a:rPr lang="en-US" sz="1800" b="0" strike="noStrike" spc="-1">
+              <a:rPr lang="en-US" sz="1800" b="0" strike="noStrike" spc="-1" dirty="0">
                 <a:solidFill>
                   <a:srgbClr val="000000"/>
                 </a:solidFill>
@@ -12871,7 +12871,7 @@
               </a:rPr>
               <a:t>x &lt;- 1</a:t>
             </a:r>
-            <a:endParaRPr lang="en-GB" sz="1800" b="0" strike="noStrike" spc="-1">
+            <a:endParaRPr lang="en-GB" sz="1800" b="0" strike="noStrike" spc="-1" dirty="0">
               <a:latin typeface="Arial"/>
             </a:endParaRPr>
           </a:p>
@@ -12882,16 +12882,16 @@
               </a:lnSpc>
             </a:pPr>
             <a:r>
-              <a:rPr lang="en-US" sz="1800" b="0" strike="noStrike" spc="-1">
+              <a:rPr lang="en-US" sz="1800" b="0" strike="noStrike" spc="-1" dirty="0">
                 <a:solidFill>
                   <a:srgbClr val="000000"/>
                 </a:solidFill>
                 <a:latin typeface="Courier New"/>
                 <a:ea typeface="DejaVu Sans"/>
               </a:rPr>
-              <a:t>while (x=1)</a:t>
-            </a:r>
-            <a:endParaRPr lang="en-GB" sz="1800" b="0" strike="noStrike" spc="-1">
+              <a:t>while (x=1){</a:t>
+            </a:r>
+            <a:endParaRPr lang="en-GB" sz="1800" b="0" strike="noStrike" spc="-1" dirty="0">
               <a:latin typeface="Arial"/>
             </a:endParaRPr>
           </a:p>
@@ -12902,16 +12902,26 @@
               </a:lnSpc>
             </a:pPr>
             <a:r>
-              <a:rPr lang="en-US" sz="1800" b="0" strike="noStrike" spc="-1">
+              <a:rPr lang="en-US" spc="-1" dirty="0">
                 <a:solidFill>
                   <a:srgbClr val="000000"/>
                 </a:solidFill>
                 <a:latin typeface="Courier New"/>
                 <a:ea typeface="DejaVu Sans"/>
               </a:rPr>
-              <a:t>{</a:t>
-            </a:r>
-            <a:endParaRPr lang="en-GB" sz="1800" b="0" strike="noStrike" spc="-1">
+              <a:t>p</a:t>
+            </a:r>
+            <a:r>
+              <a:rPr lang="en-US" sz="1800" b="0" strike="noStrike" spc="-1" dirty="0">
+                <a:solidFill>
+                  <a:srgbClr val="000000"/>
+                </a:solidFill>
+                <a:latin typeface="Courier New"/>
+                <a:ea typeface="DejaVu Sans"/>
+              </a:rPr>
+              <a:t>rint(“Let’s move on!”)</a:t>
+            </a:r>
+            <a:endParaRPr lang="en-GB" sz="1800" b="0" strike="noStrike" spc="-1" dirty="0">
               <a:latin typeface="Arial"/>
             </a:endParaRPr>
           </a:p>
@@ -12922,36 +12932,16 @@
               </a:lnSpc>
             </a:pPr>
             <a:r>
-              <a:rPr lang="en-US" sz="1800" b="0" strike="noStrike" spc="-1">
+              <a:rPr lang="en-US" sz="1800" b="0" strike="noStrike" spc="-1" dirty="0">
                 <a:solidFill>
                   <a:srgbClr val="000000"/>
                 </a:solidFill>
                 <a:latin typeface="Courier New"/>
                 <a:ea typeface="DejaVu Sans"/>
               </a:rPr>
-              <a:t>Print(“Let’s move on!”)</a:t>
-            </a:r>
-            <a:endParaRPr lang="en-GB" sz="1800" b="0" strike="noStrike" spc="-1">
-              <a:latin typeface="Arial"/>
-            </a:endParaRPr>
-          </a:p>
-          <a:p>
-            <a:pPr>
-              <a:lnSpc>
-                <a:spcPct val="100000"/>
-              </a:lnSpc>
-            </a:pPr>
-            <a:r>
-              <a:rPr lang="en-US" sz="1800" b="0" strike="noStrike" spc="-1">
-                <a:solidFill>
-                  <a:srgbClr val="000000"/>
-                </a:solidFill>
-                <a:latin typeface="Courier New"/>
-                <a:ea typeface="DejaVu Sans"/>
-              </a:rPr>
               <a:t>}</a:t>
             </a:r>
-            <a:endParaRPr lang="en-GB" sz="1800" b="0" strike="noStrike" spc="-1">
+            <a:endParaRPr lang="en-GB" sz="1800" b="0" strike="noStrike" spc="-1" dirty="0">
               <a:latin typeface="Arial"/>
             </a:endParaRPr>
           </a:p>
@@ -23848,7 +23838,7 @@
         <p:spPr>
           <a:xfrm>
             <a:off x="539640" y="2174040"/>
-            <a:ext cx="4570560" cy="1186920"/>
+            <a:ext cx="4570560" cy="921876"/>
           </a:xfrm>
           <a:prstGeom prst="rect">
             <a:avLst/>
@@ -23882,16 +23872,16 @@
               </a:lnSpc>
             </a:pPr>
             <a:r>
-              <a:rPr lang="en-US" sz="1800" b="0" strike="noStrike" spc="-1">
+              <a:rPr lang="en-US" sz="1800" b="0" strike="noStrike" spc="-1" dirty="0">
                 <a:solidFill>
                   <a:srgbClr val="000000"/>
                 </a:solidFill>
                 <a:latin typeface="Courier New"/>
                 <a:ea typeface="DejaVu Sans"/>
               </a:rPr>
-              <a:t>for (val in sequence)</a:t>
-            </a:r>
-            <a:endParaRPr lang="en-GB" sz="1800" b="0" strike="noStrike" spc="-1">
+              <a:t>for (value in sequence){</a:t>
+            </a:r>
+            <a:endParaRPr lang="en-GB" sz="1800" b="0" strike="noStrike" spc="-1" dirty="0">
               <a:latin typeface="Arial"/>
             </a:endParaRPr>
           </a:p>
@@ -23902,16 +23892,16 @@
               </a:lnSpc>
             </a:pPr>
             <a:r>
-              <a:rPr lang="en-US" sz="1800" b="0" strike="noStrike" spc="-1">
+              <a:rPr lang="en-US" sz="1800" b="0" strike="noStrike" spc="-1" dirty="0">
                 <a:solidFill>
                   <a:srgbClr val="000000"/>
                 </a:solidFill>
                 <a:latin typeface="Courier New"/>
                 <a:ea typeface="DejaVu Sans"/>
               </a:rPr>
-              <a:t>{</a:t>
-            </a:r>
-            <a:endParaRPr lang="en-GB" sz="1800" b="0" strike="noStrike" spc="-1">
+              <a:t>statement</a:t>
+            </a:r>
+            <a:endParaRPr lang="en-GB" sz="1800" b="0" strike="noStrike" spc="-1" dirty="0">
               <a:latin typeface="Arial"/>
             </a:endParaRPr>
           </a:p>
@@ -23922,36 +23912,16 @@
               </a:lnSpc>
             </a:pPr>
             <a:r>
-              <a:rPr lang="en-US" sz="1800" b="0" strike="noStrike" spc="-1">
+              <a:rPr lang="en-US" sz="1800" b="0" strike="noStrike" spc="-1" dirty="0">
                 <a:solidFill>
                   <a:srgbClr val="000000"/>
                 </a:solidFill>
                 <a:latin typeface="Courier New"/>
                 <a:ea typeface="DejaVu Sans"/>
               </a:rPr>
-              <a:t>statement</a:t>
-            </a:r>
-            <a:endParaRPr lang="en-GB" sz="1800" b="0" strike="noStrike" spc="-1">
-              <a:latin typeface="Arial"/>
-            </a:endParaRPr>
-          </a:p>
-          <a:p>
-            <a:pPr>
-              <a:lnSpc>
-                <a:spcPct val="100000"/>
-              </a:lnSpc>
-            </a:pPr>
-            <a:r>
-              <a:rPr lang="en-US" sz="1800" b="0" strike="noStrike" spc="-1">
-                <a:solidFill>
-                  <a:srgbClr val="000000"/>
-                </a:solidFill>
-                <a:latin typeface="Courier New"/>
-                <a:ea typeface="DejaVu Sans"/>
-              </a:rPr>
               <a:t>}</a:t>
             </a:r>
-            <a:endParaRPr lang="en-GB" sz="1800" b="0" strike="noStrike" spc="-1">
+            <a:endParaRPr lang="en-GB" sz="1800" b="0" strike="noStrike" spc="-1" dirty="0">
               <a:latin typeface="Arial"/>
             </a:endParaRPr>
           </a:p>
@@ -23966,7 +23936,7 @@
         <p:spPr>
           <a:xfrm>
             <a:off x="519840" y="4317120"/>
-            <a:ext cx="5115240" cy="1461240"/>
+            <a:ext cx="5115240" cy="1198875"/>
           </a:xfrm>
           <a:prstGeom prst="rect">
             <a:avLst/>
@@ -24000,7 +23970,7 @@
               </a:lnSpc>
             </a:pPr>
             <a:r>
-              <a:rPr lang="en-US" sz="1800" b="0" strike="noStrike" spc="-1">
+              <a:rPr lang="en-US" sz="1800" b="0" strike="noStrike" spc="-1" dirty="0">
                 <a:solidFill>
                   <a:srgbClr val="000000"/>
                 </a:solidFill>
@@ -24010,7 +23980,7 @@
               <a:t>for (year in c(2011,2012,2013,2014,2015</a:t>
             </a:r>
             <a:r>
-              <a:rPr lang="ru-RU" sz="1800" b="0" strike="noStrike" spc="-1">
+              <a:rPr lang="ru-RU" sz="1800" b="0" strike="noStrike" spc="-1" dirty="0">
                 <a:solidFill>
                   <a:srgbClr val="000000"/>
                 </a:solidFill>
@@ -24020,16 +23990,16 @@
               <a:t>,2016</a:t>
             </a:r>
             <a:r>
-              <a:rPr lang="en-US" sz="1800" b="0" strike="noStrike" spc="-1">
+              <a:rPr lang="en-US" sz="1800" b="0" strike="noStrike" spc="-1" dirty="0">
                 <a:solidFill>
                   <a:srgbClr val="000000"/>
                 </a:solidFill>
                 <a:latin typeface="Courier New"/>
                 <a:ea typeface="DejaVu Sans"/>
               </a:rPr>
-              <a:t>)) </a:t>
-            </a:r>
-            <a:endParaRPr lang="en-GB" sz="1800" b="0" strike="noStrike" spc="-1">
+              <a:t>)) {</a:t>
+            </a:r>
+            <a:endParaRPr lang="en-GB" sz="1800" b="0" strike="noStrike" spc="-1" dirty="0">
               <a:latin typeface="Arial"/>
             </a:endParaRPr>
           </a:p>
@@ -24040,16 +24010,16 @@
               </a:lnSpc>
             </a:pPr>
             <a:r>
-              <a:rPr lang="en-US" sz="1800" b="0" strike="noStrike" spc="-1">
+              <a:rPr lang="en-US" sz="1800" b="0" strike="noStrike" spc="-1" dirty="0">
                 <a:solidFill>
                   <a:srgbClr val="000000"/>
                 </a:solidFill>
                 <a:latin typeface="Courier New"/>
                 <a:ea typeface="DejaVu Sans"/>
               </a:rPr>
-              <a:t>{	</a:t>
-            </a:r>
-            <a:endParaRPr lang="en-GB" sz="1800" b="0" strike="noStrike" spc="-1">
+              <a:t>  print(paste("The year is", year))</a:t>
+            </a:r>
+            <a:endParaRPr lang="en-GB" sz="1800" b="0" strike="noStrike" spc="-1" dirty="0">
               <a:latin typeface="Arial"/>
             </a:endParaRPr>
           </a:p>
@@ -24060,36 +24030,16 @@
               </a:lnSpc>
             </a:pPr>
             <a:r>
-              <a:rPr lang="en-US" sz="1800" b="0" strike="noStrike" spc="-1">
+              <a:rPr lang="en-US" sz="1800" b="0" strike="noStrike" spc="-1" dirty="0">
                 <a:solidFill>
                   <a:srgbClr val="000000"/>
                 </a:solidFill>
                 <a:latin typeface="Courier New"/>
                 <a:ea typeface="DejaVu Sans"/>
               </a:rPr>
-              <a:t>  print(paste("The year is", year))</a:t>
-            </a:r>
-            <a:endParaRPr lang="en-GB" sz="1800" b="0" strike="noStrike" spc="-1">
-              <a:latin typeface="Arial"/>
-            </a:endParaRPr>
-          </a:p>
-          <a:p>
-            <a:pPr>
-              <a:lnSpc>
-                <a:spcPct val="100000"/>
-              </a:lnSpc>
-            </a:pPr>
-            <a:r>
-              <a:rPr lang="en-US" sz="1800" b="0" strike="noStrike" spc="-1">
-                <a:solidFill>
-                  <a:srgbClr val="000000"/>
-                </a:solidFill>
-                <a:latin typeface="Courier New"/>
-                <a:ea typeface="DejaVu Sans"/>
-              </a:rPr>
               <a:t>}	</a:t>
             </a:r>
-            <a:endParaRPr lang="en-GB" sz="1800" b="0" strike="noStrike" spc="-1">
+            <a:endParaRPr lang="en-GB" sz="1800" b="0" strike="noStrike" spc="-1" dirty="0">
               <a:latin typeface="Arial"/>
             </a:endParaRPr>
           </a:p>
@@ -24988,7 +24938,7 @@
         <p:spPr>
           <a:xfrm>
             <a:off x="678600" y="2174040"/>
-            <a:ext cx="4570560" cy="1186920"/>
+            <a:ext cx="4570560" cy="921876"/>
           </a:xfrm>
           <a:prstGeom prst="rect">
             <a:avLst/>
@@ -25022,16 +24972,36 @@
               </a:lnSpc>
             </a:pPr>
             <a:r>
-              <a:rPr lang="en-US" sz="1800" b="0" strike="noStrike" spc="-1">
+              <a:rPr lang="en-US" sz="1800" b="0" strike="noStrike" spc="-1" dirty="0">
                 <a:solidFill>
                   <a:srgbClr val="000000"/>
                 </a:solidFill>
                 <a:latin typeface="Courier New"/>
                 <a:ea typeface="DejaVu Sans"/>
               </a:rPr>
-              <a:t>while (test_expression)</a:t>
-            </a:r>
-            <a:endParaRPr lang="en-GB" sz="1800" b="0" strike="noStrike" spc="-1">
+              <a:t>while (</a:t>
+            </a:r>
+            <a:r>
+              <a:rPr lang="en-US" sz="1800" b="0" strike="noStrike" spc="-1" dirty="0" err="1">
+                <a:solidFill>
+                  <a:srgbClr val="000000"/>
+                </a:solidFill>
+                <a:latin typeface="Courier New"/>
+                <a:ea typeface="DejaVu Sans"/>
+              </a:rPr>
+              <a:t>test_expression</a:t>
+            </a:r>
+            <a:r>
+              <a:rPr lang="en-US" sz="1800" b="0" strike="noStrike" spc="-1" dirty="0">
+                <a:solidFill>
+                  <a:srgbClr val="000000"/>
+                </a:solidFill>
+                <a:latin typeface="Courier New"/>
+                <a:ea typeface="DejaVu Sans"/>
+              </a:rPr>
+              <a:t>){</a:t>
+            </a:r>
+            <a:endParaRPr lang="en-GB" sz="1800" b="0" strike="noStrike" spc="-1" dirty="0">
               <a:latin typeface="Arial"/>
             </a:endParaRPr>
           </a:p>
@@ -25042,16 +25012,16 @@
               </a:lnSpc>
             </a:pPr>
             <a:r>
-              <a:rPr lang="en-US" sz="1800" b="0" strike="noStrike" spc="-1">
+              <a:rPr lang="en-US" sz="1800" b="0" strike="noStrike" spc="-1" dirty="0">
                 <a:solidFill>
                   <a:srgbClr val="000000"/>
                 </a:solidFill>
                 <a:latin typeface="Courier New"/>
                 <a:ea typeface="DejaVu Sans"/>
               </a:rPr>
-              <a:t>{</a:t>
-            </a:r>
-            <a:endParaRPr lang="en-GB" sz="1800" b="0" strike="noStrike" spc="-1">
+              <a:t>statement</a:t>
+            </a:r>
+            <a:endParaRPr lang="en-GB" sz="1800" b="0" strike="noStrike" spc="-1" dirty="0">
               <a:latin typeface="Arial"/>
             </a:endParaRPr>
           </a:p>
@@ -25062,36 +25032,16 @@
               </a:lnSpc>
             </a:pPr>
             <a:r>
-              <a:rPr lang="en-US" sz="1800" b="0" strike="noStrike" spc="-1">
+              <a:rPr lang="en-US" sz="1800" b="0" strike="noStrike" spc="-1" dirty="0">
                 <a:solidFill>
                   <a:srgbClr val="000000"/>
                 </a:solidFill>
                 <a:latin typeface="Courier New"/>
                 <a:ea typeface="DejaVu Sans"/>
               </a:rPr>
-              <a:t>statement</a:t>
-            </a:r>
-            <a:endParaRPr lang="en-GB" sz="1800" b="0" strike="noStrike" spc="-1">
-              <a:latin typeface="Arial"/>
-            </a:endParaRPr>
-          </a:p>
-          <a:p>
-            <a:pPr>
-              <a:lnSpc>
-                <a:spcPct val="100000"/>
-              </a:lnSpc>
-            </a:pPr>
-            <a:r>
-              <a:rPr lang="en-US" sz="1800" b="0" strike="noStrike" spc="-1">
-                <a:solidFill>
-                  <a:srgbClr val="000000"/>
-                </a:solidFill>
-                <a:latin typeface="Courier New"/>
-                <a:ea typeface="DejaVu Sans"/>
-              </a:rPr>
               <a:t>}</a:t>
             </a:r>
-            <a:endParaRPr lang="en-GB" sz="1800" b="0" strike="noStrike" spc="-1">
+            <a:endParaRPr lang="en-GB" sz="1800" b="0" strike="noStrike" spc="-1" dirty="0">
               <a:latin typeface="Arial"/>
             </a:endParaRPr>
           </a:p>
